--- a/maven4-java25-presentation.pptx
+++ b/maven4-java25-presentation.pptx
@@ -5,7 +5,7 @@
     <p:sldMasterId id="2147483648" r:id="rId1"/>
   </p:sldMasterIdLst>
   <p:notesMasterIdLst>
-    <p:notesMasterId r:id="rId32"/>
+    <p:notesMasterId r:id="rId43"/>
   </p:notesMasterIdLst>
   <p:sldIdLst>
     <p:sldId id="256" r:id="rId2"/>
@@ -31,13 +31,24 @@
     <p:sldId id="285" r:id="rId22"/>
     <p:sldId id="286" r:id="rId23"/>
     <p:sldId id="287" r:id="rId24"/>
-    <p:sldId id="261" r:id="rId25"/>
-    <p:sldId id="275" r:id="rId26"/>
-    <p:sldId id="270" r:id="rId27"/>
-    <p:sldId id="276" r:id="rId28"/>
-    <p:sldId id="271" r:id="rId29"/>
-    <p:sldId id="273" r:id="rId30"/>
-    <p:sldId id="274" r:id="rId31"/>
+    <p:sldId id="288" r:id="rId25"/>
+    <p:sldId id="261" r:id="rId26"/>
+    <p:sldId id="275" r:id="rId27"/>
+    <p:sldId id="289" r:id="rId28"/>
+    <p:sldId id="294" r:id="rId29"/>
+    <p:sldId id="290" r:id="rId30"/>
+    <p:sldId id="291" r:id="rId31"/>
+    <p:sldId id="292" r:id="rId32"/>
+    <p:sldId id="293" r:id="rId33"/>
+    <p:sldId id="295" r:id="rId34"/>
+    <p:sldId id="296" r:id="rId35"/>
+    <p:sldId id="297" r:id="rId36"/>
+    <p:sldId id="298" r:id="rId37"/>
+    <p:sldId id="270" r:id="rId38"/>
+    <p:sldId id="276" r:id="rId39"/>
+    <p:sldId id="271" r:id="rId40"/>
+    <p:sldId id="273" r:id="rId41"/>
+    <p:sldId id="274" r:id="rId42"/>
   </p:sldIdLst>
   <p:sldSz cx="12192000" cy="6858000"/>
   <p:notesSz cx="6858000" cy="9144000"/>
@@ -3917,7 +3928,7 @@
           <a:p>
             <a:fld id="{0311717A-8604-9C49-9115-9B2537028286}" type="datetimeFigureOut">
               <a:rPr lang="en-US" smtClean="0"/>
-              <a:t>10/29/25</a:t>
+              <a:t>11/25/25</a:t>
             </a:fld>
             <a:endParaRPr lang="en-US"/>
           </a:p>
@@ -4585,7 +4596,7 @@
             </a:r>
             <a:r>
               <a:rPr lang="en-US" dirty="0"/>
-              <a:t>/Downloads/jdk25-parent-project/demos/</a:t>
+              <a:t>/sandbox/jdk25-parent-project/demos/</a:t>
             </a:r>
             <a:r>
               <a:rPr lang="en-US" dirty="0" err="1"/>
@@ -4859,7 +4870,7 @@
             </a:r>
             <a:r>
               <a:rPr lang="en-US" dirty="0"/>
-              <a:t> does not work  yet, doe not even appear in the CLI doc</a:t>
+              <a:t> does not work  yet, does not even appear in the CLI doc</a:t>
             </a:r>
           </a:p>
           <a:p>
@@ -5351,6 +5362,202 @@
     <p:extLst>
       <p:ext uri="{BB962C8B-B14F-4D97-AF65-F5344CB8AC3E}">
         <p14:creationId xmlns:p14="http://schemas.microsoft.com/office/powerpoint/2010/main" val="4207866567"/>
+      </p:ext>
+    </p:extLst>
+  </p:cSld>
+  <p:clrMapOvr>
+    <a:masterClrMapping/>
+  </p:clrMapOvr>
+</p:notes>
+</file>
+
+<file path=ppt/notesSlides/notesSlide18.xml><?xml version="1.0" encoding="utf-8"?>
+<p:notes xmlns:a="http://schemas.openxmlformats.org/drawingml/2006/main" xmlns:r="http://schemas.openxmlformats.org/officeDocument/2006/relationships" xmlns:p="http://schemas.openxmlformats.org/presentationml/2006/main">
+  <p:cSld>
+    <p:spTree>
+      <p:nvGrpSpPr>
+        <p:cNvPr id="1" name="">
+          <a:extLst>
+            <a:ext uri="{FF2B5EF4-FFF2-40B4-BE49-F238E27FC236}">
+              <a16:creationId xmlns:a16="http://schemas.microsoft.com/office/drawing/2014/main" id="{FC4E4799-361E-899C-023B-F90B9B259799}"/>
+            </a:ext>
+          </a:extLst>
+        </p:cNvPr>
+        <p:cNvGrpSpPr/>
+        <p:nvPr/>
+      </p:nvGrpSpPr>
+      <p:grpSpPr>
+        <a:xfrm>
+          <a:off x="0" y="0"/>
+          <a:ext cx="0" cy="0"/>
+          <a:chOff x="0" y="0"/>
+          <a:chExt cx="0" cy="0"/>
+        </a:xfrm>
+      </p:grpSpPr>
+      <p:sp>
+        <p:nvSpPr>
+          <p:cNvPr id="2" name="Slide Image Placeholder 1">
+            <a:extLst>
+              <a:ext uri="{FF2B5EF4-FFF2-40B4-BE49-F238E27FC236}">
+                <a16:creationId xmlns:a16="http://schemas.microsoft.com/office/drawing/2014/main" id="{73AD1119-CCE4-0049-9289-B9FFF0D1BAE5}"/>
+              </a:ext>
+            </a:extLst>
+          </p:cNvPr>
+          <p:cNvSpPr>
+            <a:spLocks noGrp="1" noRot="1" noChangeAspect="1"/>
+          </p:cNvSpPr>
+          <p:nvPr>
+            <p:ph type="sldImg"/>
+          </p:nvPr>
+        </p:nvSpPr>
+        <p:spPr/>
+      </p:sp>
+      <p:sp>
+        <p:nvSpPr>
+          <p:cNvPr id="3" name="Notes Placeholder 2">
+            <a:extLst>
+              <a:ext uri="{FF2B5EF4-FFF2-40B4-BE49-F238E27FC236}">
+                <a16:creationId xmlns:a16="http://schemas.microsoft.com/office/drawing/2014/main" id="{15DB8E1A-837F-C1AB-1DD7-4F5ECFE726B2}"/>
+              </a:ext>
+            </a:extLst>
+          </p:cNvPr>
+          <p:cNvSpPr>
+            <a:spLocks noGrp="1"/>
+          </p:cNvSpPr>
+          <p:nvPr>
+            <p:ph type="body" idx="1"/>
+          </p:nvPr>
+        </p:nvSpPr>
+        <p:spPr/>
+        <p:txBody>
+          <a:bodyPr/>
+          <a:lstStyle/>
+          <a:p>
+            <a:pPr marL="171450" indent="-171450">
+              <a:buFontTx/>
+              <a:buChar char="-"/>
+            </a:pPr>
+            <a:endParaRPr lang="en-US" dirty="0"/>
+          </a:p>
+        </p:txBody>
+      </p:sp>
+      <p:sp>
+        <p:nvSpPr>
+          <p:cNvPr id="4" name="Slide Number Placeholder 3">
+            <a:extLst>
+              <a:ext uri="{FF2B5EF4-FFF2-40B4-BE49-F238E27FC236}">
+                <a16:creationId xmlns:a16="http://schemas.microsoft.com/office/drawing/2014/main" id="{F8C7DA9E-136C-04B0-4933-E57C6EC902B4}"/>
+              </a:ext>
+            </a:extLst>
+          </p:cNvPr>
+          <p:cNvSpPr>
+            <a:spLocks noGrp="1"/>
+          </p:cNvSpPr>
+          <p:nvPr>
+            <p:ph type="sldNum" sz="quarter" idx="5"/>
+          </p:nvPr>
+        </p:nvSpPr>
+        <p:spPr/>
+        <p:txBody>
+          <a:bodyPr/>
+          <a:lstStyle/>
+          <a:p>
+            <a:fld id="{0B1A8FFB-CB5A-5744-992F-509A4FA86679}" type="slidenum">
+              <a:rPr lang="en-US" smtClean="0"/>
+              <a:t>24</a:t>
+            </a:fld>
+            <a:endParaRPr lang="en-US"/>
+          </a:p>
+        </p:txBody>
+      </p:sp>
+    </p:spTree>
+    <p:extLst>
+      <p:ext uri="{BB962C8B-B14F-4D97-AF65-F5344CB8AC3E}">
+        <p14:creationId xmlns:p14="http://schemas.microsoft.com/office/powerpoint/2010/main" val="3184583322"/>
+      </p:ext>
+    </p:extLst>
+  </p:cSld>
+  <p:clrMapOvr>
+    <a:masterClrMapping/>
+  </p:clrMapOvr>
+</p:notes>
+</file>
+
+<file path=ppt/notesSlides/notesSlide19.xml><?xml version="1.0" encoding="utf-8"?>
+<p:notes xmlns:a="http://schemas.openxmlformats.org/drawingml/2006/main" xmlns:r="http://schemas.openxmlformats.org/officeDocument/2006/relationships" xmlns:p="http://schemas.openxmlformats.org/presentationml/2006/main">
+  <p:cSld>
+    <p:spTree>
+      <p:nvGrpSpPr>
+        <p:cNvPr id="1" name=""/>
+        <p:cNvGrpSpPr/>
+        <p:nvPr/>
+      </p:nvGrpSpPr>
+      <p:grpSpPr>
+        <a:xfrm>
+          <a:off x="0" y="0"/>
+          <a:ext cx="0" cy="0"/>
+          <a:chOff x="0" y="0"/>
+          <a:chExt cx="0" cy="0"/>
+        </a:xfrm>
+      </p:grpSpPr>
+      <p:sp>
+        <p:nvSpPr>
+          <p:cNvPr id="2" name="Slide Image Placeholder 1"/>
+          <p:cNvSpPr>
+            <a:spLocks noGrp="1" noRot="1" noChangeAspect="1"/>
+          </p:cNvSpPr>
+          <p:nvPr>
+            <p:ph type="sldImg"/>
+          </p:nvPr>
+        </p:nvSpPr>
+        <p:spPr/>
+      </p:sp>
+      <p:sp>
+        <p:nvSpPr>
+          <p:cNvPr id="3" name="Notes Placeholder 2"/>
+          <p:cNvSpPr>
+            <a:spLocks noGrp="1"/>
+          </p:cNvSpPr>
+          <p:nvPr>
+            <p:ph type="body" idx="1"/>
+          </p:nvPr>
+        </p:nvSpPr>
+        <p:spPr/>
+        <p:txBody>
+          <a:bodyPr/>
+          <a:lstStyle/>
+          <a:p>
+            <a:endParaRPr lang="en-US" dirty="0"/>
+          </a:p>
+        </p:txBody>
+      </p:sp>
+      <p:sp>
+        <p:nvSpPr>
+          <p:cNvPr id="4" name="Slide Number Placeholder 3"/>
+          <p:cNvSpPr>
+            <a:spLocks noGrp="1"/>
+          </p:cNvSpPr>
+          <p:nvPr>
+            <p:ph type="sldNum" sz="quarter" idx="5"/>
+          </p:nvPr>
+        </p:nvSpPr>
+        <p:spPr/>
+        <p:txBody>
+          <a:bodyPr/>
+          <a:lstStyle/>
+          <a:p>
+            <a:fld id="{0B1A8FFB-CB5A-5744-992F-509A4FA86679}" type="slidenum">
+              <a:rPr lang="en-US" smtClean="0"/>
+              <a:t>25</a:t>
+            </a:fld>
+            <a:endParaRPr lang="en-US"/>
+          </a:p>
+        </p:txBody>
+      </p:sp>
+    </p:spTree>
+    <p:extLst>
+      <p:ext uri="{BB962C8B-B14F-4D97-AF65-F5344CB8AC3E}">
+        <p14:creationId xmlns:p14="http://schemas.microsoft.com/office/powerpoint/2010/main" val="437442549"/>
       </p:ext>
     </p:extLst>
   </p:cSld>
@@ -6403,7 +6610,7 @@
           <a:p>
             <a:fld id="{4AAD347D-5ACD-4C99-B74B-A9C85AD731AF}" type="datetimeFigureOut">
               <a:rPr lang="en-US" dirty="0"/>
-              <a:t>10/29/25</a:t>
+              <a:t>11/25/25</a:t>
             </a:fld>
             <a:endParaRPr lang="en-US" dirty="0"/>
           </a:p>
@@ -6673,7 +6880,7 @@
           <a:p>
             <a:fld id="{4509A250-FF31-4206-8172-F9D3106AACB1}" type="datetimeFigureOut">
               <a:rPr lang="en-US" dirty="0"/>
-              <a:t>10/29/25</a:t>
+              <a:t>11/25/25</a:t>
             </a:fld>
             <a:endParaRPr lang="en-US" dirty="0"/>
           </a:p>
@@ -6862,7 +7069,7 @@
           <a:p>
             <a:fld id="{4509A250-FF31-4206-8172-F9D3106AACB1}" type="datetimeFigureOut">
               <a:rPr lang="en-US" dirty="0"/>
-              <a:t>10/29/25</a:t>
+              <a:t>11/25/25</a:t>
             </a:fld>
             <a:endParaRPr lang="en-US" dirty="0"/>
           </a:p>
@@ -7130,7 +7337,7 @@
           <a:p>
             <a:fld id="{4509A250-FF31-4206-8172-F9D3106AACB1}" type="datetimeFigureOut">
               <a:rPr lang="en-US" dirty="0"/>
-              <a:t>10/29/25</a:t>
+              <a:t>11/25/25</a:t>
             </a:fld>
             <a:endParaRPr lang="en-US" dirty="0"/>
           </a:p>
@@ -7466,7 +7673,7 @@
           <a:p>
             <a:fld id="{4509A250-FF31-4206-8172-F9D3106AACB1}" type="datetimeFigureOut">
               <a:rPr lang="en-US" dirty="0"/>
-              <a:t>10/29/25</a:t>
+              <a:t>11/25/25</a:t>
             </a:fld>
             <a:endParaRPr lang="en-US" dirty="0"/>
           </a:p>
@@ -8084,7 +8291,7 @@
           <a:p>
             <a:fld id="{4509A250-FF31-4206-8172-F9D3106AACB1}" type="datetimeFigureOut">
               <a:rPr lang="en-US" dirty="0"/>
-              <a:t>10/29/25</a:t>
+              <a:t>11/25/25</a:t>
             </a:fld>
             <a:endParaRPr lang="en-US" dirty="0"/>
           </a:p>
@@ -8939,7 +9146,7 @@
           <a:p>
             <a:fld id="{4509A250-FF31-4206-8172-F9D3106AACB1}" type="datetimeFigureOut">
               <a:rPr lang="en-US" dirty="0"/>
-              <a:t>10/29/25</a:t>
+              <a:t>11/25/25</a:t>
             </a:fld>
             <a:endParaRPr lang="en-US" dirty="0"/>
           </a:p>
@@ -9104,7 +9311,7 @@
           <a:p>
             <a:fld id="{4509A250-FF31-4206-8172-F9D3106AACB1}" type="datetimeFigureOut">
               <a:rPr lang="en-US" dirty="0"/>
-              <a:t>10/29/25</a:t>
+              <a:t>11/25/25</a:t>
             </a:fld>
             <a:endParaRPr lang="en-US" dirty="0"/>
           </a:p>
@@ -9279,7 +9486,7 @@
           <a:p>
             <a:fld id="{4509A250-FF31-4206-8172-F9D3106AACB1}" type="datetimeFigureOut">
               <a:rPr lang="en-US" dirty="0"/>
-              <a:t>10/29/25</a:t>
+              <a:t>11/25/25</a:t>
             </a:fld>
             <a:endParaRPr lang="en-US" dirty="0"/>
           </a:p>
@@ -9444,7 +9651,7 @@
           <a:p>
             <a:fld id="{4509A250-FF31-4206-8172-F9D3106AACB1}" type="datetimeFigureOut">
               <a:rPr lang="en-US" dirty="0"/>
-              <a:t>10/29/25</a:t>
+              <a:t>11/25/25</a:t>
             </a:fld>
             <a:endParaRPr lang="en-US" dirty="0"/>
           </a:p>
@@ -9686,7 +9893,7 @@
           <a:p>
             <a:fld id="{9796027F-7875-4030-9381-8BD8C4F21935}" type="datetimeFigureOut">
               <a:rPr lang="en-US" dirty="0"/>
-              <a:t>10/29/25</a:t>
+              <a:t>11/25/25</a:t>
             </a:fld>
             <a:endParaRPr lang="en-US" dirty="0"/>
           </a:p>
@@ -9973,7 +10180,7 @@
           <a:p>
             <a:fld id="{9796027F-7875-4030-9381-8BD8C4F21935}" type="datetimeFigureOut">
               <a:rPr lang="en-US" dirty="0"/>
-              <a:t>10/29/25</a:t>
+              <a:t>11/25/25</a:t>
             </a:fld>
             <a:endParaRPr lang="en-US" dirty="0"/>
           </a:p>
@@ -10412,7 +10619,7 @@
           <a:p>
             <a:fld id="{9796027F-7875-4030-9381-8BD8C4F21935}" type="datetimeFigureOut">
               <a:rPr lang="en-US" dirty="0"/>
-              <a:t>10/29/25</a:t>
+              <a:t>11/25/25</a:t>
             </a:fld>
             <a:endParaRPr lang="en-US" dirty="0"/>
           </a:p>
@@ -10525,7 +10732,7 @@
           <a:p>
             <a:fld id="{4509A250-FF31-4206-8172-F9D3106AACB1}" type="datetimeFigureOut">
               <a:rPr lang="en-US" dirty="0"/>
-              <a:t>10/29/25</a:t>
+              <a:t>11/25/25</a:t>
             </a:fld>
             <a:endParaRPr lang="en-US" dirty="0"/>
           </a:p>
@@ -10615,7 +10822,7 @@
           <a:p>
             <a:fld id="{4509A250-FF31-4206-8172-F9D3106AACB1}" type="datetimeFigureOut">
               <a:rPr lang="en-US" dirty="0"/>
-              <a:t>10/29/25</a:t>
+              <a:t>11/25/25</a:t>
             </a:fld>
             <a:endParaRPr lang="en-US" dirty="0"/>
           </a:p>
@@ -10889,7 +11096,7 @@
           <a:p>
             <a:fld id="{4509A250-FF31-4206-8172-F9D3106AACB1}" type="datetimeFigureOut">
               <a:rPr lang="en-US" dirty="0"/>
-              <a:t>10/29/25</a:t>
+              <a:t>11/25/25</a:t>
             </a:fld>
             <a:endParaRPr lang="en-US" dirty="0"/>
           </a:p>
@@ -11159,7 +11366,7 @@
           <a:p>
             <a:fld id="{4509A250-FF31-4206-8172-F9D3106AACB1}" type="datetimeFigureOut">
               <a:rPr lang="en-US" dirty="0"/>
-              <a:t>10/29/25</a:t>
+              <a:t>11/25/25</a:t>
             </a:fld>
             <a:endParaRPr lang="en-US" dirty="0"/>
           </a:p>
@@ -11597,7 +11804,7 @@
           <a:p>
             <a:fld id="{4AAD347D-5ACD-4C99-B74B-A9C85AD731AF}" type="datetimeFigureOut">
               <a:rPr lang="en-US" dirty="0"/>
-              <a:t>10/29/25</a:t>
+              <a:t>11/25/25</a:t>
             </a:fld>
             <a:endParaRPr lang="en-US" dirty="0"/>
           </a:p>
@@ -14826,7 +15033,12 @@
             <p:ph idx="1"/>
           </p:nvPr>
         </p:nvSpPr>
-        <p:spPr/>
+        <p:spPr>
+          <a:xfrm>
+            <a:off x="646111" y="2052918"/>
+            <a:ext cx="11035027" cy="4195481"/>
+          </a:xfrm>
+        </p:spPr>
         <p:txBody>
           <a:bodyPr/>
           <a:lstStyle/>
@@ -14843,7 +15055,7 @@
                 <a:latin typeface="Consolas" panose="020B0609020204030204" pitchFamily="49" charset="0"/>
                 <a:cs typeface="Consolas" panose="020B0609020204030204" pitchFamily="49" charset="0"/>
               </a:rPr>
-              <a:t>--resume-from :</a:t>
+              <a:t>M3: --resume-from (-rf) :</a:t>
             </a:r>
             <a:r>
               <a:rPr lang="en-GB" sz="2400" dirty="0">
@@ -14874,7 +15086,7 @@
                 <a:latin typeface="Consolas" panose="020B0609020204030204" pitchFamily="49" charset="0"/>
                 <a:cs typeface="Consolas" panose="020B0609020204030204" pitchFamily="49" charset="0"/>
               </a:rPr>
-              <a:t>--resume (-r)  </a:t>
+              <a:t>M4: --resume (-r)  </a:t>
             </a:r>
             <a:r>
               <a:rPr lang="en-US" sz="2200" i="1" dirty="0">
@@ -15614,10 +15826,10 @@
       </p:sp>
       <p:pic>
         <p:nvPicPr>
-          <p:cNvPr id="5" name="Picture 4" descr="A screen shot of a computer program&#10;&#10;AI-generated content may be incorrect.">
+          <p:cNvPr id="6" name="Picture 5" descr="A screen shot of a computer code&#10;&#10;AI-generated content may be incorrect.">
             <a:extLst>
               <a:ext uri="{FF2B5EF4-FFF2-40B4-BE49-F238E27FC236}">
-                <a16:creationId xmlns:a16="http://schemas.microsoft.com/office/drawing/2014/main" id="{834C97BB-904F-DF4C-ED74-CE7D5953903F}"/>
+                <a16:creationId xmlns:a16="http://schemas.microsoft.com/office/drawing/2014/main" id="{F3AD8C51-E013-91B5-4766-E467F356C786}"/>
               </a:ext>
             </a:extLst>
           </p:cNvPr>
@@ -15634,8 +15846,8 @@
         </p:blipFill>
         <p:spPr>
           <a:xfrm>
-            <a:off x="5820032" y="2065275"/>
-            <a:ext cx="5821920" cy="4076449"/>
+            <a:off x="4907566" y="1954906"/>
+            <a:ext cx="6807200" cy="4648200"/>
           </a:xfrm>
           <a:prstGeom prst="rect">
             <a:avLst/>
@@ -16301,6 +16513,219 @@
 </file>
 
 <file path=ppt/slides/slide24.xml><?xml version="1.0" encoding="utf-8"?>
+<p:sld xmlns:a="http://schemas.openxmlformats.org/drawingml/2006/main" xmlns:r="http://schemas.openxmlformats.org/officeDocument/2006/relationships" xmlns:p="http://schemas.openxmlformats.org/presentationml/2006/main">
+  <p:cSld>
+    <p:spTree>
+      <p:nvGrpSpPr>
+        <p:cNvPr id="1" name="">
+          <a:extLst>
+            <a:ext uri="{FF2B5EF4-FFF2-40B4-BE49-F238E27FC236}">
+              <a16:creationId xmlns:a16="http://schemas.microsoft.com/office/drawing/2014/main" id="{A7C4D459-104E-D21A-CA4B-58CE7ED9772E}"/>
+            </a:ext>
+          </a:extLst>
+        </p:cNvPr>
+        <p:cNvGrpSpPr/>
+        <p:nvPr/>
+      </p:nvGrpSpPr>
+      <p:grpSpPr>
+        <a:xfrm>
+          <a:off x="0" y="0"/>
+          <a:ext cx="0" cy="0"/>
+          <a:chOff x="0" y="0"/>
+          <a:chExt cx="0" cy="0"/>
+        </a:xfrm>
+      </p:grpSpPr>
+      <p:sp>
+        <p:nvSpPr>
+          <p:cNvPr id="2" name="Title 1">
+            <a:extLst>
+              <a:ext uri="{FF2B5EF4-FFF2-40B4-BE49-F238E27FC236}">
+                <a16:creationId xmlns:a16="http://schemas.microsoft.com/office/drawing/2014/main" id="{759E3CC6-7793-6C33-07D9-6B9190CEC945}"/>
+              </a:ext>
+            </a:extLst>
+          </p:cNvPr>
+          <p:cNvSpPr>
+            <a:spLocks noGrp="1"/>
+          </p:cNvSpPr>
+          <p:nvPr>
+            <p:ph type="title"/>
+          </p:nvPr>
+        </p:nvSpPr>
+        <p:spPr/>
+        <p:txBody>
+          <a:bodyPr/>
+          <a:lstStyle/>
+          <a:p>
+            <a:r>
+              <a:rPr lang="en-US" dirty="0"/>
+              <a:t>Maven Daemon 2.0.0-rc3</a:t>
+            </a:r>
+          </a:p>
+        </p:txBody>
+      </p:sp>
+      <p:sp>
+        <p:nvSpPr>
+          <p:cNvPr id="3" name="Content Placeholder 2">
+            <a:extLst>
+              <a:ext uri="{FF2B5EF4-FFF2-40B4-BE49-F238E27FC236}">
+                <a16:creationId xmlns:a16="http://schemas.microsoft.com/office/drawing/2014/main" id="{329B1348-39CF-E3E3-58D6-7A3987D66E82}"/>
+              </a:ext>
+            </a:extLst>
+          </p:cNvPr>
+          <p:cNvSpPr>
+            <a:spLocks noGrp="1"/>
+          </p:cNvSpPr>
+          <p:nvPr>
+            <p:ph idx="1"/>
+          </p:nvPr>
+        </p:nvSpPr>
+        <p:spPr>
+          <a:xfrm>
+            <a:off x="645130" y="1622738"/>
+            <a:ext cx="10507974" cy="4625661"/>
+          </a:xfrm>
+        </p:spPr>
+        <p:txBody>
+          <a:bodyPr>
+            <a:normAutofit/>
+          </a:bodyPr>
+          <a:lstStyle/>
+          <a:p>
+            <a:r>
+              <a:rPr lang="en-GB" sz="2400" dirty="0">
+                <a:cs typeface="Consolas" panose="020B0609020204030204" pitchFamily="49" charset="0"/>
+              </a:rPr>
+              <a:t>Every </a:t>
+            </a:r>
+            <a:r>
+              <a:rPr lang="en-GB" sz="2400" b="1" dirty="0" err="1">
+                <a:latin typeface="Consolas" panose="020B0609020204030204" pitchFamily="49" charset="0"/>
+                <a:cs typeface="Consolas" panose="020B0609020204030204" pitchFamily="49" charset="0"/>
+              </a:rPr>
+              <a:t>mvn</a:t>
+            </a:r>
+            <a:r>
+              <a:rPr lang="en-GB" sz="2400" dirty="0">
+                <a:cs typeface="Consolas" panose="020B0609020204030204" pitchFamily="49" charset="0"/>
+              </a:rPr>
+              <a:t> command triggers the following:</a:t>
+            </a:r>
+          </a:p>
+          <a:p>
+            <a:pPr lvl="1"/>
+            <a:r>
+              <a:rPr lang="en-GB" sz="2000" dirty="0">
+                <a:cs typeface="Consolas" panose="020B0609020204030204" pitchFamily="49" charset="0"/>
+              </a:rPr>
+              <a:t>Booting Java</a:t>
+            </a:r>
+          </a:p>
+          <a:p>
+            <a:pPr lvl="1"/>
+            <a:r>
+              <a:rPr lang="en-GB" sz="2000" dirty="0">
+                <a:cs typeface="Consolas" panose="020B0609020204030204" pitchFamily="49" charset="0"/>
+              </a:rPr>
+              <a:t>Starting Maven</a:t>
+            </a:r>
+          </a:p>
+          <a:p>
+            <a:pPr lvl="1"/>
+            <a:r>
+              <a:rPr lang="en-GB" sz="2000" dirty="0">
+                <a:cs typeface="Consolas" panose="020B0609020204030204" pitchFamily="49" charset="0"/>
+              </a:rPr>
+              <a:t>Perform the task (execute the goals)</a:t>
+            </a:r>
+          </a:p>
+          <a:p>
+            <a:pPr lvl="1"/>
+            <a:r>
+              <a:rPr lang="en-GB" sz="2000" dirty="0">
+                <a:cs typeface="Consolas" panose="020B0609020204030204" pitchFamily="49" charset="0"/>
+              </a:rPr>
+              <a:t>Tear down</a:t>
+            </a:r>
+          </a:p>
+          <a:p>
+            <a:pPr lvl="1"/>
+            <a:r>
+              <a:rPr lang="en-GB" sz="2000" dirty="0">
+                <a:cs typeface="Consolas" panose="020B0609020204030204" pitchFamily="49" charset="0"/>
+              </a:rPr>
+              <a:t>Exit </a:t>
+            </a:r>
+          </a:p>
+          <a:p>
+            <a:r>
+              <a:rPr lang="en-GB" sz="2200" dirty="0">
+                <a:cs typeface="Consolas" panose="020B0609020204030204" pitchFamily="49" charset="0"/>
+              </a:rPr>
+              <a:t>Enter </a:t>
+            </a:r>
+            <a:r>
+              <a:rPr lang="en-GB" b="1" dirty="0" err="1">
+                <a:latin typeface="Consolas" panose="020B0609020204030204" pitchFamily="49" charset="0"/>
+                <a:cs typeface="Consolas" panose="020B0609020204030204" pitchFamily="49" charset="0"/>
+              </a:rPr>
+              <a:t>mvnd</a:t>
+            </a:r>
+            <a:r>
+              <a:rPr lang="en-GB" b="1" dirty="0">
+                <a:latin typeface="Consolas" panose="020B0609020204030204" pitchFamily="49" charset="0"/>
+                <a:cs typeface="Consolas" panose="020B0609020204030204" pitchFamily="49" charset="0"/>
+              </a:rPr>
+              <a:t> </a:t>
+            </a:r>
+            <a:r>
+              <a:rPr lang="en-GB" dirty="0">
+                <a:cs typeface="Consolas" panose="020B0609020204030204" pitchFamily="49" charset="0"/>
+              </a:rPr>
+              <a:t>which manages a pool of resident Maven processes</a:t>
+            </a:r>
+          </a:p>
+          <a:p>
+            <a:pPr lvl="1"/>
+            <a:r>
+              <a:rPr lang="en-GB" dirty="0">
+                <a:cs typeface="Consolas" panose="020B0609020204030204" pitchFamily="49" charset="0"/>
+              </a:rPr>
+              <a:t>Improve performance</a:t>
+            </a:r>
+          </a:p>
+          <a:p>
+            <a:pPr lvl="1"/>
+            <a:r>
+              <a:rPr lang="en-GB" dirty="0">
+                <a:cs typeface="Consolas" panose="020B0609020204030204" pitchFamily="49" charset="0"/>
+              </a:rPr>
+              <a:t>Reduces build times</a:t>
+            </a:r>
+            <a:endParaRPr lang="en-GB" sz="2200" dirty="0">
+              <a:cs typeface="Consolas" panose="020B0609020204030204" pitchFamily="49" charset="0"/>
+            </a:endParaRPr>
+          </a:p>
+          <a:p>
+            <a:endParaRPr lang="en-GB" b="1" dirty="0">
+              <a:cs typeface="Consolas" panose="020B0609020204030204" pitchFamily="49" charset="0"/>
+            </a:endParaRPr>
+          </a:p>
+        </p:txBody>
+      </p:sp>
+    </p:spTree>
+    <p:extLst>
+      <p:ext uri="{BB962C8B-B14F-4D97-AF65-F5344CB8AC3E}">
+        <p14:creationId xmlns:p14="http://schemas.microsoft.com/office/powerpoint/2010/main" val="2152805518"/>
+      </p:ext>
+    </p:extLst>
+  </p:cSld>
+  <p:clrMapOvr>
+    <a:masterClrMapping/>
+  </p:clrMapOvr>
+</p:sld>
+</file>
+
+<file path=ppt/slides/slide25.xml><?xml version="1.0" encoding="utf-8"?>
 <p:sld xmlns:a="http://schemas.openxmlformats.org/drawingml/2006/main" xmlns:r="http://schemas.openxmlformats.org/officeDocument/2006/relationships" xmlns:p="http://schemas.openxmlformats.org/presentationml/2006/main">
   <p:cSld>
     <p:bg>
@@ -16355,7 +16780,7 @@
           </p:nvPr>
         </p:nvPicPr>
         <p:blipFill rotWithShape="1">
-          <a:blip r:embed="rId2">
+          <a:blip r:embed="rId3">
             <a:extLst>
               <a:ext uri="{28A0092B-C50C-407E-A947-70E740481C1C}">
                 <a14:useLocalDpi xmlns:a14="http://schemas.microsoft.com/office/drawing/2010/main" val="0"/>
@@ -16399,7 +16824,7 @@
           </p:nvPr>
         </p:nvPicPr>
         <p:blipFill rotWithShape="1">
-          <a:blip r:embed="rId3">
+          <a:blip r:embed="rId4">
             <a:extLst>
               <a:ext uri="{28A0092B-C50C-407E-A947-70E740481C1C}">
                 <a14:useLocalDpi xmlns:a14="http://schemas.microsoft.com/office/drawing/2010/main" val="0"/>
@@ -16530,7 +16955,7 @@
           </p:nvPr>
         </p:nvPicPr>
         <p:blipFill rotWithShape="1">
-          <a:blip r:embed="rId4">
+          <a:blip r:embed="rId5">
             <a:extLst>
               <a:ext uri="{28A0092B-C50C-407E-A947-70E740481C1C}">
                 <a14:useLocalDpi xmlns:a14="http://schemas.microsoft.com/office/drawing/2010/main" val="0"/>
@@ -16574,7 +16999,7 @@
           </p:nvPr>
         </p:nvPicPr>
         <p:blipFill rotWithShape="1">
-          <a:blip r:embed="rId5">
+          <a:blip r:embed="rId6">
             <a:extLst>
               <a:ext uri="{28A0092B-C50C-407E-A947-70E740481C1C}">
                 <a14:useLocalDpi xmlns:a14="http://schemas.microsoft.com/office/drawing/2010/main" val="0"/>
@@ -17674,7 +18099,7 @@
           </p:nvPr>
         </p:nvPicPr>
         <p:blipFill>
-          <a:blip r:embed="rId6"/>
+          <a:blip r:embed="rId7"/>
           <a:stretch>
             <a:fillRect/>
           </a:stretch>
@@ -17703,7 +18128,7 @@
 </p:sld>
 </file>
 
-<file path=ppt/slides/slide25.xml><?xml version="1.0" encoding="utf-8"?>
+<file path=ppt/slides/slide26.xml><?xml version="1.0" encoding="utf-8"?>
 <p:sld xmlns:a="http://schemas.openxmlformats.org/drawingml/2006/main" xmlns:r="http://schemas.openxmlformats.org/officeDocument/2006/relationships" xmlns:p="http://schemas.openxmlformats.org/presentationml/2006/main">
   <p:cSld>
     <p:spTree>
@@ -17773,8 +18198,49 @@
           <a:p>
             <a:r>
               <a:rPr lang="en-US" sz="2800" dirty="0"/>
-              <a:t>#TODO</a:t>
-            </a:r>
+              <a:t>Released on 16</a:t>
+            </a:r>
+            <a:r>
+              <a:rPr lang="en-US" sz="2800" baseline="30000" dirty="0"/>
+              <a:t>th</a:t>
+            </a:r>
+            <a:r>
+              <a:rPr lang="en-US" sz="2800" dirty="0"/>
+              <a:t> of September 2025</a:t>
+            </a:r>
+          </a:p>
+          <a:p>
+            <a:pPr lvl="1"/>
+            <a:r>
+              <a:rPr lang="en-US" sz="2600" dirty="0"/>
+              <a:t>12 finalized features (1 deprecation)</a:t>
+            </a:r>
+            <a:endParaRPr lang="en-US" sz="2400" dirty="0"/>
+          </a:p>
+          <a:p>
+            <a:pPr lvl="1"/>
+            <a:r>
+              <a:rPr lang="en-US" sz="2600" dirty="0"/>
+              <a:t>4 previews</a:t>
+            </a:r>
+          </a:p>
+          <a:p>
+            <a:pPr lvl="1"/>
+            <a:r>
+              <a:rPr lang="en-US" sz="2600" dirty="0"/>
+              <a:t>1 incubator (the 10!! for Vector API)</a:t>
+            </a:r>
+          </a:p>
+          <a:p>
+            <a:pPr lvl="1"/>
+            <a:r>
+              <a:rPr lang="en-US" sz="2600" dirty="0"/>
+              <a:t>1 experimental (JDK Flight Recorder Improvements for CPU-time profiling on Linux )</a:t>
+            </a:r>
+          </a:p>
+          <a:p>
+            <a:pPr lvl="1"/>
+            <a:endParaRPr lang="en-US" sz="2600" dirty="0"/>
           </a:p>
         </p:txBody>
       </p:sp>
@@ -17791,7 +18257,1367 @@
 </p:sld>
 </file>
 
-<file path=ppt/slides/slide26.xml><?xml version="1.0" encoding="utf-8"?>
+<file path=ppt/slides/slide27.xml><?xml version="1.0" encoding="utf-8"?>
+<p:sld xmlns:a="http://schemas.openxmlformats.org/drawingml/2006/main" xmlns:r="http://schemas.openxmlformats.org/officeDocument/2006/relationships" xmlns:p="http://schemas.openxmlformats.org/presentationml/2006/main">
+  <p:cSld>
+    <p:bg>
+      <p:bgPr>
+        <a:solidFill>
+          <a:schemeClr val="bg1"/>
+        </a:solidFill>
+        <a:effectLst/>
+      </p:bgPr>
+    </p:bg>
+    <p:spTree>
+      <p:nvGrpSpPr>
+        <p:cNvPr id="1" name="">
+          <a:extLst>
+            <a:ext uri="{FF2B5EF4-FFF2-40B4-BE49-F238E27FC236}">
+              <a16:creationId xmlns:a16="http://schemas.microsoft.com/office/drawing/2014/main" id="{CC87622A-710B-5541-93E4-F68EB58AC15F}"/>
+            </a:ext>
+          </a:extLst>
+        </p:cNvPr>
+        <p:cNvGrpSpPr/>
+        <p:nvPr/>
+      </p:nvGrpSpPr>
+      <p:grpSpPr>
+        <a:xfrm>
+          <a:off x="0" y="0"/>
+          <a:ext cx="0" cy="0"/>
+          <a:chOff x="0" y="0"/>
+          <a:chExt cx="0" cy="0"/>
+        </a:xfrm>
+      </p:grpSpPr>
+      <p:sp>
+        <p:nvSpPr>
+          <p:cNvPr id="10" name="Rectangle 9">
+            <a:extLst>
+              <a:ext uri="{FF2B5EF4-FFF2-40B4-BE49-F238E27FC236}">
+                <a16:creationId xmlns:a16="http://schemas.microsoft.com/office/drawing/2014/main" id="{EE4E366E-272A-409E-840F-9A6A64A9E3FF}"/>
+              </a:ext>
+              <a:ext uri="{C183D7F6-B498-43B3-948B-1728B52AA6E4}">
+                <adec:decorative xmlns:adec="http://schemas.microsoft.com/office/drawing/2017/decorative" val="1"/>
+              </a:ext>
+            </a:extLst>
+          </p:cNvPr>
+          <p:cNvSpPr>
+            <a:spLocks noGrp="1" noRot="1" noChangeAspect="1" noMove="1" noResize="1" noEditPoints="1" noAdjustHandles="1" noChangeArrowheads="1" noChangeShapeType="1" noTextEdit="1"/>
+          </p:cNvSpPr>
+          <p:nvPr>
+            <p:extLst>
+              <p:ext uri="{386F3935-93C4-4BCD-93E2-E3B085C9AB24}">
+                <p16:designElem xmlns:p16="http://schemas.microsoft.com/office/powerpoint/2015/main" val="1"/>
+              </p:ext>
+            </p:extLst>
+          </p:nvPr>
+        </p:nvSpPr>
+        <p:spPr>
+          <a:xfrm>
+            <a:off x="0" y="0"/>
+            <a:ext cx="12192000" cy="6858000"/>
+          </a:xfrm>
+          <a:prstGeom prst="rect">
+            <a:avLst/>
+          </a:prstGeom>
+          <a:ln>
+            <a:noFill/>
+          </a:ln>
+        </p:spPr>
+        <p:style>
+          <a:lnRef idx="2">
+            <a:schemeClr val="accent1">
+              <a:shade val="50000"/>
+            </a:schemeClr>
+          </a:lnRef>
+          <a:fillRef idx="1003">
+            <a:schemeClr val="dk2"/>
+          </a:fillRef>
+          <a:effectRef idx="0">
+            <a:schemeClr val="accent1"/>
+          </a:effectRef>
+          <a:fontRef idx="minor">
+            <a:schemeClr val="lt1"/>
+          </a:fontRef>
+        </p:style>
+        <p:txBody>
+          <a:bodyPr rtlCol="0" anchor="ctr"/>
+          <a:lstStyle/>
+          <a:p>
+            <a:pPr algn="ctr"/>
+            <a:endParaRPr lang="en-US"/>
+          </a:p>
+        </p:txBody>
+      </p:sp>
+      <p:sp>
+        <p:nvSpPr>
+          <p:cNvPr id="12" name="Rectangle 11">
+            <a:extLst>
+              <a:ext uri="{FF2B5EF4-FFF2-40B4-BE49-F238E27FC236}">
+                <a16:creationId xmlns:a16="http://schemas.microsoft.com/office/drawing/2014/main" id="{A721560C-E4AB-4287-A29C-3F6916794CB9}"/>
+              </a:ext>
+              <a:ext uri="{C183D7F6-B498-43B3-948B-1728B52AA6E4}">
+                <adec:decorative xmlns:adec="http://schemas.microsoft.com/office/drawing/2017/decorative" val="1"/>
+              </a:ext>
+            </a:extLst>
+          </p:cNvPr>
+          <p:cNvSpPr>
+            <a:spLocks noGrp="1" noRot="1" noChangeAspect="1" noMove="1" noResize="1" noEditPoints="1" noAdjustHandles="1" noChangeArrowheads="1" noChangeShapeType="1" noTextEdit="1"/>
+          </p:cNvSpPr>
+          <p:nvPr>
+            <p:extLst>
+              <p:ext uri="{386F3935-93C4-4BCD-93E2-E3B085C9AB24}">
+                <p16:designElem xmlns:p16="http://schemas.microsoft.com/office/powerpoint/2015/main" val="1"/>
+              </p:ext>
+            </p:extLst>
+          </p:nvPr>
+        </p:nvSpPr>
+        <p:spPr>
+          <a:xfrm>
+            <a:off x="10442448" y="0"/>
+            <a:ext cx="685800" cy="1143000"/>
+          </a:xfrm>
+          <a:prstGeom prst="rect">
+            <a:avLst/>
+          </a:prstGeom>
+          <a:solidFill>
+            <a:schemeClr val="accent1"/>
+          </a:solidFill>
+          <a:ln>
+            <a:noFill/>
+          </a:ln>
+        </p:spPr>
+        <p:style>
+          <a:lnRef idx="1">
+            <a:schemeClr val="accent1"/>
+          </a:lnRef>
+          <a:fillRef idx="3">
+            <a:schemeClr val="accent1"/>
+          </a:fillRef>
+          <a:effectRef idx="2">
+            <a:schemeClr val="accent1"/>
+          </a:effectRef>
+          <a:fontRef idx="minor">
+            <a:schemeClr val="lt1"/>
+          </a:fontRef>
+        </p:style>
+        <p:txBody>
+          <a:bodyPr/>
+          <a:lstStyle/>
+          <a:p>
+            <a:endParaRPr lang="en-US"/>
+          </a:p>
+        </p:txBody>
+      </p:sp>
+      <p:sp>
+        <p:nvSpPr>
+          <p:cNvPr id="14" name="Freeform 7">
+            <a:extLst>
+              <a:ext uri="{FF2B5EF4-FFF2-40B4-BE49-F238E27FC236}">
+                <a16:creationId xmlns:a16="http://schemas.microsoft.com/office/drawing/2014/main" id="{DF6CFF07-D953-4F9C-9A0E-E0A6AACB6158}"/>
+              </a:ext>
+              <a:ext uri="{C183D7F6-B498-43B3-948B-1728B52AA6E4}">
+                <adec:decorative xmlns:adec="http://schemas.microsoft.com/office/drawing/2017/decorative" val="1"/>
+              </a:ext>
+            </a:extLst>
+          </p:cNvPr>
+          <p:cNvSpPr>
+            <a:spLocks noGrp="1" noRot="1" noChangeAspect="1" noMove="1" noResize="1" noEditPoints="1" noAdjustHandles="1" noChangeArrowheads="1" noChangeShapeType="1" noTextEdit="1"/>
+          </p:cNvSpPr>
+          <p:nvPr>
+            <p:extLst>
+              <p:ext uri="{386F3935-93C4-4BCD-93E2-E3B085C9AB24}">
+                <p16:designElem xmlns:p16="http://schemas.microsoft.com/office/powerpoint/2015/main" val="1"/>
+              </p:ext>
+            </p:extLst>
+          </p:nvPr>
+        </p:nvSpPr>
+        <p:spPr>
+          <a:xfrm>
+            <a:off x="8719939" y="1460230"/>
+            <a:ext cx="3472060" cy="825932"/>
+          </a:xfrm>
+          <a:custGeom>
+            <a:avLst/>
+            <a:gdLst>
+              <a:gd name="connsiteX0" fmla="*/ 3470310 w 3472060"/>
+              <a:gd name="connsiteY0" fmla="*/ 0 h 825932"/>
+              <a:gd name="connsiteX1" fmla="*/ 3472060 w 3472060"/>
+              <a:gd name="connsiteY1" fmla="*/ 12850 h 825932"/>
+              <a:gd name="connsiteX2" fmla="*/ 3472060 w 3472060"/>
+              <a:gd name="connsiteY2" fmla="*/ 480529 h 825932"/>
+              <a:gd name="connsiteX3" fmla="*/ 3363699 w 3472060"/>
+              <a:gd name="connsiteY3" fmla="*/ 498471 h 825932"/>
+              <a:gd name="connsiteX4" fmla="*/ 42060 w 3472060"/>
+              <a:gd name="connsiteY4" fmla="*/ 824486 h 825932"/>
+              <a:gd name="connsiteX5" fmla="*/ 0 w 3472060"/>
+              <a:gd name="connsiteY5" fmla="*/ 758452 h 825932"/>
+              <a:gd name="connsiteX6" fmla="*/ 188014 w 3472060"/>
+              <a:gd name="connsiteY6" fmla="*/ 735602 h 825932"/>
+              <a:gd name="connsiteX7" fmla="*/ 284087 w 3472060"/>
+              <a:gd name="connsiteY7" fmla="*/ 722590 h 825932"/>
+              <a:gd name="connsiteX8" fmla="*/ 382288 w 3472060"/>
+              <a:gd name="connsiteY8" fmla="*/ 709392 h 825932"/>
+              <a:gd name="connsiteX9" fmla="*/ 481858 w 3472060"/>
+              <a:gd name="connsiteY9" fmla="*/ 695774 h 825932"/>
+              <a:gd name="connsiteX10" fmla="*/ 581897 w 3472060"/>
+              <a:gd name="connsiteY10" fmla="*/ 680711 h 825932"/>
+              <a:gd name="connsiteX11" fmla="*/ 683670 w 3472060"/>
+              <a:gd name="connsiteY11" fmla="*/ 665256 h 825932"/>
+              <a:gd name="connsiteX12" fmla="*/ 787206 w 3472060"/>
+              <a:gd name="connsiteY12" fmla="*/ 649587 h 825932"/>
+              <a:gd name="connsiteX13" fmla="*/ 892019 w 3472060"/>
+              <a:gd name="connsiteY13" fmla="*/ 632968 h 825932"/>
+              <a:gd name="connsiteX14" fmla="*/ 997620 w 3472060"/>
+              <a:gd name="connsiteY14" fmla="*/ 614667 h 825932"/>
+              <a:gd name="connsiteX15" fmla="*/ 1104727 w 3472060"/>
+              <a:gd name="connsiteY15" fmla="*/ 596741 h 825932"/>
+              <a:gd name="connsiteX16" fmla="*/ 1212669 w 3472060"/>
+              <a:gd name="connsiteY16" fmla="*/ 577397 h 825932"/>
+              <a:gd name="connsiteX17" fmla="*/ 1321506 w 3472060"/>
+              <a:gd name="connsiteY17" fmla="*/ 556988 h 825932"/>
+              <a:gd name="connsiteX18" fmla="*/ 1430709 w 3472060"/>
+              <a:gd name="connsiteY18" fmla="*/ 536607 h 825932"/>
+              <a:gd name="connsiteX19" fmla="*/ 1541050 w 3472060"/>
+              <a:gd name="connsiteY19" fmla="*/ 514481 h 825932"/>
+              <a:gd name="connsiteX20" fmla="*/ 1652805 w 3472060"/>
+              <a:gd name="connsiteY20" fmla="*/ 492202 h 825932"/>
+              <a:gd name="connsiteX21" fmla="*/ 1763708 w 3472060"/>
+              <a:gd name="connsiteY21" fmla="*/ 469161 h 825932"/>
+              <a:gd name="connsiteX22" fmla="*/ 1875795 w 3472060"/>
+              <a:gd name="connsiteY22" fmla="*/ 444641 h 825932"/>
+              <a:gd name="connsiteX23" fmla="*/ 1989128 w 3472060"/>
+              <a:gd name="connsiteY23" fmla="*/ 418995 h 825932"/>
+              <a:gd name="connsiteX24" fmla="*/ 2102476 w 3472060"/>
+              <a:gd name="connsiteY24" fmla="*/ 393438 h 825932"/>
+              <a:gd name="connsiteX25" fmla="*/ 2215549 w 3472060"/>
+              <a:gd name="connsiteY25" fmla="*/ 366291 h 825932"/>
+              <a:gd name="connsiteX26" fmla="*/ 2330490 w 3472060"/>
+              <a:gd name="connsiteY26" fmla="*/ 337455 h 825932"/>
+              <a:gd name="connsiteX27" fmla="*/ 2443333 w 3472060"/>
+              <a:gd name="connsiteY27" fmla="*/ 308983 h 825932"/>
+              <a:gd name="connsiteX28" fmla="*/ 2558014 w 3472060"/>
+              <a:gd name="connsiteY28" fmla="*/ 278646 h 825932"/>
+              <a:gd name="connsiteX29" fmla="*/ 2673621 w 3472060"/>
+              <a:gd name="connsiteY29" fmla="*/ 247421 h 825932"/>
+              <a:gd name="connsiteX30" fmla="*/ 2787008 w 3472060"/>
+              <a:gd name="connsiteY30" fmla="*/ 215853 h 825932"/>
+              <a:gd name="connsiteX31" fmla="*/ 2901442 w 3472060"/>
+              <a:gd name="connsiteY31" fmla="*/ 182011 h 825932"/>
+              <a:gd name="connsiteX32" fmla="*/ 3015722 w 3472060"/>
+              <a:gd name="connsiteY32" fmla="*/ 147286 h 825932"/>
+              <a:gd name="connsiteX33" fmla="*/ 3130018 w 3472060"/>
+              <a:gd name="connsiteY33" fmla="*/ 112649 h 825932"/>
+              <a:gd name="connsiteX34" fmla="*/ 3243551 w 3472060"/>
+              <a:gd name="connsiteY34" fmla="*/ 75688 h 825932"/>
+              <a:gd name="connsiteX35" fmla="*/ 3356992 w 3472060"/>
+              <a:gd name="connsiteY35" fmla="*/ 38197 h 825932"/>
+              <a:gd name="connsiteX36" fmla="*/ 3470310 w 3472060"/>
+              <a:gd name="connsiteY36" fmla="*/ 0 h 825932"/>
+            </a:gdLst>
+            <a:ahLst/>
+            <a:cxnLst>
+              <a:cxn ang="0">
+                <a:pos x="connsiteX0" y="connsiteY0"/>
+              </a:cxn>
+              <a:cxn ang="0">
+                <a:pos x="connsiteX1" y="connsiteY1"/>
+              </a:cxn>
+              <a:cxn ang="0">
+                <a:pos x="connsiteX2" y="connsiteY2"/>
+              </a:cxn>
+              <a:cxn ang="0">
+                <a:pos x="connsiteX3" y="connsiteY3"/>
+              </a:cxn>
+              <a:cxn ang="0">
+                <a:pos x="connsiteX4" y="connsiteY4"/>
+              </a:cxn>
+              <a:cxn ang="0">
+                <a:pos x="connsiteX5" y="connsiteY5"/>
+              </a:cxn>
+              <a:cxn ang="0">
+                <a:pos x="connsiteX6" y="connsiteY6"/>
+              </a:cxn>
+              <a:cxn ang="0">
+                <a:pos x="connsiteX7" y="connsiteY7"/>
+              </a:cxn>
+              <a:cxn ang="0">
+                <a:pos x="connsiteX8" y="connsiteY8"/>
+              </a:cxn>
+              <a:cxn ang="0">
+                <a:pos x="connsiteX9" y="connsiteY9"/>
+              </a:cxn>
+              <a:cxn ang="0">
+                <a:pos x="connsiteX10" y="connsiteY10"/>
+              </a:cxn>
+              <a:cxn ang="0">
+                <a:pos x="connsiteX11" y="connsiteY11"/>
+              </a:cxn>
+              <a:cxn ang="0">
+                <a:pos x="connsiteX12" y="connsiteY12"/>
+              </a:cxn>
+              <a:cxn ang="0">
+                <a:pos x="connsiteX13" y="connsiteY13"/>
+              </a:cxn>
+              <a:cxn ang="0">
+                <a:pos x="connsiteX14" y="connsiteY14"/>
+              </a:cxn>
+              <a:cxn ang="0">
+                <a:pos x="connsiteX15" y="connsiteY15"/>
+              </a:cxn>
+              <a:cxn ang="0">
+                <a:pos x="connsiteX16" y="connsiteY16"/>
+              </a:cxn>
+              <a:cxn ang="0">
+                <a:pos x="connsiteX17" y="connsiteY17"/>
+              </a:cxn>
+              <a:cxn ang="0">
+                <a:pos x="connsiteX18" y="connsiteY18"/>
+              </a:cxn>
+              <a:cxn ang="0">
+                <a:pos x="connsiteX19" y="connsiteY19"/>
+              </a:cxn>
+              <a:cxn ang="0">
+                <a:pos x="connsiteX20" y="connsiteY20"/>
+              </a:cxn>
+              <a:cxn ang="0">
+                <a:pos x="connsiteX21" y="connsiteY21"/>
+              </a:cxn>
+              <a:cxn ang="0">
+                <a:pos x="connsiteX22" y="connsiteY22"/>
+              </a:cxn>
+              <a:cxn ang="0">
+                <a:pos x="connsiteX23" y="connsiteY23"/>
+              </a:cxn>
+              <a:cxn ang="0">
+                <a:pos x="connsiteX24" y="connsiteY24"/>
+              </a:cxn>
+              <a:cxn ang="0">
+                <a:pos x="connsiteX25" y="connsiteY25"/>
+              </a:cxn>
+              <a:cxn ang="0">
+                <a:pos x="connsiteX26" y="connsiteY26"/>
+              </a:cxn>
+              <a:cxn ang="0">
+                <a:pos x="connsiteX27" y="connsiteY27"/>
+              </a:cxn>
+              <a:cxn ang="0">
+                <a:pos x="connsiteX28" y="connsiteY28"/>
+              </a:cxn>
+              <a:cxn ang="0">
+                <a:pos x="connsiteX29" y="connsiteY29"/>
+              </a:cxn>
+              <a:cxn ang="0">
+                <a:pos x="connsiteX30" y="connsiteY30"/>
+              </a:cxn>
+              <a:cxn ang="0">
+                <a:pos x="connsiteX31" y="connsiteY31"/>
+              </a:cxn>
+              <a:cxn ang="0">
+                <a:pos x="connsiteX32" y="connsiteY32"/>
+              </a:cxn>
+              <a:cxn ang="0">
+                <a:pos x="connsiteX33" y="connsiteY33"/>
+              </a:cxn>
+              <a:cxn ang="0">
+                <a:pos x="connsiteX34" y="connsiteY34"/>
+              </a:cxn>
+              <a:cxn ang="0">
+                <a:pos x="connsiteX35" y="connsiteY35"/>
+              </a:cxn>
+              <a:cxn ang="0">
+                <a:pos x="connsiteX36" y="connsiteY36"/>
+              </a:cxn>
+            </a:cxnLst>
+            <a:rect l="l" t="t" r="r" b="b"/>
+            <a:pathLst>
+              <a:path w="3472060" h="825932">
+                <a:moveTo>
+                  <a:pt x="3470310" y="0"/>
+                </a:moveTo>
+                <a:lnTo>
+                  <a:pt x="3472060" y="12850"/>
+                </a:lnTo>
+                <a:lnTo>
+                  <a:pt x="3472060" y="480529"/>
+                </a:lnTo>
+                <a:lnTo>
+                  <a:pt x="3363699" y="498471"/>
+                </a:lnTo>
+                <a:cubicBezTo>
+                  <a:pt x="2435623" y="645518"/>
+                  <a:pt x="603076" y="844866"/>
+                  <a:pt x="42060" y="824486"/>
+                </a:cubicBezTo>
+                <a:cubicBezTo>
+                  <a:pt x="28151" y="802425"/>
+                  <a:pt x="13909" y="780513"/>
+                  <a:pt x="0" y="758452"/>
+                </a:cubicBezTo>
+                <a:lnTo>
+                  <a:pt x="188014" y="735602"/>
+                </a:lnTo>
+                <a:lnTo>
+                  <a:pt x="284087" y="722590"/>
+                </a:lnTo>
+                <a:lnTo>
+                  <a:pt x="382288" y="709392"/>
+                </a:lnTo>
+                <a:lnTo>
+                  <a:pt x="481858" y="695774"/>
+                </a:lnTo>
+                <a:lnTo>
+                  <a:pt x="581897" y="680711"/>
+                </a:lnTo>
+                <a:lnTo>
+                  <a:pt x="683670" y="665256"/>
+                </a:lnTo>
+                <a:lnTo>
+                  <a:pt x="787206" y="649587"/>
+                </a:lnTo>
+                <a:lnTo>
+                  <a:pt x="892019" y="632968"/>
+                </a:lnTo>
+                <a:lnTo>
+                  <a:pt x="997620" y="614667"/>
+                </a:lnTo>
+                <a:lnTo>
+                  <a:pt x="1104727" y="596741"/>
+                </a:lnTo>
+                <a:lnTo>
+                  <a:pt x="1212669" y="577397"/>
+                </a:lnTo>
+                <a:lnTo>
+                  <a:pt x="1321506" y="556988"/>
+                </a:lnTo>
+                <a:lnTo>
+                  <a:pt x="1430709" y="536607"/>
+                </a:lnTo>
+                <a:lnTo>
+                  <a:pt x="1541050" y="514481"/>
+                </a:lnTo>
+                <a:lnTo>
+                  <a:pt x="1652805" y="492202"/>
+                </a:lnTo>
+                <a:lnTo>
+                  <a:pt x="1763708" y="469161"/>
+                </a:lnTo>
+                <a:lnTo>
+                  <a:pt x="1875795" y="444641"/>
+                </a:lnTo>
+                <a:lnTo>
+                  <a:pt x="1989128" y="418995"/>
+                </a:lnTo>
+                <a:lnTo>
+                  <a:pt x="2102476" y="393438"/>
+                </a:lnTo>
+                <a:lnTo>
+                  <a:pt x="2215549" y="366291"/>
+                </a:lnTo>
+                <a:lnTo>
+                  <a:pt x="2330490" y="337455"/>
+                </a:lnTo>
+                <a:lnTo>
+                  <a:pt x="2443333" y="308983"/>
+                </a:lnTo>
+                <a:lnTo>
+                  <a:pt x="2558014" y="278646"/>
+                </a:lnTo>
+                <a:lnTo>
+                  <a:pt x="2673621" y="247421"/>
+                </a:lnTo>
+                <a:lnTo>
+                  <a:pt x="2787008" y="215853"/>
+                </a:lnTo>
+                <a:lnTo>
+                  <a:pt x="2901442" y="182011"/>
+                </a:lnTo>
+                <a:lnTo>
+                  <a:pt x="3015722" y="147286"/>
+                </a:lnTo>
+                <a:lnTo>
+                  <a:pt x="3130018" y="112649"/>
+                </a:lnTo>
+                <a:lnTo>
+                  <a:pt x="3243551" y="75688"/>
+                </a:lnTo>
+                <a:lnTo>
+                  <a:pt x="3356992" y="38197"/>
+                </a:lnTo>
+                <a:lnTo>
+                  <a:pt x="3470310" y="0"/>
+                </a:lnTo>
+                <a:close/>
+              </a:path>
+            </a:pathLst>
+          </a:custGeom>
+          <a:solidFill>
+            <a:schemeClr val="bg1">
+              <a:alpha val="20000"/>
+            </a:schemeClr>
+          </a:solidFill>
+          <a:ln>
+            <a:noFill/>
+          </a:ln>
+        </p:spPr>
+        <p:txBody>
+          <a:bodyPr rtlCol="0" anchor="ctr"/>
+          <a:lstStyle/>
+          <a:p>
+            <a:pPr algn="ctr"/>
+            <a:endParaRPr lang="en-US">
+              <a:solidFill>
+                <a:schemeClr val="tx1"/>
+              </a:solidFill>
+            </a:endParaRPr>
+          </a:p>
+        </p:txBody>
+      </p:sp>
+      <p:sp>
+        <p:nvSpPr>
+          <p:cNvPr id="2" name="Title 1">
+            <a:extLst>
+              <a:ext uri="{FF2B5EF4-FFF2-40B4-BE49-F238E27FC236}">
+                <a16:creationId xmlns:a16="http://schemas.microsoft.com/office/drawing/2014/main" id="{A179A6E4-A6C8-8CB7-624A-265446A04DE2}"/>
+              </a:ext>
+            </a:extLst>
+          </p:cNvPr>
+          <p:cNvSpPr>
+            <a:spLocks noGrp="1"/>
+          </p:cNvSpPr>
+          <p:nvPr>
+            <p:ph type="title"/>
+          </p:nvPr>
+        </p:nvSpPr>
+        <p:spPr>
+          <a:xfrm>
+            <a:off x="648930" y="629267"/>
+            <a:ext cx="9252154" cy="1016654"/>
+          </a:xfrm>
+        </p:spPr>
+        <p:txBody>
+          <a:bodyPr>
+            <a:normAutofit/>
+          </a:bodyPr>
+          <a:lstStyle/>
+          <a:p>
+            <a:r>
+              <a:rPr lang="en-US" dirty="0">
+                <a:solidFill>
+                  <a:srgbClr val="EBEBEB"/>
+                </a:solidFill>
+              </a:rPr>
+              <a:t>Syntax Sugar (mostly)</a:t>
+            </a:r>
+          </a:p>
+        </p:txBody>
+      </p:sp>
+      <p:sp useBgFill="1">
+        <p:nvSpPr>
+          <p:cNvPr id="16" name="Freeform: Shape 15">
+            <a:extLst>
+              <a:ext uri="{FF2B5EF4-FFF2-40B4-BE49-F238E27FC236}">
+                <a16:creationId xmlns:a16="http://schemas.microsoft.com/office/drawing/2014/main" id="{DAA4FEEE-0B5F-41BF-825D-60F9FB089568}"/>
+              </a:ext>
+              <a:ext uri="{C183D7F6-B498-43B3-948B-1728B52AA6E4}">
+                <adec:decorative xmlns:adec="http://schemas.microsoft.com/office/drawing/2017/decorative" val="1"/>
+              </a:ext>
+            </a:extLst>
+          </p:cNvPr>
+          <p:cNvSpPr>
+            <a:spLocks noGrp="1" noRot="1" noChangeAspect="1" noMove="1" noResize="1" noEditPoints="1" noAdjustHandles="1" noChangeArrowheads="1" noChangeShapeType="1" noTextEdit="1"/>
+          </p:cNvSpPr>
+          <p:nvPr>
+            <p:extLst>
+              <p:ext uri="{386F3935-93C4-4BCD-93E2-E3B085C9AB24}">
+                <p16:designElem xmlns:p16="http://schemas.microsoft.com/office/powerpoint/2015/main" val="1"/>
+              </p:ext>
+            </p:extLst>
+          </p:nvPr>
+        </p:nvSpPr>
+        <p:spPr bwMode="gray">
+          <a:xfrm>
+            <a:off x="1" y="1762067"/>
+            <a:ext cx="12192417" cy="5095933"/>
+          </a:xfrm>
+          <a:custGeom>
+            <a:avLst/>
+            <a:gdLst>
+              <a:gd name="connsiteX0" fmla="*/ 0 w 12192417"/>
+              <a:gd name="connsiteY0" fmla="*/ 0 h 5095933"/>
+              <a:gd name="connsiteX1" fmla="*/ 71931 w 12192417"/>
+              <a:gd name="connsiteY1" fmla="*/ 12261 h 5095933"/>
+              <a:gd name="connsiteX2" fmla="*/ 282848 w 12192417"/>
+              <a:gd name="connsiteY2" fmla="*/ 48343 h 5095933"/>
+              <a:gd name="connsiteX3" fmla="*/ 436463 w 12192417"/>
+              <a:gd name="connsiteY3" fmla="*/ 73565 h 5095933"/>
+              <a:gd name="connsiteX4" fmla="*/ 619338 w 12192417"/>
+              <a:gd name="connsiteY4" fmla="*/ 100188 h 5095933"/>
+              <a:gd name="connsiteX5" fmla="*/ 836350 w 12192417"/>
+              <a:gd name="connsiteY5" fmla="*/ 132066 h 5095933"/>
+              <a:gd name="connsiteX6" fmla="*/ 1076527 w 12192417"/>
+              <a:gd name="connsiteY6" fmla="*/ 165696 h 5095933"/>
+              <a:gd name="connsiteX7" fmla="*/ 1347183 w 12192417"/>
+              <a:gd name="connsiteY7" fmla="*/ 201077 h 5095933"/>
+              <a:gd name="connsiteX8" fmla="*/ 1642222 w 12192417"/>
+              <a:gd name="connsiteY8" fmla="*/ 238560 h 5095933"/>
+              <a:gd name="connsiteX9" fmla="*/ 1962863 w 12192417"/>
+              <a:gd name="connsiteY9" fmla="*/ 276043 h 5095933"/>
+              <a:gd name="connsiteX10" fmla="*/ 2304231 w 12192417"/>
+              <a:gd name="connsiteY10" fmla="*/ 314227 h 5095933"/>
+              <a:gd name="connsiteX11" fmla="*/ 2672420 w 12192417"/>
+              <a:gd name="connsiteY11" fmla="*/ 349608 h 5095933"/>
+              <a:gd name="connsiteX12" fmla="*/ 3057677 w 12192417"/>
+              <a:gd name="connsiteY12" fmla="*/ 383588 h 5095933"/>
+              <a:gd name="connsiteX13" fmla="*/ 3464880 w 12192417"/>
+              <a:gd name="connsiteY13" fmla="*/ 414415 h 5095933"/>
+              <a:gd name="connsiteX14" fmla="*/ 3889151 w 12192417"/>
+              <a:gd name="connsiteY14" fmla="*/ 443841 h 5095933"/>
+              <a:gd name="connsiteX15" fmla="*/ 4331709 w 12192417"/>
+              <a:gd name="connsiteY15" fmla="*/ 471515 h 5095933"/>
+              <a:gd name="connsiteX16" fmla="*/ 4558475 w 12192417"/>
+              <a:gd name="connsiteY16" fmla="*/ 481324 h 5095933"/>
+              <a:gd name="connsiteX17" fmla="*/ 4790117 w 12192417"/>
+              <a:gd name="connsiteY17" fmla="*/ 492183 h 5095933"/>
+              <a:gd name="connsiteX18" fmla="*/ 5025417 w 12192417"/>
+              <a:gd name="connsiteY18" fmla="*/ 502342 h 5095933"/>
+              <a:gd name="connsiteX19" fmla="*/ 5261936 w 12192417"/>
+              <a:gd name="connsiteY19" fmla="*/ 508998 h 5095933"/>
+              <a:gd name="connsiteX20" fmla="*/ 5503331 w 12192417"/>
+              <a:gd name="connsiteY20" fmla="*/ 514953 h 5095933"/>
+              <a:gd name="connsiteX21" fmla="*/ 5747166 w 12192417"/>
+              <a:gd name="connsiteY21" fmla="*/ 521259 h 5095933"/>
+              <a:gd name="connsiteX22" fmla="*/ 5995876 w 12192417"/>
+              <a:gd name="connsiteY22" fmla="*/ 525463 h 5095933"/>
+              <a:gd name="connsiteX23" fmla="*/ 6247025 w 12192417"/>
+              <a:gd name="connsiteY23" fmla="*/ 525463 h 5095933"/>
+              <a:gd name="connsiteX24" fmla="*/ 6500612 w 12192417"/>
+              <a:gd name="connsiteY24" fmla="*/ 527565 h 5095933"/>
+              <a:gd name="connsiteX25" fmla="*/ 6756638 w 12192417"/>
+              <a:gd name="connsiteY25" fmla="*/ 525463 h 5095933"/>
+              <a:gd name="connsiteX26" fmla="*/ 7016321 w 12192417"/>
+              <a:gd name="connsiteY26" fmla="*/ 521259 h 5095933"/>
+              <a:gd name="connsiteX27" fmla="*/ 7276004 w 12192417"/>
+              <a:gd name="connsiteY27" fmla="*/ 517406 h 5095933"/>
+              <a:gd name="connsiteX28" fmla="*/ 7539344 w 12192417"/>
+              <a:gd name="connsiteY28" fmla="*/ 508998 h 5095933"/>
+              <a:gd name="connsiteX29" fmla="*/ 7805123 w 12192417"/>
+              <a:gd name="connsiteY29" fmla="*/ 500241 h 5095933"/>
+              <a:gd name="connsiteX30" fmla="*/ 8070902 w 12192417"/>
+              <a:gd name="connsiteY30" fmla="*/ 490082 h 5095933"/>
+              <a:gd name="connsiteX31" fmla="*/ 8339120 w 12192417"/>
+              <a:gd name="connsiteY31" fmla="*/ 475719 h 5095933"/>
+              <a:gd name="connsiteX32" fmla="*/ 8609775 w 12192417"/>
+              <a:gd name="connsiteY32" fmla="*/ 458554 h 5095933"/>
+              <a:gd name="connsiteX33" fmla="*/ 8881650 w 12192417"/>
+              <a:gd name="connsiteY33" fmla="*/ 442089 h 5095933"/>
+              <a:gd name="connsiteX34" fmla="*/ 9153525 w 12192417"/>
+              <a:gd name="connsiteY34" fmla="*/ 421071 h 5095933"/>
+              <a:gd name="connsiteX35" fmla="*/ 9429057 w 12192417"/>
+              <a:gd name="connsiteY35" fmla="*/ 395849 h 5095933"/>
+              <a:gd name="connsiteX36" fmla="*/ 9700932 w 12192417"/>
+              <a:gd name="connsiteY36" fmla="*/ 370626 h 5095933"/>
+              <a:gd name="connsiteX37" fmla="*/ 9977683 w 12192417"/>
+              <a:gd name="connsiteY37" fmla="*/ 341551 h 5095933"/>
+              <a:gd name="connsiteX38" fmla="*/ 10255654 w 12192417"/>
+              <a:gd name="connsiteY38" fmla="*/ 309673 h 5095933"/>
+              <a:gd name="connsiteX39" fmla="*/ 10529967 w 12192417"/>
+              <a:gd name="connsiteY39" fmla="*/ 276043 h 5095933"/>
+              <a:gd name="connsiteX40" fmla="*/ 10807938 w 12192417"/>
+              <a:gd name="connsiteY40" fmla="*/ 236809 h 5095933"/>
+              <a:gd name="connsiteX41" fmla="*/ 11084689 w 12192417"/>
+              <a:gd name="connsiteY41" fmla="*/ 194772 h 5095933"/>
+              <a:gd name="connsiteX42" fmla="*/ 11362660 w 12192417"/>
+              <a:gd name="connsiteY42" fmla="*/ 153085 h 5095933"/>
+              <a:gd name="connsiteX43" fmla="*/ 11639411 w 12192417"/>
+              <a:gd name="connsiteY43" fmla="*/ 104392 h 5095933"/>
+              <a:gd name="connsiteX44" fmla="*/ 11914944 w 12192417"/>
+              <a:gd name="connsiteY44" fmla="*/ 54648 h 5095933"/>
+              <a:gd name="connsiteX45" fmla="*/ 12191695 w 12192417"/>
+              <a:gd name="connsiteY45" fmla="*/ 2452 h 5095933"/>
+              <a:gd name="connsiteX46" fmla="*/ 12191695 w 12192417"/>
+              <a:gd name="connsiteY46" fmla="*/ 2162231 h 5095933"/>
+              <a:gd name="connsiteX47" fmla="*/ 12192417 w 12192417"/>
+              <a:gd name="connsiteY47" fmla="*/ 2162231 h 5095933"/>
+              <a:gd name="connsiteX48" fmla="*/ 12192417 w 12192417"/>
+              <a:gd name="connsiteY48" fmla="*/ 5095933 h 5095933"/>
+              <a:gd name="connsiteX49" fmla="*/ 0 w 12192417"/>
+              <a:gd name="connsiteY49" fmla="*/ 5095933 h 5095933"/>
+              <a:gd name="connsiteX50" fmla="*/ 0 w 12192417"/>
+              <a:gd name="connsiteY50" fmla="*/ 2791958 h 5095933"/>
+              <a:gd name="connsiteX51" fmla="*/ 0 w 12192417"/>
+              <a:gd name="connsiteY51" fmla="*/ 2162231 h 5095933"/>
+            </a:gdLst>
+            <a:ahLst/>
+            <a:cxnLst>
+              <a:cxn ang="0">
+                <a:pos x="connsiteX0" y="connsiteY0"/>
+              </a:cxn>
+              <a:cxn ang="0">
+                <a:pos x="connsiteX1" y="connsiteY1"/>
+              </a:cxn>
+              <a:cxn ang="0">
+                <a:pos x="connsiteX2" y="connsiteY2"/>
+              </a:cxn>
+              <a:cxn ang="0">
+                <a:pos x="connsiteX3" y="connsiteY3"/>
+              </a:cxn>
+              <a:cxn ang="0">
+                <a:pos x="connsiteX4" y="connsiteY4"/>
+              </a:cxn>
+              <a:cxn ang="0">
+                <a:pos x="connsiteX5" y="connsiteY5"/>
+              </a:cxn>
+              <a:cxn ang="0">
+                <a:pos x="connsiteX6" y="connsiteY6"/>
+              </a:cxn>
+              <a:cxn ang="0">
+                <a:pos x="connsiteX7" y="connsiteY7"/>
+              </a:cxn>
+              <a:cxn ang="0">
+                <a:pos x="connsiteX8" y="connsiteY8"/>
+              </a:cxn>
+              <a:cxn ang="0">
+                <a:pos x="connsiteX9" y="connsiteY9"/>
+              </a:cxn>
+              <a:cxn ang="0">
+                <a:pos x="connsiteX10" y="connsiteY10"/>
+              </a:cxn>
+              <a:cxn ang="0">
+                <a:pos x="connsiteX11" y="connsiteY11"/>
+              </a:cxn>
+              <a:cxn ang="0">
+                <a:pos x="connsiteX12" y="connsiteY12"/>
+              </a:cxn>
+              <a:cxn ang="0">
+                <a:pos x="connsiteX13" y="connsiteY13"/>
+              </a:cxn>
+              <a:cxn ang="0">
+                <a:pos x="connsiteX14" y="connsiteY14"/>
+              </a:cxn>
+              <a:cxn ang="0">
+                <a:pos x="connsiteX15" y="connsiteY15"/>
+              </a:cxn>
+              <a:cxn ang="0">
+                <a:pos x="connsiteX16" y="connsiteY16"/>
+              </a:cxn>
+              <a:cxn ang="0">
+                <a:pos x="connsiteX17" y="connsiteY17"/>
+              </a:cxn>
+              <a:cxn ang="0">
+                <a:pos x="connsiteX18" y="connsiteY18"/>
+              </a:cxn>
+              <a:cxn ang="0">
+                <a:pos x="connsiteX19" y="connsiteY19"/>
+              </a:cxn>
+              <a:cxn ang="0">
+                <a:pos x="connsiteX20" y="connsiteY20"/>
+              </a:cxn>
+              <a:cxn ang="0">
+                <a:pos x="connsiteX21" y="connsiteY21"/>
+              </a:cxn>
+              <a:cxn ang="0">
+                <a:pos x="connsiteX22" y="connsiteY22"/>
+              </a:cxn>
+              <a:cxn ang="0">
+                <a:pos x="connsiteX23" y="connsiteY23"/>
+              </a:cxn>
+              <a:cxn ang="0">
+                <a:pos x="connsiteX24" y="connsiteY24"/>
+              </a:cxn>
+              <a:cxn ang="0">
+                <a:pos x="connsiteX25" y="connsiteY25"/>
+              </a:cxn>
+              <a:cxn ang="0">
+                <a:pos x="connsiteX26" y="connsiteY26"/>
+              </a:cxn>
+              <a:cxn ang="0">
+                <a:pos x="connsiteX27" y="connsiteY27"/>
+              </a:cxn>
+              <a:cxn ang="0">
+                <a:pos x="connsiteX28" y="connsiteY28"/>
+              </a:cxn>
+              <a:cxn ang="0">
+                <a:pos x="connsiteX29" y="connsiteY29"/>
+              </a:cxn>
+              <a:cxn ang="0">
+                <a:pos x="connsiteX30" y="connsiteY30"/>
+              </a:cxn>
+              <a:cxn ang="0">
+                <a:pos x="connsiteX31" y="connsiteY31"/>
+              </a:cxn>
+              <a:cxn ang="0">
+                <a:pos x="connsiteX32" y="connsiteY32"/>
+              </a:cxn>
+              <a:cxn ang="0">
+                <a:pos x="connsiteX33" y="connsiteY33"/>
+              </a:cxn>
+              <a:cxn ang="0">
+                <a:pos x="connsiteX34" y="connsiteY34"/>
+              </a:cxn>
+              <a:cxn ang="0">
+                <a:pos x="connsiteX35" y="connsiteY35"/>
+              </a:cxn>
+              <a:cxn ang="0">
+                <a:pos x="connsiteX36" y="connsiteY36"/>
+              </a:cxn>
+              <a:cxn ang="0">
+                <a:pos x="connsiteX37" y="connsiteY37"/>
+              </a:cxn>
+              <a:cxn ang="0">
+                <a:pos x="connsiteX38" y="connsiteY38"/>
+              </a:cxn>
+              <a:cxn ang="0">
+                <a:pos x="connsiteX39" y="connsiteY39"/>
+              </a:cxn>
+              <a:cxn ang="0">
+                <a:pos x="connsiteX40" y="connsiteY40"/>
+              </a:cxn>
+              <a:cxn ang="0">
+                <a:pos x="connsiteX41" y="connsiteY41"/>
+              </a:cxn>
+              <a:cxn ang="0">
+                <a:pos x="connsiteX42" y="connsiteY42"/>
+              </a:cxn>
+              <a:cxn ang="0">
+                <a:pos x="connsiteX43" y="connsiteY43"/>
+              </a:cxn>
+              <a:cxn ang="0">
+                <a:pos x="connsiteX44" y="connsiteY44"/>
+              </a:cxn>
+              <a:cxn ang="0">
+                <a:pos x="connsiteX45" y="connsiteY45"/>
+              </a:cxn>
+              <a:cxn ang="0">
+                <a:pos x="connsiteX46" y="connsiteY46"/>
+              </a:cxn>
+              <a:cxn ang="0">
+                <a:pos x="connsiteX47" y="connsiteY47"/>
+              </a:cxn>
+              <a:cxn ang="0">
+                <a:pos x="connsiteX48" y="connsiteY48"/>
+              </a:cxn>
+              <a:cxn ang="0">
+                <a:pos x="connsiteX49" y="connsiteY49"/>
+              </a:cxn>
+              <a:cxn ang="0">
+                <a:pos x="connsiteX50" y="connsiteY50"/>
+              </a:cxn>
+              <a:cxn ang="0">
+                <a:pos x="connsiteX51" y="connsiteY51"/>
+              </a:cxn>
+            </a:cxnLst>
+            <a:rect l="l" t="t" r="r" b="b"/>
+            <a:pathLst>
+              <a:path w="12192417" h="5095933">
+                <a:moveTo>
+                  <a:pt x="0" y="0"/>
+                </a:moveTo>
+                <a:lnTo>
+                  <a:pt x="71931" y="12261"/>
+                </a:lnTo>
+                <a:lnTo>
+                  <a:pt x="282848" y="48343"/>
+                </a:lnTo>
+                <a:lnTo>
+                  <a:pt x="436463" y="73565"/>
+                </a:lnTo>
+                <a:lnTo>
+                  <a:pt x="619338" y="100188"/>
+                </a:lnTo>
+                <a:lnTo>
+                  <a:pt x="836350" y="132066"/>
+                </a:lnTo>
+                <a:lnTo>
+                  <a:pt x="1076527" y="165696"/>
+                </a:lnTo>
+                <a:lnTo>
+                  <a:pt x="1347183" y="201077"/>
+                </a:lnTo>
+                <a:lnTo>
+                  <a:pt x="1642222" y="238560"/>
+                </a:lnTo>
+                <a:lnTo>
+                  <a:pt x="1962863" y="276043"/>
+                </a:lnTo>
+                <a:lnTo>
+                  <a:pt x="2304231" y="314227"/>
+                </a:lnTo>
+                <a:lnTo>
+                  <a:pt x="2672420" y="349608"/>
+                </a:lnTo>
+                <a:lnTo>
+                  <a:pt x="3057677" y="383588"/>
+                </a:lnTo>
+                <a:lnTo>
+                  <a:pt x="3464880" y="414415"/>
+                </a:lnTo>
+                <a:lnTo>
+                  <a:pt x="3889151" y="443841"/>
+                </a:lnTo>
+                <a:lnTo>
+                  <a:pt x="4331709" y="471515"/>
+                </a:lnTo>
+                <a:lnTo>
+                  <a:pt x="4558475" y="481324"/>
+                </a:lnTo>
+                <a:lnTo>
+                  <a:pt x="4790117" y="492183"/>
+                </a:lnTo>
+                <a:lnTo>
+                  <a:pt x="5025417" y="502342"/>
+                </a:lnTo>
+                <a:lnTo>
+                  <a:pt x="5261936" y="508998"/>
+                </a:lnTo>
+                <a:lnTo>
+                  <a:pt x="5503331" y="514953"/>
+                </a:lnTo>
+                <a:lnTo>
+                  <a:pt x="5747166" y="521259"/>
+                </a:lnTo>
+                <a:lnTo>
+                  <a:pt x="5995876" y="525463"/>
+                </a:lnTo>
+                <a:lnTo>
+                  <a:pt x="6247025" y="525463"/>
+                </a:lnTo>
+                <a:lnTo>
+                  <a:pt x="6500612" y="527565"/>
+                </a:lnTo>
+                <a:lnTo>
+                  <a:pt x="6756638" y="525463"/>
+                </a:lnTo>
+                <a:lnTo>
+                  <a:pt x="7016321" y="521259"/>
+                </a:lnTo>
+                <a:lnTo>
+                  <a:pt x="7276004" y="517406"/>
+                </a:lnTo>
+                <a:lnTo>
+                  <a:pt x="7539344" y="508998"/>
+                </a:lnTo>
+                <a:lnTo>
+                  <a:pt x="7805123" y="500241"/>
+                </a:lnTo>
+                <a:lnTo>
+                  <a:pt x="8070902" y="490082"/>
+                </a:lnTo>
+                <a:lnTo>
+                  <a:pt x="8339120" y="475719"/>
+                </a:lnTo>
+                <a:lnTo>
+                  <a:pt x="8609775" y="458554"/>
+                </a:lnTo>
+                <a:lnTo>
+                  <a:pt x="8881650" y="442089"/>
+                </a:lnTo>
+                <a:lnTo>
+                  <a:pt x="9153525" y="421071"/>
+                </a:lnTo>
+                <a:lnTo>
+                  <a:pt x="9429057" y="395849"/>
+                </a:lnTo>
+                <a:lnTo>
+                  <a:pt x="9700932" y="370626"/>
+                </a:lnTo>
+                <a:lnTo>
+                  <a:pt x="9977683" y="341551"/>
+                </a:lnTo>
+                <a:lnTo>
+                  <a:pt x="10255654" y="309673"/>
+                </a:lnTo>
+                <a:lnTo>
+                  <a:pt x="10529967" y="276043"/>
+                </a:lnTo>
+                <a:lnTo>
+                  <a:pt x="10807938" y="236809"/>
+                </a:lnTo>
+                <a:lnTo>
+                  <a:pt x="11084689" y="194772"/>
+                </a:lnTo>
+                <a:lnTo>
+                  <a:pt x="11362660" y="153085"/>
+                </a:lnTo>
+                <a:lnTo>
+                  <a:pt x="11639411" y="104392"/>
+                </a:lnTo>
+                <a:lnTo>
+                  <a:pt x="11914944" y="54648"/>
+                </a:lnTo>
+                <a:lnTo>
+                  <a:pt x="12191695" y="2452"/>
+                </a:lnTo>
+                <a:lnTo>
+                  <a:pt x="12191695" y="2162231"/>
+                </a:lnTo>
+                <a:lnTo>
+                  <a:pt x="12192417" y="2162231"/>
+                </a:lnTo>
+                <a:lnTo>
+                  <a:pt x="12192417" y="5095933"/>
+                </a:lnTo>
+                <a:lnTo>
+                  <a:pt x="0" y="5095933"/>
+                </a:lnTo>
+                <a:lnTo>
+                  <a:pt x="0" y="2791958"/>
+                </a:lnTo>
+                <a:lnTo>
+                  <a:pt x="0" y="2162231"/>
+                </a:lnTo>
+                <a:close/>
+              </a:path>
+            </a:pathLst>
+          </a:custGeom>
+          <a:ln>
+            <a:noFill/>
+          </a:ln>
+        </p:spPr>
+        <p:txBody>
+          <a:bodyPr/>
+          <a:lstStyle/>
+          <a:p>
+            <a:endParaRPr lang="en-US"/>
+          </a:p>
+        </p:txBody>
+      </p:sp>
+      <p:sp>
+        <p:nvSpPr>
+          <p:cNvPr id="3" name="Content Placeholder 2">
+            <a:extLst>
+              <a:ext uri="{FF2B5EF4-FFF2-40B4-BE49-F238E27FC236}">
+                <a16:creationId xmlns:a16="http://schemas.microsoft.com/office/drawing/2014/main" id="{FFAB08F2-70CE-4422-5EA9-DE80EEC4695E}"/>
+              </a:ext>
+            </a:extLst>
+          </p:cNvPr>
+          <p:cNvSpPr>
+            <a:spLocks noGrp="1"/>
+          </p:cNvSpPr>
+          <p:nvPr>
+            <p:ph idx="1"/>
+          </p:nvPr>
+        </p:nvSpPr>
+        <p:spPr>
+          <a:xfrm>
+            <a:off x="-128788" y="2286162"/>
+            <a:ext cx="6941713" cy="3853215"/>
+          </a:xfrm>
+        </p:spPr>
+        <p:txBody>
+          <a:bodyPr>
+            <a:normAutofit/>
+          </a:bodyPr>
+          <a:lstStyle/>
+          <a:p>
+            <a:pPr lvl="1"/>
+            <a:r>
+              <a:rPr lang="en-US" sz="2000" dirty="0"/>
+              <a:t>JEP506: Scoped Values</a:t>
+            </a:r>
+          </a:p>
+          <a:p>
+            <a:pPr lvl="1"/>
+            <a:r>
+              <a:rPr lang="en-US" sz="2000" dirty="0"/>
+              <a:t>JEP511: Module Import Declarations</a:t>
+            </a:r>
+          </a:p>
+          <a:p>
+            <a:pPr lvl="1"/>
+            <a:r>
+              <a:rPr lang="en-US" sz="2000" dirty="0"/>
+              <a:t>JEP512: Compact Source Files and Instance Main Methods</a:t>
+            </a:r>
+          </a:p>
+          <a:p>
+            <a:pPr lvl="1"/>
+            <a:r>
+              <a:rPr lang="en-US" sz="2000" dirty="0"/>
+              <a:t>JEP513: Flexible Constructor Bodies</a:t>
+            </a:r>
+          </a:p>
+          <a:p>
+            <a:pPr lvl="1"/>
+            <a:r>
+              <a:rPr lang="en-US" sz="2000" dirty="0"/>
+              <a:t>JEP502: Stable Values(Preview)</a:t>
+            </a:r>
+          </a:p>
+          <a:p>
+            <a:pPr lvl="1"/>
+            <a:r>
+              <a:rPr lang="en-US" sz="2000" dirty="0"/>
+              <a:t>JEP507: Primitive Types in Patterns, </a:t>
+            </a:r>
+            <a:r>
+              <a:rPr lang="en-US" sz="2000" dirty="0" err="1"/>
+              <a:t>instanceOf</a:t>
+            </a:r>
+            <a:r>
+              <a:rPr lang="en-US" sz="2000" dirty="0"/>
+              <a:t> and switch(3</a:t>
+            </a:r>
+            <a:r>
+              <a:rPr lang="en-US" sz="2000" baseline="30000" dirty="0"/>
+              <a:t>rd</a:t>
+            </a:r>
+            <a:r>
+              <a:rPr lang="en-US" sz="2000" dirty="0"/>
+              <a:t> Preview)</a:t>
+            </a:r>
+          </a:p>
+          <a:p>
+            <a:pPr lvl="1"/>
+            <a:r>
+              <a:rPr lang="en-US" sz="2000" dirty="0"/>
+              <a:t>JEP505: Structured Concurrency (5</a:t>
+            </a:r>
+            <a:r>
+              <a:rPr lang="en-US" sz="2000" baseline="30000" dirty="0"/>
+              <a:t>th</a:t>
+            </a:r>
+            <a:r>
+              <a:rPr lang="en-US" sz="2000" dirty="0"/>
+              <a:t> Preview)</a:t>
+            </a:r>
+          </a:p>
+        </p:txBody>
+      </p:sp>
+      <p:pic>
+        <p:nvPicPr>
+          <p:cNvPr id="5" name="Picture 4" descr="Close-up of white and gold sugar cubes&#10;&#10;AI-generated content may be incorrect.">
+            <a:extLst>
+              <a:ext uri="{FF2B5EF4-FFF2-40B4-BE49-F238E27FC236}">
+                <a16:creationId xmlns:a16="http://schemas.microsoft.com/office/drawing/2014/main" id="{F1A4FB2C-58E5-58C7-9943-01251F4DC9D9}"/>
+              </a:ext>
+            </a:extLst>
+          </p:cNvPr>
+          <p:cNvPicPr>
+            <a:picLocks noChangeAspect="1"/>
+          </p:cNvPicPr>
+          <p:nvPr/>
+        </p:nvPicPr>
+        <p:blipFill>
+          <a:blip r:embed="rId2"/>
+          <a:stretch>
+            <a:fillRect/>
+          </a:stretch>
+        </p:blipFill>
+        <p:spPr>
+          <a:xfrm>
+            <a:off x="6413679" y="3099002"/>
+            <a:ext cx="5335926" cy="2298767"/>
+          </a:xfrm>
+          <a:prstGeom prst="rect">
+            <a:avLst/>
+          </a:prstGeom>
+          <a:effectLst/>
+        </p:spPr>
+      </p:pic>
+    </p:spTree>
+    <p:extLst>
+      <p:ext uri="{BB962C8B-B14F-4D97-AF65-F5344CB8AC3E}">
+        <p14:creationId xmlns:p14="http://schemas.microsoft.com/office/powerpoint/2010/main" val="3381136435"/>
+      </p:ext>
+    </p:extLst>
+  </p:cSld>
+  <p:clrMapOvr>
+    <a:overrideClrMapping bg1="lt1" tx1="dk1" bg2="lt2" tx2="dk2" accent1="accent1" accent2="accent2" accent3="accent3" accent4="accent4" accent5="accent5" accent6="accent6" hlink="hlink" folHlink="folHlink"/>
+  </p:clrMapOvr>
+</p:sld>
+</file>
+
+<file path=ppt/slides/slide28.xml><?xml version="1.0" encoding="utf-8"?>
+<p:sld xmlns:a="http://schemas.openxmlformats.org/drawingml/2006/main" xmlns:r="http://schemas.openxmlformats.org/officeDocument/2006/relationships" xmlns:p="http://schemas.openxmlformats.org/presentationml/2006/main">
+  <p:cSld>
+    <p:spTree>
+      <p:nvGrpSpPr>
+        <p:cNvPr id="1" name="">
+          <a:extLst>
+            <a:ext uri="{FF2B5EF4-FFF2-40B4-BE49-F238E27FC236}">
+              <a16:creationId xmlns:a16="http://schemas.microsoft.com/office/drawing/2014/main" id="{C19953F4-A25C-631F-02B1-1EB2E37ACE36}"/>
+            </a:ext>
+          </a:extLst>
+        </p:cNvPr>
+        <p:cNvGrpSpPr/>
+        <p:nvPr/>
+      </p:nvGrpSpPr>
+      <p:grpSpPr>
+        <a:xfrm>
+          <a:off x="0" y="0"/>
+          <a:ext cx="0" cy="0"/>
+          <a:chOff x="0" y="0"/>
+          <a:chExt cx="0" cy="0"/>
+        </a:xfrm>
+      </p:grpSpPr>
+      <p:sp>
+        <p:nvSpPr>
+          <p:cNvPr id="2" name="Title 1">
+            <a:extLst>
+              <a:ext uri="{FF2B5EF4-FFF2-40B4-BE49-F238E27FC236}">
+                <a16:creationId xmlns:a16="http://schemas.microsoft.com/office/drawing/2014/main" id="{DB7DC9FA-B48D-95B3-7B1E-CED03236D332}"/>
+              </a:ext>
+            </a:extLst>
+          </p:cNvPr>
+          <p:cNvSpPr>
+            <a:spLocks noGrp="1"/>
+          </p:cNvSpPr>
+          <p:nvPr>
+            <p:ph type="title"/>
+          </p:nvPr>
+        </p:nvSpPr>
+        <p:spPr/>
+        <p:txBody>
+          <a:bodyPr/>
+          <a:lstStyle/>
+          <a:p>
+            <a:r>
+              <a:rPr lang="en-US" dirty="0"/>
+              <a:t>Scoped Values</a:t>
+            </a:r>
+          </a:p>
+        </p:txBody>
+      </p:sp>
+      <p:sp>
+        <p:nvSpPr>
+          <p:cNvPr id="3" name="Content Placeholder 2">
+            <a:extLst>
+              <a:ext uri="{FF2B5EF4-FFF2-40B4-BE49-F238E27FC236}">
+                <a16:creationId xmlns:a16="http://schemas.microsoft.com/office/drawing/2014/main" id="{453A335B-9202-DC27-FE8C-11D42E83D7A0}"/>
+              </a:ext>
+            </a:extLst>
+          </p:cNvPr>
+          <p:cNvSpPr>
+            <a:spLocks noGrp="1"/>
+          </p:cNvSpPr>
+          <p:nvPr>
+            <p:ph idx="1"/>
+          </p:nvPr>
+        </p:nvSpPr>
+        <p:spPr/>
+        <p:txBody>
+          <a:bodyPr>
+            <a:normAutofit/>
+          </a:bodyPr>
+          <a:lstStyle/>
+          <a:p>
+            <a:pPr lvl="1"/>
+            <a:r>
+              <a:rPr lang="en-US" sz="2600" dirty="0"/>
+              <a:t># TODO</a:t>
+            </a:r>
+          </a:p>
+        </p:txBody>
+      </p:sp>
+    </p:spTree>
+    <p:extLst>
+      <p:ext uri="{BB962C8B-B14F-4D97-AF65-F5344CB8AC3E}">
+        <p14:creationId xmlns:p14="http://schemas.microsoft.com/office/powerpoint/2010/main" val="2247574082"/>
+      </p:ext>
+    </p:extLst>
+  </p:cSld>
+  <p:clrMapOvr>
+    <a:masterClrMapping/>
+  </p:clrMapOvr>
+</p:sld>
+</file>
+
+<file path=ppt/slides/slide29.xml><?xml version="1.0" encoding="utf-8"?>
+<p:sld xmlns:a="http://schemas.openxmlformats.org/drawingml/2006/main" xmlns:r="http://schemas.openxmlformats.org/officeDocument/2006/relationships" xmlns:p="http://schemas.openxmlformats.org/presentationml/2006/main">
+  <p:cSld>
+    <p:spTree>
+      <p:nvGrpSpPr>
+        <p:cNvPr id="1" name="">
+          <a:extLst>
+            <a:ext uri="{FF2B5EF4-FFF2-40B4-BE49-F238E27FC236}">
+              <a16:creationId xmlns:a16="http://schemas.microsoft.com/office/drawing/2014/main" id="{2A16D755-B15E-6154-73BE-EDCE7C874876}"/>
+            </a:ext>
+          </a:extLst>
+        </p:cNvPr>
+        <p:cNvGrpSpPr/>
+        <p:nvPr/>
+      </p:nvGrpSpPr>
+      <p:grpSpPr>
+        <a:xfrm>
+          <a:off x="0" y="0"/>
+          <a:ext cx="0" cy="0"/>
+          <a:chOff x="0" y="0"/>
+          <a:chExt cx="0" cy="0"/>
+        </a:xfrm>
+      </p:grpSpPr>
+      <p:sp>
+        <p:nvSpPr>
+          <p:cNvPr id="2" name="Title 1">
+            <a:extLst>
+              <a:ext uri="{FF2B5EF4-FFF2-40B4-BE49-F238E27FC236}">
+                <a16:creationId xmlns:a16="http://schemas.microsoft.com/office/drawing/2014/main" id="{BE88B9FC-9502-9AE4-8A81-5B03937ABD23}"/>
+              </a:ext>
+            </a:extLst>
+          </p:cNvPr>
+          <p:cNvSpPr>
+            <a:spLocks noGrp="1"/>
+          </p:cNvSpPr>
+          <p:nvPr>
+            <p:ph type="title"/>
+          </p:nvPr>
+        </p:nvSpPr>
+        <p:spPr/>
+        <p:txBody>
+          <a:bodyPr/>
+          <a:lstStyle/>
+          <a:p>
+            <a:r>
+              <a:rPr lang="en-US" dirty="0"/>
+              <a:t>Module Import Declarations</a:t>
+            </a:r>
+          </a:p>
+        </p:txBody>
+      </p:sp>
+      <p:sp>
+        <p:nvSpPr>
+          <p:cNvPr id="3" name="Content Placeholder 2">
+            <a:extLst>
+              <a:ext uri="{FF2B5EF4-FFF2-40B4-BE49-F238E27FC236}">
+                <a16:creationId xmlns:a16="http://schemas.microsoft.com/office/drawing/2014/main" id="{309608D4-D424-A97C-82D4-663203346326}"/>
+              </a:ext>
+            </a:extLst>
+          </p:cNvPr>
+          <p:cNvSpPr>
+            <a:spLocks noGrp="1"/>
+          </p:cNvSpPr>
+          <p:nvPr>
+            <p:ph idx="1"/>
+          </p:nvPr>
+        </p:nvSpPr>
+        <p:spPr/>
+        <p:txBody>
+          <a:bodyPr>
+            <a:normAutofit/>
+          </a:bodyPr>
+          <a:lstStyle/>
+          <a:p>
+            <a:pPr lvl="1"/>
+            <a:r>
+              <a:rPr lang="en-US" sz="2600" dirty="0"/>
+              <a:t># TODO</a:t>
+            </a:r>
+          </a:p>
+        </p:txBody>
+      </p:sp>
+    </p:spTree>
+    <p:extLst>
+      <p:ext uri="{BB962C8B-B14F-4D97-AF65-F5344CB8AC3E}">
+        <p14:creationId xmlns:p14="http://schemas.microsoft.com/office/powerpoint/2010/main" val="829147350"/>
+      </p:ext>
+    </p:extLst>
+  </p:cSld>
+  <p:clrMapOvr>
+    <a:masterClrMapping/>
+  </p:clrMapOvr>
+</p:sld>
+</file>
+
+<file path=ppt/slides/slide3.xml><?xml version="1.0" encoding="utf-8"?>
 <p:sld xmlns:a="http://schemas.openxmlformats.org/drawingml/2006/main" xmlns:r="http://schemas.openxmlformats.org/officeDocument/2006/relationships" xmlns:p="http://schemas.openxmlformats.org/presentationml/2006/main">
   <p:cSld>
     <p:bg>
@@ -17818,7 +19644,7 @@
       </p:grpSpPr>
       <p:pic>
         <p:nvPicPr>
-          <p:cNvPr id="10" name="Picture 9">
+          <p:cNvPr id="9" name="Picture 8">
             <a:extLst>
               <a:ext uri="{FF2B5EF4-FFF2-40B4-BE49-F238E27FC236}">
                 <a16:creationId xmlns:a16="http://schemas.microsoft.com/office/drawing/2014/main" id="{41B68C77-138E-4BF7-A276-BD0C78A4219F}"/>
@@ -17862,7 +19688,7 @@
       </p:pic>
       <p:pic>
         <p:nvPicPr>
-          <p:cNvPr id="12" name="Picture 11">
+          <p:cNvPr id="11" name="Picture 10">
             <a:extLst>
               <a:ext uri="{FF2B5EF4-FFF2-40B4-BE49-F238E27FC236}">
                 <a16:creationId xmlns:a16="http://schemas.microsoft.com/office/drawing/2014/main" id="{7C268552-D473-46ED-B1B8-422042C4DEF1}"/>
@@ -17906,7 +19732,7 @@
       </p:pic>
       <p:sp>
         <p:nvSpPr>
-          <p:cNvPr id="14" name="Oval 13">
+          <p:cNvPr id="13" name="Oval 12">
             <a:extLst>
               <a:ext uri="{FF2B5EF4-FFF2-40B4-BE49-F238E27FC236}">
                 <a16:creationId xmlns:a16="http://schemas.microsoft.com/office/drawing/2014/main" id="{4AC0CD9D-7610-4620-93B4-798CCD9AB581}"/>
@@ -17993,7 +19819,7 @@
       </p:sp>
       <p:pic>
         <p:nvPicPr>
-          <p:cNvPr id="16" name="Picture 15">
+          <p:cNvPr id="15" name="Picture 14">
             <a:extLst>
               <a:ext uri="{FF2B5EF4-FFF2-40B4-BE49-F238E27FC236}">
                 <a16:creationId xmlns:a16="http://schemas.microsoft.com/office/drawing/2014/main" id="{B9238B3E-24AA-439A-B527-6C5DF6D72145}"/>
@@ -18037,7 +19863,7 @@
       </p:pic>
       <p:pic>
         <p:nvPicPr>
-          <p:cNvPr id="18" name="Picture 17">
+          <p:cNvPr id="17" name="Picture 16">
             <a:extLst>
               <a:ext uri="{FF2B5EF4-FFF2-40B4-BE49-F238E27FC236}">
                 <a16:creationId xmlns:a16="http://schemas.microsoft.com/office/drawing/2014/main" id="{69F01145-BEA3-4CBF-AA21-10077B948CA8}"/>
@@ -18081,7 +19907,7 @@
       </p:pic>
       <p:sp>
         <p:nvSpPr>
-          <p:cNvPr id="20" name="Rectangle 19">
+          <p:cNvPr id="19" name="Rectangle 18">
             <a:extLst>
               <a:ext uri="{FF2B5EF4-FFF2-40B4-BE49-F238E27FC236}">
                 <a16:creationId xmlns:a16="http://schemas.microsoft.com/office/drawing/2014/main" id="{DE4D62F9-188E-4530-84C2-24BDEE4BEB82}"/>
@@ -18141,7 +19967,7 @@
       </p:sp>
       <p:sp>
         <p:nvSpPr>
-          <p:cNvPr id="22" name="Rectangle 21">
+          <p:cNvPr id="21" name="Rectangle 20">
             <a:extLst>
               <a:ext uri="{FF2B5EF4-FFF2-40B4-BE49-F238E27FC236}">
                 <a16:creationId xmlns:a16="http://schemas.microsoft.com/office/drawing/2014/main" id="{757B325C-3E35-45CF-9D07-3BCB281F3B9C}"/>
@@ -18204,7 +20030,7 @@
           <p:cNvPr id="2" name="Title 1">
             <a:extLst>
               <a:ext uri="{FF2B5EF4-FFF2-40B4-BE49-F238E27FC236}">
-                <a16:creationId xmlns:a16="http://schemas.microsoft.com/office/drawing/2014/main" id="{3B84E06D-E8F2-F365-AC0C-FF278698EA6E}"/>
+                <a16:creationId xmlns:a16="http://schemas.microsoft.com/office/drawing/2014/main" id="{91AB0F18-62C4-09C3-27AA-6697CFD96AE9}"/>
               </a:ext>
             </a:extLst>
           </p:cNvPr>
@@ -18218,32 +20044,44 @@
         <p:spPr>
           <a:xfrm>
             <a:off x="8191925" y="1325880"/>
-            <a:ext cx="3352375" cy="3066507"/>
+            <a:ext cx="3352375" cy="4883957"/>
           </a:xfrm>
         </p:spPr>
         <p:txBody>
           <a:bodyPr vert="horz" lIns="91440" tIns="45720" rIns="91440" bIns="45720" rtlCol="0" anchor="b">
-            <a:normAutofit/>
+            <a:normAutofit fontScale="90000"/>
           </a:bodyPr>
           <a:lstStyle/>
           <a:p>
             <a:r>
-              <a:rPr lang="en-US" sz="5400" b="0" i="0" kern="1200">
+              <a:rPr lang="en-GB" sz="7300" dirty="0">
                 <a:solidFill>
-                  <a:srgbClr val="EBEBEB"/>
+                  <a:schemeClr val="bg1"/>
                 </a:solidFill>
-                <a:latin typeface="+mj-lt"/>
-                <a:ea typeface="+mj-ea"/>
-                <a:cs typeface="+mj-cs"/>
               </a:rPr>
-              <a:t>Spring 7 – What’s cool</a:t>
-            </a:r>
+              <a:t>Maven 4 - what’s new</a:t>
+            </a:r>
+            <a:br>
+              <a:rPr lang="en-US" sz="5400" dirty="0">
+                <a:solidFill>
+                  <a:schemeClr val="bg1"/>
+                </a:solidFill>
+              </a:rPr>
+            </a:br>
+            <a:endParaRPr lang="en-US" sz="5400" b="0" i="0" kern="1200" dirty="0">
+              <a:solidFill>
+                <a:schemeClr val="bg1"/>
+              </a:solidFill>
+              <a:latin typeface="+mj-lt"/>
+              <a:ea typeface="+mj-ea"/>
+              <a:cs typeface="+mj-cs"/>
+            </a:endParaRPr>
           </a:p>
         </p:txBody>
       </p:sp>
       <p:sp>
         <p:nvSpPr>
-          <p:cNvPr id="24" name="Freeform 36">
+          <p:cNvPr id="23" name="Freeform 36">
             <a:extLst>
               <a:ext uri="{FF2B5EF4-FFF2-40B4-BE49-F238E27FC236}">
                 <a16:creationId xmlns:a16="http://schemas.microsoft.com/office/drawing/2014/main" id="{C24BEC42-AFF3-40D1-93A2-A27A42E1E23C}"/>
@@ -18595,7 +20433,7 @@
       </p:sp>
       <p:sp useBgFill="1">
         <p:nvSpPr>
-          <p:cNvPr id="26" name="Freeform: Shape 25">
+          <p:cNvPr id="25" name="Freeform: Shape 24">
             <a:extLst>
               <a:ext uri="{FF2B5EF4-FFF2-40B4-BE49-F238E27FC236}">
                 <a16:creationId xmlns:a16="http://schemas.microsoft.com/office/drawing/2014/main" id="{608F427C-1EC9-4280-9367-F2B3AA063E82}"/>
@@ -19084,7 +20922,7 @@
       </p:sp>
       <p:sp>
         <p:nvSpPr>
-          <p:cNvPr id="28" name="Rectangle 27">
+          <p:cNvPr id="27" name="Rectangle 26">
             <a:extLst>
               <a:ext uri="{FF2B5EF4-FFF2-40B4-BE49-F238E27FC236}">
                 <a16:creationId xmlns:a16="http://schemas.microsoft.com/office/drawing/2014/main" id="{F98810A7-E114-447A-A7D6-69B27CFB5650}"/>
@@ -19144,10 +20982,10 @@
       </p:sp>
       <p:pic>
         <p:nvPicPr>
-          <p:cNvPr id="5" name="Content Placeholder 4" descr="A green circle with a leaf&#10;&#10;AI-generated content may be incorrect.">
+          <p:cNvPr id="4" name="Content Placeholder 3" descr="A colorful leaf with a black line&#10;&#10;AI-generated content may be incorrect.">
             <a:extLst>
               <a:ext uri="{FF2B5EF4-FFF2-40B4-BE49-F238E27FC236}">
-                <a16:creationId xmlns:a16="http://schemas.microsoft.com/office/drawing/2014/main" id="{2855571C-514F-ED67-12CD-DE66F6FE3A70}"/>
+                <a16:creationId xmlns:a16="http://schemas.microsoft.com/office/drawing/2014/main" id="{51318B19-EB22-F098-6A52-6FA9170CC004}"/>
               </a:ext>
             </a:extLst>
           </p:cNvPr>
@@ -19160,14 +20998,15 @@
         </p:nvPicPr>
         <p:blipFill>
           <a:blip r:embed="rId6"/>
+          <a:srcRect r="-1" b="6424"/>
           <a:stretch>
             <a:fillRect/>
           </a:stretch>
         </p:blipFill>
         <p:spPr>
           <a:xfrm>
-            <a:off x="998115" y="647698"/>
-            <a:ext cx="5562139" cy="5562139"/>
+            <a:off x="1899707" y="647698"/>
+            <a:ext cx="3758955" cy="5562139"/>
           </a:xfrm>
           <a:prstGeom prst="rect">
             <a:avLst/>
@@ -19178,7 +21017,7 @@
     </p:spTree>
     <p:extLst>
       <p:ext uri="{BB962C8B-B14F-4D97-AF65-F5344CB8AC3E}">
-        <p14:creationId xmlns:p14="http://schemas.microsoft.com/office/powerpoint/2010/main" val="2345810405"/>
+        <p14:creationId xmlns:p14="http://schemas.microsoft.com/office/powerpoint/2010/main" val="3728658187"/>
       </p:ext>
     </p:extLst>
   </p:cSld>
@@ -19188,277 +21027,7 @@
 </p:sld>
 </file>
 
-<file path=ppt/slides/slide27.xml><?xml version="1.0" encoding="utf-8"?>
-<p:sld xmlns:a="http://schemas.openxmlformats.org/drawingml/2006/main" xmlns:r="http://schemas.openxmlformats.org/officeDocument/2006/relationships" xmlns:p="http://schemas.openxmlformats.org/presentationml/2006/main">
-  <p:cSld>
-    <p:spTree>
-      <p:nvGrpSpPr>
-        <p:cNvPr id="1" name=""/>
-        <p:cNvGrpSpPr/>
-        <p:nvPr/>
-      </p:nvGrpSpPr>
-      <p:grpSpPr>
-        <a:xfrm>
-          <a:off x="0" y="0"/>
-          <a:ext cx="0" cy="0"/>
-          <a:chOff x="0" y="0"/>
-          <a:chExt cx="0" cy="0"/>
-        </a:xfrm>
-      </p:grpSpPr>
-      <p:sp>
-        <p:nvSpPr>
-          <p:cNvPr id="2" name="Title 1">
-            <a:extLst>
-              <a:ext uri="{FF2B5EF4-FFF2-40B4-BE49-F238E27FC236}">
-                <a16:creationId xmlns:a16="http://schemas.microsoft.com/office/drawing/2014/main" id="{AB6C0888-59A4-3A97-EF04-F5F640FEDB67}"/>
-              </a:ext>
-            </a:extLst>
-          </p:cNvPr>
-          <p:cNvSpPr>
-            <a:spLocks noGrp="1"/>
-          </p:cNvSpPr>
-          <p:nvPr>
-            <p:ph type="title"/>
-          </p:nvPr>
-        </p:nvSpPr>
-        <p:spPr/>
-        <p:txBody>
-          <a:bodyPr/>
-          <a:lstStyle/>
-          <a:p>
-            <a:r>
-              <a:rPr lang="en-US" dirty="0"/>
-              <a:t>Spring 7</a:t>
-            </a:r>
-          </a:p>
-        </p:txBody>
-      </p:sp>
-      <p:sp>
-        <p:nvSpPr>
-          <p:cNvPr id="3" name="Content Placeholder 2">
-            <a:extLst>
-              <a:ext uri="{FF2B5EF4-FFF2-40B4-BE49-F238E27FC236}">
-                <a16:creationId xmlns:a16="http://schemas.microsoft.com/office/drawing/2014/main" id="{A7822E91-0948-284A-5D51-F5FDC0330031}"/>
-              </a:ext>
-            </a:extLst>
-          </p:cNvPr>
-          <p:cNvSpPr>
-            <a:spLocks noGrp="1"/>
-          </p:cNvSpPr>
-          <p:nvPr>
-            <p:ph idx="1"/>
-          </p:nvPr>
-        </p:nvSpPr>
-        <p:spPr/>
-        <p:txBody>
-          <a:bodyPr>
-            <a:normAutofit/>
-          </a:bodyPr>
-          <a:lstStyle/>
-          <a:p>
-            <a:r>
-              <a:rPr lang="en-US" sz="2800" dirty="0"/>
-              <a:t>#TODO</a:t>
-            </a:r>
-          </a:p>
-        </p:txBody>
-      </p:sp>
-    </p:spTree>
-    <p:extLst>
-      <p:ext uri="{BB962C8B-B14F-4D97-AF65-F5344CB8AC3E}">
-        <p14:creationId xmlns:p14="http://schemas.microsoft.com/office/powerpoint/2010/main" val="2899600124"/>
-      </p:ext>
-    </p:extLst>
-  </p:cSld>
-  <p:clrMapOvr>
-    <a:masterClrMapping/>
-  </p:clrMapOvr>
-</p:sld>
-</file>
-
-<file path=ppt/slides/slide28.xml><?xml version="1.0" encoding="utf-8"?>
-<p:sld xmlns:a="http://schemas.openxmlformats.org/drawingml/2006/main" xmlns:r="http://schemas.openxmlformats.org/officeDocument/2006/relationships" xmlns:p="http://schemas.openxmlformats.org/presentationml/2006/main">
-  <p:cSld>
-    <p:spTree>
-      <p:nvGrpSpPr>
-        <p:cNvPr id="1" name=""/>
-        <p:cNvGrpSpPr/>
-        <p:nvPr/>
-      </p:nvGrpSpPr>
-      <p:grpSpPr>
-        <a:xfrm>
-          <a:off x="0" y="0"/>
-          <a:ext cx="0" cy="0"/>
-          <a:chOff x="0" y="0"/>
-          <a:chExt cx="0" cy="0"/>
-        </a:xfrm>
-      </p:grpSpPr>
-      <p:sp>
-        <p:nvSpPr>
-          <p:cNvPr id="2" name="Title 1">
-            <a:extLst>
-              <a:ext uri="{FF2B5EF4-FFF2-40B4-BE49-F238E27FC236}">
-                <a16:creationId xmlns:a16="http://schemas.microsoft.com/office/drawing/2014/main" id="{7E1A6C48-3D5B-B8F0-C46C-33E81B4D6BDC}"/>
-              </a:ext>
-            </a:extLst>
-          </p:cNvPr>
-          <p:cNvSpPr>
-            <a:spLocks noGrp="1"/>
-          </p:cNvSpPr>
-          <p:nvPr>
-            <p:ph type="title"/>
-          </p:nvPr>
-        </p:nvSpPr>
-        <p:spPr>
-          <a:xfrm>
-            <a:off x="646111" y="452718"/>
-            <a:ext cx="11120773" cy="1400530"/>
-          </a:xfrm>
-        </p:spPr>
-        <p:txBody>
-          <a:bodyPr/>
-          <a:lstStyle/>
-          <a:p>
-            <a:r>
-              <a:rPr lang="en-US" dirty="0"/>
-              <a:t>References - </a:t>
-            </a:r>
-            <a:r>
-              <a:rPr lang="en-US" sz="4400" dirty="0"/>
-              <a:t>Maven 4</a:t>
-            </a:r>
-            <a:endParaRPr lang="en-US" dirty="0"/>
-          </a:p>
-        </p:txBody>
-      </p:sp>
-      <p:sp>
-        <p:nvSpPr>
-          <p:cNvPr id="3" name="Content Placeholder 2">
-            <a:extLst>
-              <a:ext uri="{FF2B5EF4-FFF2-40B4-BE49-F238E27FC236}">
-                <a16:creationId xmlns:a16="http://schemas.microsoft.com/office/drawing/2014/main" id="{5DD7A1DA-6E97-7686-69B6-CCCF1EBAB961}"/>
-              </a:ext>
-            </a:extLst>
-          </p:cNvPr>
-          <p:cNvSpPr>
-            <a:spLocks noGrp="1"/>
-          </p:cNvSpPr>
-          <p:nvPr>
-            <p:ph idx="1"/>
-          </p:nvPr>
-        </p:nvSpPr>
-        <p:spPr>
-          <a:xfrm>
-            <a:off x="646111" y="1468192"/>
-            <a:ext cx="11120773" cy="4780207"/>
-          </a:xfrm>
-        </p:spPr>
-        <p:txBody>
-          <a:bodyPr>
-            <a:normAutofit/>
-          </a:bodyPr>
-          <a:lstStyle/>
-          <a:p>
-            <a:r>
-              <a:rPr lang="en-US" sz="2800" dirty="0">
-                <a:hlinkClick r:id="rId2"/>
-              </a:rPr>
-              <a:t>https://maven.apache.org/whatsnewinmaven4.html</a:t>
-            </a:r>
-            <a:endParaRPr lang="en-US" sz="2800" dirty="0"/>
-          </a:p>
-          <a:p>
-            <a:r>
-              <a:rPr lang="en-US" sz="2800" dirty="0">
-                <a:hlinkClick r:id="rId3"/>
-              </a:rPr>
-              <a:t>https://maarten.mulders.it/2021/03/introduction-to-maven-toolchains</a:t>
-            </a:r>
-            <a:endParaRPr lang="en-US" sz="2800" dirty="0"/>
-          </a:p>
-          <a:p>
-            <a:r>
-              <a:rPr lang="en-GB" sz="2800" dirty="0">
-                <a:hlinkClick r:id="rId4"/>
-              </a:rPr>
-              <a:t>https://ant.apache.org</a:t>
-            </a:r>
-            <a:r>
-              <a:rPr lang="en-GB" sz="2800" dirty="0"/>
-              <a:t> </a:t>
-            </a:r>
-          </a:p>
-          <a:p>
-            <a:r>
-              <a:rPr lang="en-GB" sz="2800" dirty="0">
-                <a:hlinkClick r:id="rId5"/>
-              </a:rPr>
-              <a:t>https://gradle.org</a:t>
-            </a:r>
-            <a:r>
-              <a:rPr lang="en-GB" sz="2800" dirty="0"/>
-              <a:t> </a:t>
-            </a:r>
-          </a:p>
-          <a:p>
-            <a:r>
-              <a:rPr lang="en-GB" sz="2800" dirty="0"/>
-              <a:t> </a:t>
-            </a:r>
-            <a:r>
-              <a:rPr lang="en-GB" sz="2800" dirty="0">
-                <a:hlinkClick r:id="rId6"/>
-              </a:rPr>
-              <a:t>https://github.com/bazelbuild</a:t>
-            </a:r>
-            <a:r>
-              <a:rPr lang="en-GB" sz="2800" dirty="0"/>
-              <a:t> </a:t>
-            </a:r>
-          </a:p>
-          <a:p>
-            <a:r>
-              <a:rPr lang="en-GB" sz="2800" dirty="0">
-                <a:hlinkClick r:id="rId7"/>
-              </a:rPr>
-              <a:t>https://cstamas.org/blog/2024/09/handling-sensitive-data-in-maven</a:t>
-            </a:r>
-            <a:r>
-              <a:rPr lang="en-GB" sz="2800" dirty="0"/>
-              <a:t> </a:t>
-            </a:r>
-          </a:p>
-          <a:p>
-            <a:r>
-              <a:rPr lang="en-GB" sz="2800" dirty="0">
-                <a:hlinkClick r:id="rId8"/>
-              </a:rPr>
-              <a:t>https://maven.apache.org/tools/mvnsh.html</a:t>
-            </a:r>
-            <a:r>
-              <a:rPr lang="en-GB" sz="2800" dirty="0"/>
-              <a:t> </a:t>
-            </a:r>
-          </a:p>
-          <a:p>
-            <a:endParaRPr lang="en-US" sz="2800" dirty="0"/>
-          </a:p>
-        </p:txBody>
-      </p:sp>
-    </p:spTree>
-    <p:extLst>
-      <p:ext uri="{BB962C8B-B14F-4D97-AF65-F5344CB8AC3E}">
-        <p14:creationId xmlns:p14="http://schemas.microsoft.com/office/powerpoint/2010/main" val="2302544402"/>
-      </p:ext>
-    </p:extLst>
-  </p:cSld>
-  <p:clrMapOvr>
-    <a:masterClrMapping/>
-  </p:clrMapOvr>
-</p:sld>
-</file>
-
-<file path=ppt/slides/slide29.xml><?xml version="1.0" encoding="utf-8"?>
+<file path=ppt/slides/slide30.xml><?xml version="1.0" encoding="utf-8"?>
 <p:sld xmlns:a="http://schemas.openxmlformats.org/drawingml/2006/main" xmlns:r="http://schemas.openxmlformats.org/officeDocument/2006/relationships" xmlns:p="http://schemas.openxmlformats.org/presentationml/2006/main">
   <p:cSld>
     <p:spTree>
@@ -19466,7 +21035,7 @@
         <p:cNvPr id="1" name="">
           <a:extLst>
             <a:ext uri="{FF2B5EF4-FFF2-40B4-BE49-F238E27FC236}">
-              <a16:creationId xmlns:a16="http://schemas.microsoft.com/office/drawing/2014/main" id="{2E5524A6-C557-707D-C9B9-D21FC4BAD79B}"/>
+              <a16:creationId xmlns:a16="http://schemas.microsoft.com/office/drawing/2014/main" id="{05530C14-A451-B252-A163-2BDD6DC00B5E}"/>
             </a:ext>
           </a:extLst>
         </p:cNvPr>
@@ -19486,7 +21055,7 @@
           <p:cNvPr id="2" name="Title 1">
             <a:extLst>
               <a:ext uri="{FF2B5EF4-FFF2-40B4-BE49-F238E27FC236}">
-                <a16:creationId xmlns:a16="http://schemas.microsoft.com/office/drawing/2014/main" id="{FDF71967-5633-0280-6723-25B065726D7A}"/>
+                <a16:creationId xmlns:a16="http://schemas.microsoft.com/office/drawing/2014/main" id="{BE5C3959-A408-64F4-ADEF-7CF10097C72B}"/>
               </a:ext>
             </a:extLst>
           </p:cNvPr>
@@ -19500,7 +21069,7 @@
         <p:spPr>
           <a:xfrm>
             <a:off x="646111" y="452718"/>
-            <a:ext cx="11120773" cy="1400530"/>
+            <a:ext cx="9772897" cy="1400530"/>
           </a:xfrm>
         </p:spPr>
         <p:txBody>
@@ -19509,13 +21078,8 @@
           <a:p>
             <a:r>
               <a:rPr lang="en-US" dirty="0"/>
-              <a:t>References – </a:t>
-            </a:r>
-            <a:r>
-              <a:rPr lang="en-US" sz="4400" dirty="0"/>
-              <a:t>Java 25</a:t>
-            </a:r>
-            <a:endParaRPr lang="en-US" dirty="0"/>
+              <a:t>Compact Source Files and Instance Main Methods</a:t>
+            </a:r>
           </a:p>
         </p:txBody>
       </p:sp>
@@ -19524,7 +21088,7 @@
           <p:cNvPr id="3" name="Content Placeholder 2">
             <a:extLst>
               <a:ext uri="{FF2B5EF4-FFF2-40B4-BE49-F238E27FC236}">
-                <a16:creationId xmlns:a16="http://schemas.microsoft.com/office/drawing/2014/main" id="{8E920CBC-0F88-C4B8-30E6-0D49A160B965}"/>
+                <a16:creationId xmlns:a16="http://schemas.microsoft.com/office/drawing/2014/main" id="{FDB5D1CB-D741-D237-031E-25DFA7E665B7}"/>
               </a:ext>
             </a:extLst>
           </p:cNvPr>
@@ -19537,8 +21101,8 @@
         </p:nvSpPr>
         <p:spPr>
           <a:xfrm>
-            <a:off x="646111" y="2052918"/>
-            <a:ext cx="11120773" cy="4195481"/>
+            <a:off x="949747" y="2209801"/>
+            <a:ext cx="8946541" cy="4195481"/>
           </a:xfrm>
         </p:spPr>
         <p:txBody>
@@ -19547,9 +21111,10 @@
           </a:bodyPr>
           <a:lstStyle/>
           <a:p>
-            <a:r>
-              <a:rPr lang="en-US" sz="2800" dirty="0"/>
-              <a:t>#TODO</a:t>
+            <a:pPr lvl="1"/>
+            <a:r>
+              <a:rPr lang="en-US" sz="2600" dirty="0"/>
+              <a:t># TODO</a:t>
             </a:r>
           </a:p>
         </p:txBody>
@@ -19557,7 +21122,7 @@
     </p:spTree>
     <p:extLst>
       <p:ext uri="{BB962C8B-B14F-4D97-AF65-F5344CB8AC3E}">
-        <p14:creationId xmlns:p14="http://schemas.microsoft.com/office/powerpoint/2010/main" val="3699027236"/>
+        <p14:creationId xmlns:p14="http://schemas.microsoft.com/office/powerpoint/2010/main" val="30059858"/>
       </p:ext>
     </p:extLst>
   </p:cSld>
@@ -19567,7 +21132,2718 @@
 </p:sld>
 </file>
 
-<file path=ppt/slides/slide3.xml><?xml version="1.0" encoding="utf-8"?>
+<file path=ppt/slides/slide31.xml><?xml version="1.0" encoding="utf-8"?>
+<p:sld xmlns:a="http://schemas.openxmlformats.org/drawingml/2006/main" xmlns:r="http://schemas.openxmlformats.org/officeDocument/2006/relationships" xmlns:p="http://schemas.openxmlformats.org/presentationml/2006/main">
+  <p:cSld>
+    <p:spTree>
+      <p:nvGrpSpPr>
+        <p:cNvPr id="1" name="">
+          <a:extLst>
+            <a:ext uri="{FF2B5EF4-FFF2-40B4-BE49-F238E27FC236}">
+              <a16:creationId xmlns:a16="http://schemas.microsoft.com/office/drawing/2014/main" id="{2221F8CB-47FE-219F-F67D-A16D0845C185}"/>
+            </a:ext>
+          </a:extLst>
+        </p:cNvPr>
+        <p:cNvGrpSpPr/>
+        <p:nvPr/>
+      </p:nvGrpSpPr>
+      <p:grpSpPr>
+        <a:xfrm>
+          <a:off x="0" y="0"/>
+          <a:ext cx="0" cy="0"/>
+          <a:chOff x="0" y="0"/>
+          <a:chExt cx="0" cy="0"/>
+        </a:xfrm>
+      </p:grpSpPr>
+      <p:sp>
+        <p:nvSpPr>
+          <p:cNvPr id="2" name="Title 1">
+            <a:extLst>
+              <a:ext uri="{FF2B5EF4-FFF2-40B4-BE49-F238E27FC236}">
+                <a16:creationId xmlns:a16="http://schemas.microsoft.com/office/drawing/2014/main" id="{03A4A8EC-7C90-1795-840C-97E417AB2CE0}"/>
+              </a:ext>
+            </a:extLst>
+          </p:cNvPr>
+          <p:cNvSpPr>
+            <a:spLocks noGrp="1"/>
+          </p:cNvSpPr>
+          <p:nvPr>
+            <p:ph type="title"/>
+          </p:nvPr>
+        </p:nvSpPr>
+        <p:spPr/>
+        <p:txBody>
+          <a:bodyPr/>
+          <a:lstStyle/>
+          <a:p>
+            <a:r>
+              <a:rPr lang="en-US" dirty="0"/>
+              <a:t>Flexible Constructor Bodies</a:t>
+            </a:r>
+          </a:p>
+        </p:txBody>
+      </p:sp>
+      <p:sp>
+        <p:nvSpPr>
+          <p:cNvPr id="3" name="Content Placeholder 2">
+            <a:extLst>
+              <a:ext uri="{FF2B5EF4-FFF2-40B4-BE49-F238E27FC236}">
+                <a16:creationId xmlns:a16="http://schemas.microsoft.com/office/drawing/2014/main" id="{6BF3CF7D-AC17-B663-DC65-101E44A7449E}"/>
+              </a:ext>
+            </a:extLst>
+          </p:cNvPr>
+          <p:cNvSpPr>
+            <a:spLocks noGrp="1"/>
+          </p:cNvSpPr>
+          <p:nvPr>
+            <p:ph idx="1"/>
+          </p:nvPr>
+        </p:nvSpPr>
+        <p:spPr/>
+        <p:txBody>
+          <a:bodyPr>
+            <a:normAutofit/>
+          </a:bodyPr>
+          <a:lstStyle/>
+          <a:p>
+            <a:pPr lvl="1"/>
+            <a:r>
+              <a:rPr lang="en-US" sz="2600" dirty="0"/>
+              <a:t># TODO</a:t>
+            </a:r>
+          </a:p>
+        </p:txBody>
+      </p:sp>
+    </p:spTree>
+    <p:extLst>
+      <p:ext uri="{BB962C8B-B14F-4D97-AF65-F5344CB8AC3E}">
+        <p14:creationId xmlns:p14="http://schemas.microsoft.com/office/powerpoint/2010/main" val="3557907949"/>
+      </p:ext>
+    </p:extLst>
+  </p:cSld>
+  <p:clrMapOvr>
+    <a:masterClrMapping/>
+  </p:clrMapOvr>
+</p:sld>
+</file>
+
+<file path=ppt/slides/slide32.xml><?xml version="1.0" encoding="utf-8"?>
+<p:sld xmlns:a="http://schemas.openxmlformats.org/drawingml/2006/main" xmlns:r="http://schemas.openxmlformats.org/officeDocument/2006/relationships" xmlns:p="http://schemas.openxmlformats.org/presentationml/2006/main">
+  <p:cSld>
+    <p:spTree>
+      <p:nvGrpSpPr>
+        <p:cNvPr id="1" name="">
+          <a:extLst>
+            <a:ext uri="{FF2B5EF4-FFF2-40B4-BE49-F238E27FC236}">
+              <a16:creationId xmlns:a16="http://schemas.microsoft.com/office/drawing/2014/main" id="{B7589A6B-3FFB-420C-3B97-4A3E4A95E8A9}"/>
+            </a:ext>
+          </a:extLst>
+        </p:cNvPr>
+        <p:cNvGrpSpPr/>
+        <p:nvPr/>
+      </p:nvGrpSpPr>
+      <p:grpSpPr>
+        <a:xfrm>
+          <a:off x="0" y="0"/>
+          <a:ext cx="0" cy="0"/>
+          <a:chOff x="0" y="0"/>
+          <a:chExt cx="0" cy="0"/>
+        </a:xfrm>
+      </p:grpSpPr>
+      <p:sp>
+        <p:nvSpPr>
+          <p:cNvPr id="2" name="Title 1">
+            <a:extLst>
+              <a:ext uri="{FF2B5EF4-FFF2-40B4-BE49-F238E27FC236}">
+                <a16:creationId xmlns:a16="http://schemas.microsoft.com/office/drawing/2014/main" id="{5360976C-3AE6-4F10-3725-0D93D06AFEE6}"/>
+              </a:ext>
+            </a:extLst>
+          </p:cNvPr>
+          <p:cNvSpPr>
+            <a:spLocks noGrp="1"/>
+          </p:cNvSpPr>
+          <p:nvPr>
+            <p:ph type="title"/>
+          </p:nvPr>
+        </p:nvSpPr>
+        <p:spPr>
+          <a:xfrm>
+            <a:off x="646111" y="452718"/>
+            <a:ext cx="9404723" cy="1066989"/>
+          </a:xfrm>
+        </p:spPr>
+        <p:txBody>
+          <a:bodyPr/>
+          <a:lstStyle/>
+          <a:p>
+            <a:r>
+              <a:rPr lang="en-US" dirty="0"/>
+              <a:t>Stable Values (Preview)</a:t>
+            </a:r>
+          </a:p>
+        </p:txBody>
+      </p:sp>
+      <p:sp>
+        <p:nvSpPr>
+          <p:cNvPr id="3" name="Content Placeholder 2">
+            <a:extLst>
+              <a:ext uri="{FF2B5EF4-FFF2-40B4-BE49-F238E27FC236}">
+                <a16:creationId xmlns:a16="http://schemas.microsoft.com/office/drawing/2014/main" id="{ED4691FF-5C95-1E72-013E-E9E9E0A4106E}"/>
+              </a:ext>
+            </a:extLst>
+          </p:cNvPr>
+          <p:cNvSpPr>
+            <a:spLocks noGrp="1"/>
+          </p:cNvSpPr>
+          <p:nvPr>
+            <p:ph idx="1"/>
+          </p:nvPr>
+        </p:nvSpPr>
+        <p:spPr/>
+        <p:txBody>
+          <a:bodyPr>
+            <a:normAutofit/>
+          </a:bodyPr>
+          <a:lstStyle/>
+          <a:p>
+            <a:pPr lvl="1"/>
+            <a:r>
+              <a:rPr lang="en-US" sz="2600" dirty="0"/>
+              <a:t># TODO</a:t>
+            </a:r>
+          </a:p>
+        </p:txBody>
+      </p:sp>
+    </p:spTree>
+    <p:extLst>
+      <p:ext uri="{BB962C8B-B14F-4D97-AF65-F5344CB8AC3E}">
+        <p14:creationId xmlns:p14="http://schemas.microsoft.com/office/powerpoint/2010/main" val="2735214233"/>
+      </p:ext>
+    </p:extLst>
+  </p:cSld>
+  <p:clrMapOvr>
+    <a:masterClrMapping/>
+  </p:clrMapOvr>
+</p:sld>
+</file>
+
+<file path=ppt/slides/slide33.xml><?xml version="1.0" encoding="utf-8"?>
+<p:sld xmlns:a="http://schemas.openxmlformats.org/drawingml/2006/main" xmlns:r="http://schemas.openxmlformats.org/officeDocument/2006/relationships" xmlns:p="http://schemas.openxmlformats.org/presentationml/2006/main">
+  <p:cSld>
+    <p:spTree>
+      <p:nvGrpSpPr>
+        <p:cNvPr id="1" name="">
+          <a:extLst>
+            <a:ext uri="{FF2B5EF4-FFF2-40B4-BE49-F238E27FC236}">
+              <a16:creationId xmlns:a16="http://schemas.microsoft.com/office/drawing/2014/main" id="{5E128AEB-7B3E-A218-D39C-AB3B0E5DA22C}"/>
+            </a:ext>
+          </a:extLst>
+        </p:cNvPr>
+        <p:cNvGrpSpPr/>
+        <p:nvPr/>
+      </p:nvGrpSpPr>
+      <p:grpSpPr>
+        <a:xfrm>
+          <a:off x="0" y="0"/>
+          <a:ext cx="0" cy="0"/>
+          <a:chOff x="0" y="0"/>
+          <a:chExt cx="0" cy="0"/>
+        </a:xfrm>
+      </p:grpSpPr>
+      <p:sp>
+        <p:nvSpPr>
+          <p:cNvPr id="2" name="Title 1">
+            <a:extLst>
+              <a:ext uri="{FF2B5EF4-FFF2-40B4-BE49-F238E27FC236}">
+                <a16:creationId xmlns:a16="http://schemas.microsoft.com/office/drawing/2014/main" id="{98033A5D-3526-ED1D-5DB7-DE72E1BF67FA}"/>
+              </a:ext>
+            </a:extLst>
+          </p:cNvPr>
+          <p:cNvSpPr>
+            <a:spLocks noGrp="1"/>
+          </p:cNvSpPr>
+          <p:nvPr>
+            <p:ph type="title"/>
+          </p:nvPr>
+        </p:nvSpPr>
+        <p:spPr>
+          <a:xfrm>
+            <a:off x="646111" y="452718"/>
+            <a:ext cx="9682745" cy="1324567"/>
+          </a:xfrm>
+        </p:spPr>
+        <p:txBody>
+          <a:bodyPr/>
+          <a:lstStyle/>
+          <a:p>
+            <a:r>
+              <a:rPr lang="en-US" dirty="0"/>
+              <a:t>Primitive Types in patterns, </a:t>
+            </a:r>
+            <a:r>
+              <a:rPr lang="en-US" dirty="0" err="1"/>
+              <a:t>instanceOf</a:t>
+            </a:r>
+            <a:r>
+              <a:rPr lang="en-US" dirty="0"/>
+              <a:t> and switch (3d Preview)</a:t>
+            </a:r>
+          </a:p>
+        </p:txBody>
+      </p:sp>
+      <p:sp>
+        <p:nvSpPr>
+          <p:cNvPr id="3" name="Content Placeholder 2">
+            <a:extLst>
+              <a:ext uri="{FF2B5EF4-FFF2-40B4-BE49-F238E27FC236}">
+                <a16:creationId xmlns:a16="http://schemas.microsoft.com/office/drawing/2014/main" id="{3167F413-7DA5-1C2B-1BD2-1825CA76DF04}"/>
+              </a:ext>
+            </a:extLst>
+          </p:cNvPr>
+          <p:cNvSpPr>
+            <a:spLocks noGrp="1"/>
+          </p:cNvSpPr>
+          <p:nvPr>
+            <p:ph idx="1"/>
+          </p:nvPr>
+        </p:nvSpPr>
+        <p:spPr/>
+        <p:txBody>
+          <a:bodyPr>
+            <a:normAutofit/>
+          </a:bodyPr>
+          <a:lstStyle/>
+          <a:p>
+            <a:pPr lvl="1"/>
+            <a:r>
+              <a:rPr lang="en-US" sz="2600" dirty="0"/>
+              <a:t># TODO</a:t>
+            </a:r>
+          </a:p>
+        </p:txBody>
+      </p:sp>
+    </p:spTree>
+    <p:extLst>
+      <p:ext uri="{BB962C8B-B14F-4D97-AF65-F5344CB8AC3E}">
+        <p14:creationId xmlns:p14="http://schemas.microsoft.com/office/powerpoint/2010/main" val="3248397544"/>
+      </p:ext>
+    </p:extLst>
+  </p:cSld>
+  <p:clrMapOvr>
+    <a:masterClrMapping/>
+  </p:clrMapOvr>
+</p:sld>
+</file>
+
+<file path=ppt/slides/slide34.xml><?xml version="1.0" encoding="utf-8"?>
+<p:sld xmlns:a="http://schemas.openxmlformats.org/drawingml/2006/main" xmlns:r="http://schemas.openxmlformats.org/officeDocument/2006/relationships" xmlns:p="http://schemas.openxmlformats.org/presentationml/2006/main">
+  <p:cSld>
+    <p:spTree>
+      <p:nvGrpSpPr>
+        <p:cNvPr id="1" name="">
+          <a:extLst>
+            <a:ext uri="{FF2B5EF4-FFF2-40B4-BE49-F238E27FC236}">
+              <a16:creationId xmlns:a16="http://schemas.microsoft.com/office/drawing/2014/main" id="{740E3B0D-47CD-1B36-D29F-6A90009A5C89}"/>
+            </a:ext>
+          </a:extLst>
+        </p:cNvPr>
+        <p:cNvGrpSpPr/>
+        <p:nvPr/>
+      </p:nvGrpSpPr>
+      <p:grpSpPr>
+        <a:xfrm>
+          <a:off x="0" y="0"/>
+          <a:ext cx="0" cy="0"/>
+          <a:chOff x="0" y="0"/>
+          <a:chExt cx="0" cy="0"/>
+        </a:xfrm>
+      </p:grpSpPr>
+      <p:sp>
+        <p:nvSpPr>
+          <p:cNvPr id="2" name="Title 1">
+            <a:extLst>
+              <a:ext uri="{FF2B5EF4-FFF2-40B4-BE49-F238E27FC236}">
+                <a16:creationId xmlns:a16="http://schemas.microsoft.com/office/drawing/2014/main" id="{2D4978AF-F2B3-6927-447A-C0AEF85FD881}"/>
+              </a:ext>
+            </a:extLst>
+          </p:cNvPr>
+          <p:cNvSpPr>
+            <a:spLocks noGrp="1"/>
+          </p:cNvSpPr>
+          <p:nvPr>
+            <p:ph type="title"/>
+          </p:nvPr>
+        </p:nvSpPr>
+        <p:spPr>
+          <a:xfrm>
+            <a:off x="646111" y="452718"/>
+            <a:ext cx="9863050" cy="1066989"/>
+          </a:xfrm>
+        </p:spPr>
+        <p:txBody>
+          <a:bodyPr/>
+          <a:lstStyle/>
+          <a:p>
+            <a:r>
+              <a:rPr lang="en-US" dirty="0"/>
+              <a:t>Structured Concurrency(5</a:t>
+            </a:r>
+            <a:r>
+              <a:rPr lang="en-US" baseline="30000" dirty="0"/>
+              <a:t>th</a:t>
+            </a:r>
+            <a:r>
+              <a:rPr lang="en-US" dirty="0"/>
+              <a:t> Preview)</a:t>
+            </a:r>
+          </a:p>
+        </p:txBody>
+      </p:sp>
+      <p:sp>
+        <p:nvSpPr>
+          <p:cNvPr id="3" name="Content Placeholder 2">
+            <a:extLst>
+              <a:ext uri="{FF2B5EF4-FFF2-40B4-BE49-F238E27FC236}">
+                <a16:creationId xmlns:a16="http://schemas.microsoft.com/office/drawing/2014/main" id="{C302F815-B73C-7AB1-BF76-25C4767377C5}"/>
+              </a:ext>
+            </a:extLst>
+          </p:cNvPr>
+          <p:cNvSpPr>
+            <a:spLocks noGrp="1"/>
+          </p:cNvSpPr>
+          <p:nvPr>
+            <p:ph idx="1"/>
+          </p:nvPr>
+        </p:nvSpPr>
+        <p:spPr/>
+        <p:txBody>
+          <a:bodyPr>
+            <a:normAutofit/>
+          </a:bodyPr>
+          <a:lstStyle/>
+          <a:p>
+            <a:pPr lvl="1"/>
+            <a:r>
+              <a:rPr lang="en-US" sz="2600" dirty="0"/>
+              <a:t># TODO</a:t>
+            </a:r>
+          </a:p>
+        </p:txBody>
+      </p:sp>
+    </p:spTree>
+    <p:extLst>
+      <p:ext uri="{BB962C8B-B14F-4D97-AF65-F5344CB8AC3E}">
+        <p14:creationId xmlns:p14="http://schemas.microsoft.com/office/powerpoint/2010/main" val="2052983472"/>
+      </p:ext>
+    </p:extLst>
+  </p:cSld>
+  <p:clrMapOvr>
+    <a:masterClrMapping/>
+  </p:clrMapOvr>
+</p:sld>
+</file>
+
+<file path=ppt/slides/slide35.xml><?xml version="1.0" encoding="utf-8"?>
+<p:sld xmlns:a="http://schemas.openxmlformats.org/drawingml/2006/main" xmlns:r="http://schemas.openxmlformats.org/officeDocument/2006/relationships" xmlns:p="http://schemas.openxmlformats.org/presentationml/2006/main">
+  <p:cSld>
+    <p:bg>
+      <p:bgPr>
+        <a:solidFill>
+          <a:schemeClr val="bg1"/>
+        </a:solidFill>
+        <a:effectLst/>
+      </p:bgPr>
+    </p:bg>
+    <p:spTree>
+      <p:nvGrpSpPr>
+        <p:cNvPr id="1" name="">
+          <a:extLst>
+            <a:ext uri="{FF2B5EF4-FFF2-40B4-BE49-F238E27FC236}">
+              <a16:creationId xmlns:a16="http://schemas.microsoft.com/office/drawing/2014/main" id="{9FDDC98E-EFC7-DCB2-AAD1-9B9BAE67ADD4}"/>
+            </a:ext>
+          </a:extLst>
+        </p:cNvPr>
+        <p:cNvGrpSpPr/>
+        <p:nvPr/>
+      </p:nvGrpSpPr>
+      <p:grpSpPr>
+        <a:xfrm>
+          <a:off x="0" y="0"/>
+          <a:ext cx="0" cy="0"/>
+          <a:chOff x="0" y="0"/>
+          <a:chExt cx="0" cy="0"/>
+        </a:xfrm>
+      </p:grpSpPr>
+      <p:sp>
+        <p:nvSpPr>
+          <p:cNvPr id="10" name="Rectangle 9">
+            <a:extLst>
+              <a:ext uri="{FF2B5EF4-FFF2-40B4-BE49-F238E27FC236}">
+                <a16:creationId xmlns:a16="http://schemas.microsoft.com/office/drawing/2014/main" id="{EE4E366E-272A-409E-840F-9A6A64A9E3FF}"/>
+              </a:ext>
+              <a:ext uri="{C183D7F6-B498-43B3-948B-1728B52AA6E4}">
+                <adec:decorative xmlns:adec="http://schemas.microsoft.com/office/drawing/2017/decorative" val="1"/>
+              </a:ext>
+            </a:extLst>
+          </p:cNvPr>
+          <p:cNvSpPr>
+            <a:spLocks noGrp="1" noRot="1" noChangeAspect="1" noMove="1" noResize="1" noEditPoints="1" noAdjustHandles="1" noChangeArrowheads="1" noChangeShapeType="1" noTextEdit="1"/>
+          </p:cNvSpPr>
+          <p:nvPr>
+            <p:extLst>
+              <p:ext uri="{386F3935-93C4-4BCD-93E2-E3B085C9AB24}">
+                <p16:designElem xmlns:p16="http://schemas.microsoft.com/office/powerpoint/2015/main" val="1"/>
+              </p:ext>
+            </p:extLst>
+          </p:nvPr>
+        </p:nvSpPr>
+        <p:spPr>
+          <a:xfrm>
+            <a:off x="0" y="0"/>
+            <a:ext cx="12192000" cy="6858000"/>
+          </a:xfrm>
+          <a:prstGeom prst="rect">
+            <a:avLst/>
+          </a:prstGeom>
+          <a:ln>
+            <a:noFill/>
+          </a:ln>
+        </p:spPr>
+        <p:style>
+          <a:lnRef idx="2">
+            <a:schemeClr val="accent1">
+              <a:shade val="50000"/>
+            </a:schemeClr>
+          </a:lnRef>
+          <a:fillRef idx="1003">
+            <a:schemeClr val="dk2"/>
+          </a:fillRef>
+          <a:effectRef idx="0">
+            <a:schemeClr val="accent1"/>
+          </a:effectRef>
+          <a:fontRef idx="minor">
+            <a:schemeClr val="lt1"/>
+          </a:fontRef>
+        </p:style>
+        <p:txBody>
+          <a:bodyPr rtlCol="0" anchor="ctr"/>
+          <a:lstStyle/>
+          <a:p>
+            <a:pPr algn="ctr"/>
+            <a:endParaRPr lang="en-US"/>
+          </a:p>
+        </p:txBody>
+      </p:sp>
+      <p:sp>
+        <p:nvSpPr>
+          <p:cNvPr id="12" name="Rectangle 11">
+            <a:extLst>
+              <a:ext uri="{FF2B5EF4-FFF2-40B4-BE49-F238E27FC236}">
+                <a16:creationId xmlns:a16="http://schemas.microsoft.com/office/drawing/2014/main" id="{A721560C-E4AB-4287-A29C-3F6916794CB9}"/>
+              </a:ext>
+              <a:ext uri="{C183D7F6-B498-43B3-948B-1728B52AA6E4}">
+                <adec:decorative xmlns:adec="http://schemas.microsoft.com/office/drawing/2017/decorative" val="1"/>
+              </a:ext>
+            </a:extLst>
+          </p:cNvPr>
+          <p:cNvSpPr>
+            <a:spLocks noGrp="1" noRot="1" noChangeAspect="1" noMove="1" noResize="1" noEditPoints="1" noAdjustHandles="1" noChangeArrowheads="1" noChangeShapeType="1" noTextEdit="1"/>
+          </p:cNvSpPr>
+          <p:nvPr>
+            <p:extLst>
+              <p:ext uri="{386F3935-93C4-4BCD-93E2-E3B085C9AB24}">
+                <p16:designElem xmlns:p16="http://schemas.microsoft.com/office/powerpoint/2015/main" val="1"/>
+              </p:ext>
+            </p:extLst>
+          </p:nvPr>
+        </p:nvSpPr>
+        <p:spPr>
+          <a:xfrm>
+            <a:off x="10442448" y="0"/>
+            <a:ext cx="685800" cy="1143000"/>
+          </a:xfrm>
+          <a:prstGeom prst="rect">
+            <a:avLst/>
+          </a:prstGeom>
+          <a:solidFill>
+            <a:schemeClr val="accent1"/>
+          </a:solidFill>
+          <a:ln>
+            <a:noFill/>
+          </a:ln>
+        </p:spPr>
+        <p:style>
+          <a:lnRef idx="1">
+            <a:schemeClr val="accent1"/>
+          </a:lnRef>
+          <a:fillRef idx="3">
+            <a:schemeClr val="accent1"/>
+          </a:fillRef>
+          <a:effectRef idx="2">
+            <a:schemeClr val="accent1"/>
+          </a:effectRef>
+          <a:fontRef idx="minor">
+            <a:schemeClr val="lt1"/>
+          </a:fontRef>
+        </p:style>
+        <p:txBody>
+          <a:bodyPr/>
+          <a:lstStyle/>
+          <a:p>
+            <a:endParaRPr lang="en-US"/>
+          </a:p>
+        </p:txBody>
+      </p:sp>
+      <p:sp>
+        <p:nvSpPr>
+          <p:cNvPr id="14" name="Freeform 7">
+            <a:extLst>
+              <a:ext uri="{FF2B5EF4-FFF2-40B4-BE49-F238E27FC236}">
+                <a16:creationId xmlns:a16="http://schemas.microsoft.com/office/drawing/2014/main" id="{DF6CFF07-D953-4F9C-9A0E-E0A6AACB6158}"/>
+              </a:ext>
+              <a:ext uri="{C183D7F6-B498-43B3-948B-1728B52AA6E4}">
+                <adec:decorative xmlns:adec="http://schemas.microsoft.com/office/drawing/2017/decorative" val="1"/>
+              </a:ext>
+            </a:extLst>
+          </p:cNvPr>
+          <p:cNvSpPr>
+            <a:spLocks noGrp="1" noRot="1" noChangeAspect="1" noMove="1" noResize="1" noEditPoints="1" noAdjustHandles="1" noChangeArrowheads="1" noChangeShapeType="1" noTextEdit="1"/>
+          </p:cNvSpPr>
+          <p:nvPr>
+            <p:extLst>
+              <p:ext uri="{386F3935-93C4-4BCD-93E2-E3B085C9AB24}">
+                <p16:designElem xmlns:p16="http://schemas.microsoft.com/office/powerpoint/2015/main" val="1"/>
+              </p:ext>
+            </p:extLst>
+          </p:nvPr>
+        </p:nvSpPr>
+        <p:spPr>
+          <a:xfrm>
+            <a:off x="8719939" y="1460230"/>
+            <a:ext cx="3472060" cy="825932"/>
+          </a:xfrm>
+          <a:custGeom>
+            <a:avLst/>
+            <a:gdLst>
+              <a:gd name="connsiteX0" fmla="*/ 3470310 w 3472060"/>
+              <a:gd name="connsiteY0" fmla="*/ 0 h 825932"/>
+              <a:gd name="connsiteX1" fmla="*/ 3472060 w 3472060"/>
+              <a:gd name="connsiteY1" fmla="*/ 12850 h 825932"/>
+              <a:gd name="connsiteX2" fmla="*/ 3472060 w 3472060"/>
+              <a:gd name="connsiteY2" fmla="*/ 480529 h 825932"/>
+              <a:gd name="connsiteX3" fmla="*/ 3363699 w 3472060"/>
+              <a:gd name="connsiteY3" fmla="*/ 498471 h 825932"/>
+              <a:gd name="connsiteX4" fmla="*/ 42060 w 3472060"/>
+              <a:gd name="connsiteY4" fmla="*/ 824486 h 825932"/>
+              <a:gd name="connsiteX5" fmla="*/ 0 w 3472060"/>
+              <a:gd name="connsiteY5" fmla="*/ 758452 h 825932"/>
+              <a:gd name="connsiteX6" fmla="*/ 188014 w 3472060"/>
+              <a:gd name="connsiteY6" fmla="*/ 735602 h 825932"/>
+              <a:gd name="connsiteX7" fmla="*/ 284087 w 3472060"/>
+              <a:gd name="connsiteY7" fmla="*/ 722590 h 825932"/>
+              <a:gd name="connsiteX8" fmla="*/ 382288 w 3472060"/>
+              <a:gd name="connsiteY8" fmla="*/ 709392 h 825932"/>
+              <a:gd name="connsiteX9" fmla="*/ 481858 w 3472060"/>
+              <a:gd name="connsiteY9" fmla="*/ 695774 h 825932"/>
+              <a:gd name="connsiteX10" fmla="*/ 581897 w 3472060"/>
+              <a:gd name="connsiteY10" fmla="*/ 680711 h 825932"/>
+              <a:gd name="connsiteX11" fmla="*/ 683670 w 3472060"/>
+              <a:gd name="connsiteY11" fmla="*/ 665256 h 825932"/>
+              <a:gd name="connsiteX12" fmla="*/ 787206 w 3472060"/>
+              <a:gd name="connsiteY12" fmla="*/ 649587 h 825932"/>
+              <a:gd name="connsiteX13" fmla="*/ 892019 w 3472060"/>
+              <a:gd name="connsiteY13" fmla="*/ 632968 h 825932"/>
+              <a:gd name="connsiteX14" fmla="*/ 997620 w 3472060"/>
+              <a:gd name="connsiteY14" fmla="*/ 614667 h 825932"/>
+              <a:gd name="connsiteX15" fmla="*/ 1104727 w 3472060"/>
+              <a:gd name="connsiteY15" fmla="*/ 596741 h 825932"/>
+              <a:gd name="connsiteX16" fmla="*/ 1212669 w 3472060"/>
+              <a:gd name="connsiteY16" fmla="*/ 577397 h 825932"/>
+              <a:gd name="connsiteX17" fmla="*/ 1321506 w 3472060"/>
+              <a:gd name="connsiteY17" fmla="*/ 556988 h 825932"/>
+              <a:gd name="connsiteX18" fmla="*/ 1430709 w 3472060"/>
+              <a:gd name="connsiteY18" fmla="*/ 536607 h 825932"/>
+              <a:gd name="connsiteX19" fmla="*/ 1541050 w 3472060"/>
+              <a:gd name="connsiteY19" fmla="*/ 514481 h 825932"/>
+              <a:gd name="connsiteX20" fmla="*/ 1652805 w 3472060"/>
+              <a:gd name="connsiteY20" fmla="*/ 492202 h 825932"/>
+              <a:gd name="connsiteX21" fmla="*/ 1763708 w 3472060"/>
+              <a:gd name="connsiteY21" fmla="*/ 469161 h 825932"/>
+              <a:gd name="connsiteX22" fmla="*/ 1875795 w 3472060"/>
+              <a:gd name="connsiteY22" fmla="*/ 444641 h 825932"/>
+              <a:gd name="connsiteX23" fmla="*/ 1989128 w 3472060"/>
+              <a:gd name="connsiteY23" fmla="*/ 418995 h 825932"/>
+              <a:gd name="connsiteX24" fmla="*/ 2102476 w 3472060"/>
+              <a:gd name="connsiteY24" fmla="*/ 393438 h 825932"/>
+              <a:gd name="connsiteX25" fmla="*/ 2215549 w 3472060"/>
+              <a:gd name="connsiteY25" fmla="*/ 366291 h 825932"/>
+              <a:gd name="connsiteX26" fmla="*/ 2330490 w 3472060"/>
+              <a:gd name="connsiteY26" fmla="*/ 337455 h 825932"/>
+              <a:gd name="connsiteX27" fmla="*/ 2443333 w 3472060"/>
+              <a:gd name="connsiteY27" fmla="*/ 308983 h 825932"/>
+              <a:gd name="connsiteX28" fmla="*/ 2558014 w 3472060"/>
+              <a:gd name="connsiteY28" fmla="*/ 278646 h 825932"/>
+              <a:gd name="connsiteX29" fmla="*/ 2673621 w 3472060"/>
+              <a:gd name="connsiteY29" fmla="*/ 247421 h 825932"/>
+              <a:gd name="connsiteX30" fmla="*/ 2787008 w 3472060"/>
+              <a:gd name="connsiteY30" fmla="*/ 215853 h 825932"/>
+              <a:gd name="connsiteX31" fmla="*/ 2901442 w 3472060"/>
+              <a:gd name="connsiteY31" fmla="*/ 182011 h 825932"/>
+              <a:gd name="connsiteX32" fmla="*/ 3015722 w 3472060"/>
+              <a:gd name="connsiteY32" fmla="*/ 147286 h 825932"/>
+              <a:gd name="connsiteX33" fmla="*/ 3130018 w 3472060"/>
+              <a:gd name="connsiteY33" fmla="*/ 112649 h 825932"/>
+              <a:gd name="connsiteX34" fmla="*/ 3243551 w 3472060"/>
+              <a:gd name="connsiteY34" fmla="*/ 75688 h 825932"/>
+              <a:gd name="connsiteX35" fmla="*/ 3356992 w 3472060"/>
+              <a:gd name="connsiteY35" fmla="*/ 38197 h 825932"/>
+              <a:gd name="connsiteX36" fmla="*/ 3470310 w 3472060"/>
+              <a:gd name="connsiteY36" fmla="*/ 0 h 825932"/>
+            </a:gdLst>
+            <a:ahLst/>
+            <a:cxnLst>
+              <a:cxn ang="0">
+                <a:pos x="connsiteX0" y="connsiteY0"/>
+              </a:cxn>
+              <a:cxn ang="0">
+                <a:pos x="connsiteX1" y="connsiteY1"/>
+              </a:cxn>
+              <a:cxn ang="0">
+                <a:pos x="connsiteX2" y="connsiteY2"/>
+              </a:cxn>
+              <a:cxn ang="0">
+                <a:pos x="connsiteX3" y="connsiteY3"/>
+              </a:cxn>
+              <a:cxn ang="0">
+                <a:pos x="connsiteX4" y="connsiteY4"/>
+              </a:cxn>
+              <a:cxn ang="0">
+                <a:pos x="connsiteX5" y="connsiteY5"/>
+              </a:cxn>
+              <a:cxn ang="0">
+                <a:pos x="connsiteX6" y="connsiteY6"/>
+              </a:cxn>
+              <a:cxn ang="0">
+                <a:pos x="connsiteX7" y="connsiteY7"/>
+              </a:cxn>
+              <a:cxn ang="0">
+                <a:pos x="connsiteX8" y="connsiteY8"/>
+              </a:cxn>
+              <a:cxn ang="0">
+                <a:pos x="connsiteX9" y="connsiteY9"/>
+              </a:cxn>
+              <a:cxn ang="0">
+                <a:pos x="connsiteX10" y="connsiteY10"/>
+              </a:cxn>
+              <a:cxn ang="0">
+                <a:pos x="connsiteX11" y="connsiteY11"/>
+              </a:cxn>
+              <a:cxn ang="0">
+                <a:pos x="connsiteX12" y="connsiteY12"/>
+              </a:cxn>
+              <a:cxn ang="0">
+                <a:pos x="connsiteX13" y="connsiteY13"/>
+              </a:cxn>
+              <a:cxn ang="0">
+                <a:pos x="connsiteX14" y="connsiteY14"/>
+              </a:cxn>
+              <a:cxn ang="0">
+                <a:pos x="connsiteX15" y="connsiteY15"/>
+              </a:cxn>
+              <a:cxn ang="0">
+                <a:pos x="connsiteX16" y="connsiteY16"/>
+              </a:cxn>
+              <a:cxn ang="0">
+                <a:pos x="connsiteX17" y="connsiteY17"/>
+              </a:cxn>
+              <a:cxn ang="0">
+                <a:pos x="connsiteX18" y="connsiteY18"/>
+              </a:cxn>
+              <a:cxn ang="0">
+                <a:pos x="connsiteX19" y="connsiteY19"/>
+              </a:cxn>
+              <a:cxn ang="0">
+                <a:pos x="connsiteX20" y="connsiteY20"/>
+              </a:cxn>
+              <a:cxn ang="0">
+                <a:pos x="connsiteX21" y="connsiteY21"/>
+              </a:cxn>
+              <a:cxn ang="0">
+                <a:pos x="connsiteX22" y="connsiteY22"/>
+              </a:cxn>
+              <a:cxn ang="0">
+                <a:pos x="connsiteX23" y="connsiteY23"/>
+              </a:cxn>
+              <a:cxn ang="0">
+                <a:pos x="connsiteX24" y="connsiteY24"/>
+              </a:cxn>
+              <a:cxn ang="0">
+                <a:pos x="connsiteX25" y="connsiteY25"/>
+              </a:cxn>
+              <a:cxn ang="0">
+                <a:pos x="connsiteX26" y="connsiteY26"/>
+              </a:cxn>
+              <a:cxn ang="0">
+                <a:pos x="connsiteX27" y="connsiteY27"/>
+              </a:cxn>
+              <a:cxn ang="0">
+                <a:pos x="connsiteX28" y="connsiteY28"/>
+              </a:cxn>
+              <a:cxn ang="0">
+                <a:pos x="connsiteX29" y="connsiteY29"/>
+              </a:cxn>
+              <a:cxn ang="0">
+                <a:pos x="connsiteX30" y="connsiteY30"/>
+              </a:cxn>
+              <a:cxn ang="0">
+                <a:pos x="connsiteX31" y="connsiteY31"/>
+              </a:cxn>
+              <a:cxn ang="0">
+                <a:pos x="connsiteX32" y="connsiteY32"/>
+              </a:cxn>
+              <a:cxn ang="0">
+                <a:pos x="connsiteX33" y="connsiteY33"/>
+              </a:cxn>
+              <a:cxn ang="0">
+                <a:pos x="connsiteX34" y="connsiteY34"/>
+              </a:cxn>
+              <a:cxn ang="0">
+                <a:pos x="connsiteX35" y="connsiteY35"/>
+              </a:cxn>
+              <a:cxn ang="0">
+                <a:pos x="connsiteX36" y="connsiteY36"/>
+              </a:cxn>
+            </a:cxnLst>
+            <a:rect l="l" t="t" r="r" b="b"/>
+            <a:pathLst>
+              <a:path w="3472060" h="825932">
+                <a:moveTo>
+                  <a:pt x="3470310" y="0"/>
+                </a:moveTo>
+                <a:lnTo>
+                  <a:pt x="3472060" y="12850"/>
+                </a:lnTo>
+                <a:lnTo>
+                  <a:pt x="3472060" y="480529"/>
+                </a:lnTo>
+                <a:lnTo>
+                  <a:pt x="3363699" y="498471"/>
+                </a:lnTo>
+                <a:cubicBezTo>
+                  <a:pt x="2435623" y="645518"/>
+                  <a:pt x="603076" y="844866"/>
+                  <a:pt x="42060" y="824486"/>
+                </a:cubicBezTo>
+                <a:cubicBezTo>
+                  <a:pt x="28151" y="802425"/>
+                  <a:pt x="13909" y="780513"/>
+                  <a:pt x="0" y="758452"/>
+                </a:cubicBezTo>
+                <a:lnTo>
+                  <a:pt x="188014" y="735602"/>
+                </a:lnTo>
+                <a:lnTo>
+                  <a:pt x="284087" y="722590"/>
+                </a:lnTo>
+                <a:lnTo>
+                  <a:pt x="382288" y="709392"/>
+                </a:lnTo>
+                <a:lnTo>
+                  <a:pt x="481858" y="695774"/>
+                </a:lnTo>
+                <a:lnTo>
+                  <a:pt x="581897" y="680711"/>
+                </a:lnTo>
+                <a:lnTo>
+                  <a:pt x="683670" y="665256"/>
+                </a:lnTo>
+                <a:lnTo>
+                  <a:pt x="787206" y="649587"/>
+                </a:lnTo>
+                <a:lnTo>
+                  <a:pt x="892019" y="632968"/>
+                </a:lnTo>
+                <a:lnTo>
+                  <a:pt x="997620" y="614667"/>
+                </a:lnTo>
+                <a:lnTo>
+                  <a:pt x="1104727" y="596741"/>
+                </a:lnTo>
+                <a:lnTo>
+                  <a:pt x="1212669" y="577397"/>
+                </a:lnTo>
+                <a:lnTo>
+                  <a:pt x="1321506" y="556988"/>
+                </a:lnTo>
+                <a:lnTo>
+                  <a:pt x="1430709" y="536607"/>
+                </a:lnTo>
+                <a:lnTo>
+                  <a:pt x="1541050" y="514481"/>
+                </a:lnTo>
+                <a:lnTo>
+                  <a:pt x="1652805" y="492202"/>
+                </a:lnTo>
+                <a:lnTo>
+                  <a:pt x="1763708" y="469161"/>
+                </a:lnTo>
+                <a:lnTo>
+                  <a:pt x="1875795" y="444641"/>
+                </a:lnTo>
+                <a:lnTo>
+                  <a:pt x="1989128" y="418995"/>
+                </a:lnTo>
+                <a:lnTo>
+                  <a:pt x="2102476" y="393438"/>
+                </a:lnTo>
+                <a:lnTo>
+                  <a:pt x="2215549" y="366291"/>
+                </a:lnTo>
+                <a:lnTo>
+                  <a:pt x="2330490" y="337455"/>
+                </a:lnTo>
+                <a:lnTo>
+                  <a:pt x="2443333" y="308983"/>
+                </a:lnTo>
+                <a:lnTo>
+                  <a:pt x="2558014" y="278646"/>
+                </a:lnTo>
+                <a:lnTo>
+                  <a:pt x="2673621" y="247421"/>
+                </a:lnTo>
+                <a:lnTo>
+                  <a:pt x="2787008" y="215853"/>
+                </a:lnTo>
+                <a:lnTo>
+                  <a:pt x="2901442" y="182011"/>
+                </a:lnTo>
+                <a:lnTo>
+                  <a:pt x="3015722" y="147286"/>
+                </a:lnTo>
+                <a:lnTo>
+                  <a:pt x="3130018" y="112649"/>
+                </a:lnTo>
+                <a:lnTo>
+                  <a:pt x="3243551" y="75688"/>
+                </a:lnTo>
+                <a:lnTo>
+                  <a:pt x="3356992" y="38197"/>
+                </a:lnTo>
+                <a:lnTo>
+                  <a:pt x="3470310" y="0"/>
+                </a:lnTo>
+                <a:close/>
+              </a:path>
+            </a:pathLst>
+          </a:custGeom>
+          <a:solidFill>
+            <a:schemeClr val="bg1">
+              <a:alpha val="20000"/>
+            </a:schemeClr>
+          </a:solidFill>
+          <a:ln>
+            <a:noFill/>
+          </a:ln>
+        </p:spPr>
+        <p:txBody>
+          <a:bodyPr rtlCol="0" anchor="ctr"/>
+          <a:lstStyle/>
+          <a:p>
+            <a:pPr algn="ctr"/>
+            <a:endParaRPr lang="en-US">
+              <a:solidFill>
+                <a:schemeClr val="tx1"/>
+              </a:solidFill>
+            </a:endParaRPr>
+          </a:p>
+        </p:txBody>
+      </p:sp>
+      <p:sp>
+        <p:nvSpPr>
+          <p:cNvPr id="2" name="Title 1">
+            <a:extLst>
+              <a:ext uri="{FF2B5EF4-FFF2-40B4-BE49-F238E27FC236}">
+                <a16:creationId xmlns:a16="http://schemas.microsoft.com/office/drawing/2014/main" id="{037B07AC-84A6-2AB9-06D3-39D2FD0E0321}"/>
+              </a:ext>
+            </a:extLst>
+          </p:cNvPr>
+          <p:cNvSpPr>
+            <a:spLocks noGrp="1"/>
+          </p:cNvSpPr>
+          <p:nvPr>
+            <p:ph type="title"/>
+          </p:nvPr>
+        </p:nvSpPr>
+        <p:spPr>
+          <a:xfrm>
+            <a:off x="648930" y="629267"/>
+            <a:ext cx="9252154" cy="1016654"/>
+          </a:xfrm>
+        </p:spPr>
+        <p:txBody>
+          <a:bodyPr>
+            <a:normAutofit/>
+          </a:bodyPr>
+          <a:lstStyle/>
+          <a:p>
+            <a:r>
+              <a:rPr lang="en-US" sz="3900" dirty="0">
+                <a:solidFill>
+                  <a:srgbClr val="EBEBEB"/>
+                </a:solidFill>
+              </a:rPr>
+              <a:t>Optimizations &amp; Monitoring</a:t>
+            </a:r>
+          </a:p>
+        </p:txBody>
+      </p:sp>
+      <p:sp useBgFill="1">
+        <p:nvSpPr>
+          <p:cNvPr id="16" name="Freeform: Shape 15">
+            <a:extLst>
+              <a:ext uri="{FF2B5EF4-FFF2-40B4-BE49-F238E27FC236}">
+                <a16:creationId xmlns:a16="http://schemas.microsoft.com/office/drawing/2014/main" id="{DAA4FEEE-0B5F-41BF-825D-60F9FB089568}"/>
+              </a:ext>
+              <a:ext uri="{C183D7F6-B498-43B3-948B-1728B52AA6E4}">
+                <adec:decorative xmlns:adec="http://schemas.microsoft.com/office/drawing/2017/decorative" val="1"/>
+              </a:ext>
+            </a:extLst>
+          </p:cNvPr>
+          <p:cNvSpPr>
+            <a:spLocks noGrp="1" noRot="1" noChangeAspect="1" noMove="1" noResize="1" noEditPoints="1" noAdjustHandles="1" noChangeArrowheads="1" noChangeShapeType="1" noTextEdit="1"/>
+          </p:cNvSpPr>
+          <p:nvPr>
+            <p:extLst>
+              <p:ext uri="{386F3935-93C4-4BCD-93E2-E3B085C9AB24}">
+                <p16:designElem xmlns:p16="http://schemas.microsoft.com/office/powerpoint/2015/main" val="1"/>
+              </p:ext>
+            </p:extLst>
+          </p:nvPr>
+        </p:nvSpPr>
+        <p:spPr bwMode="gray">
+          <a:xfrm>
+            <a:off x="1" y="1762067"/>
+            <a:ext cx="12192417" cy="5095933"/>
+          </a:xfrm>
+          <a:custGeom>
+            <a:avLst/>
+            <a:gdLst>
+              <a:gd name="connsiteX0" fmla="*/ 0 w 12192417"/>
+              <a:gd name="connsiteY0" fmla="*/ 0 h 5095933"/>
+              <a:gd name="connsiteX1" fmla="*/ 71931 w 12192417"/>
+              <a:gd name="connsiteY1" fmla="*/ 12261 h 5095933"/>
+              <a:gd name="connsiteX2" fmla="*/ 282848 w 12192417"/>
+              <a:gd name="connsiteY2" fmla="*/ 48343 h 5095933"/>
+              <a:gd name="connsiteX3" fmla="*/ 436463 w 12192417"/>
+              <a:gd name="connsiteY3" fmla="*/ 73565 h 5095933"/>
+              <a:gd name="connsiteX4" fmla="*/ 619338 w 12192417"/>
+              <a:gd name="connsiteY4" fmla="*/ 100188 h 5095933"/>
+              <a:gd name="connsiteX5" fmla="*/ 836350 w 12192417"/>
+              <a:gd name="connsiteY5" fmla="*/ 132066 h 5095933"/>
+              <a:gd name="connsiteX6" fmla="*/ 1076527 w 12192417"/>
+              <a:gd name="connsiteY6" fmla="*/ 165696 h 5095933"/>
+              <a:gd name="connsiteX7" fmla="*/ 1347183 w 12192417"/>
+              <a:gd name="connsiteY7" fmla="*/ 201077 h 5095933"/>
+              <a:gd name="connsiteX8" fmla="*/ 1642222 w 12192417"/>
+              <a:gd name="connsiteY8" fmla="*/ 238560 h 5095933"/>
+              <a:gd name="connsiteX9" fmla="*/ 1962863 w 12192417"/>
+              <a:gd name="connsiteY9" fmla="*/ 276043 h 5095933"/>
+              <a:gd name="connsiteX10" fmla="*/ 2304231 w 12192417"/>
+              <a:gd name="connsiteY10" fmla="*/ 314227 h 5095933"/>
+              <a:gd name="connsiteX11" fmla="*/ 2672420 w 12192417"/>
+              <a:gd name="connsiteY11" fmla="*/ 349608 h 5095933"/>
+              <a:gd name="connsiteX12" fmla="*/ 3057677 w 12192417"/>
+              <a:gd name="connsiteY12" fmla="*/ 383588 h 5095933"/>
+              <a:gd name="connsiteX13" fmla="*/ 3464880 w 12192417"/>
+              <a:gd name="connsiteY13" fmla="*/ 414415 h 5095933"/>
+              <a:gd name="connsiteX14" fmla="*/ 3889151 w 12192417"/>
+              <a:gd name="connsiteY14" fmla="*/ 443841 h 5095933"/>
+              <a:gd name="connsiteX15" fmla="*/ 4331709 w 12192417"/>
+              <a:gd name="connsiteY15" fmla="*/ 471515 h 5095933"/>
+              <a:gd name="connsiteX16" fmla="*/ 4558475 w 12192417"/>
+              <a:gd name="connsiteY16" fmla="*/ 481324 h 5095933"/>
+              <a:gd name="connsiteX17" fmla="*/ 4790117 w 12192417"/>
+              <a:gd name="connsiteY17" fmla="*/ 492183 h 5095933"/>
+              <a:gd name="connsiteX18" fmla="*/ 5025417 w 12192417"/>
+              <a:gd name="connsiteY18" fmla="*/ 502342 h 5095933"/>
+              <a:gd name="connsiteX19" fmla="*/ 5261936 w 12192417"/>
+              <a:gd name="connsiteY19" fmla="*/ 508998 h 5095933"/>
+              <a:gd name="connsiteX20" fmla="*/ 5503331 w 12192417"/>
+              <a:gd name="connsiteY20" fmla="*/ 514953 h 5095933"/>
+              <a:gd name="connsiteX21" fmla="*/ 5747166 w 12192417"/>
+              <a:gd name="connsiteY21" fmla="*/ 521259 h 5095933"/>
+              <a:gd name="connsiteX22" fmla="*/ 5995876 w 12192417"/>
+              <a:gd name="connsiteY22" fmla="*/ 525463 h 5095933"/>
+              <a:gd name="connsiteX23" fmla="*/ 6247025 w 12192417"/>
+              <a:gd name="connsiteY23" fmla="*/ 525463 h 5095933"/>
+              <a:gd name="connsiteX24" fmla="*/ 6500612 w 12192417"/>
+              <a:gd name="connsiteY24" fmla="*/ 527565 h 5095933"/>
+              <a:gd name="connsiteX25" fmla="*/ 6756638 w 12192417"/>
+              <a:gd name="connsiteY25" fmla="*/ 525463 h 5095933"/>
+              <a:gd name="connsiteX26" fmla="*/ 7016321 w 12192417"/>
+              <a:gd name="connsiteY26" fmla="*/ 521259 h 5095933"/>
+              <a:gd name="connsiteX27" fmla="*/ 7276004 w 12192417"/>
+              <a:gd name="connsiteY27" fmla="*/ 517406 h 5095933"/>
+              <a:gd name="connsiteX28" fmla="*/ 7539344 w 12192417"/>
+              <a:gd name="connsiteY28" fmla="*/ 508998 h 5095933"/>
+              <a:gd name="connsiteX29" fmla="*/ 7805123 w 12192417"/>
+              <a:gd name="connsiteY29" fmla="*/ 500241 h 5095933"/>
+              <a:gd name="connsiteX30" fmla="*/ 8070902 w 12192417"/>
+              <a:gd name="connsiteY30" fmla="*/ 490082 h 5095933"/>
+              <a:gd name="connsiteX31" fmla="*/ 8339120 w 12192417"/>
+              <a:gd name="connsiteY31" fmla="*/ 475719 h 5095933"/>
+              <a:gd name="connsiteX32" fmla="*/ 8609775 w 12192417"/>
+              <a:gd name="connsiteY32" fmla="*/ 458554 h 5095933"/>
+              <a:gd name="connsiteX33" fmla="*/ 8881650 w 12192417"/>
+              <a:gd name="connsiteY33" fmla="*/ 442089 h 5095933"/>
+              <a:gd name="connsiteX34" fmla="*/ 9153525 w 12192417"/>
+              <a:gd name="connsiteY34" fmla="*/ 421071 h 5095933"/>
+              <a:gd name="connsiteX35" fmla="*/ 9429057 w 12192417"/>
+              <a:gd name="connsiteY35" fmla="*/ 395849 h 5095933"/>
+              <a:gd name="connsiteX36" fmla="*/ 9700932 w 12192417"/>
+              <a:gd name="connsiteY36" fmla="*/ 370626 h 5095933"/>
+              <a:gd name="connsiteX37" fmla="*/ 9977683 w 12192417"/>
+              <a:gd name="connsiteY37" fmla="*/ 341551 h 5095933"/>
+              <a:gd name="connsiteX38" fmla="*/ 10255654 w 12192417"/>
+              <a:gd name="connsiteY38" fmla="*/ 309673 h 5095933"/>
+              <a:gd name="connsiteX39" fmla="*/ 10529967 w 12192417"/>
+              <a:gd name="connsiteY39" fmla="*/ 276043 h 5095933"/>
+              <a:gd name="connsiteX40" fmla="*/ 10807938 w 12192417"/>
+              <a:gd name="connsiteY40" fmla="*/ 236809 h 5095933"/>
+              <a:gd name="connsiteX41" fmla="*/ 11084689 w 12192417"/>
+              <a:gd name="connsiteY41" fmla="*/ 194772 h 5095933"/>
+              <a:gd name="connsiteX42" fmla="*/ 11362660 w 12192417"/>
+              <a:gd name="connsiteY42" fmla="*/ 153085 h 5095933"/>
+              <a:gd name="connsiteX43" fmla="*/ 11639411 w 12192417"/>
+              <a:gd name="connsiteY43" fmla="*/ 104392 h 5095933"/>
+              <a:gd name="connsiteX44" fmla="*/ 11914944 w 12192417"/>
+              <a:gd name="connsiteY44" fmla="*/ 54648 h 5095933"/>
+              <a:gd name="connsiteX45" fmla="*/ 12191695 w 12192417"/>
+              <a:gd name="connsiteY45" fmla="*/ 2452 h 5095933"/>
+              <a:gd name="connsiteX46" fmla="*/ 12191695 w 12192417"/>
+              <a:gd name="connsiteY46" fmla="*/ 2162231 h 5095933"/>
+              <a:gd name="connsiteX47" fmla="*/ 12192417 w 12192417"/>
+              <a:gd name="connsiteY47" fmla="*/ 2162231 h 5095933"/>
+              <a:gd name="connsiteX48" fmla="*/ 12192417 w 12192417"/>
+              <a:gd name="connsiteY48" fmla="*/ 5095933 h 5095933"/>
+              <a:gd name="connsiteX49" fmla="*/ 0 w 12192417"/>
+              <a:gd name="connsiteY49" fmla="*/ 5095933 h 5095933"/>
+              <a:gd name="connsiteX50" fmla="*/ 0 w 12192417"/>
+              <a:gd name="connsiteY50" fmla="*/ 2791958 h 5095933"/>
+              <a:gd name="connsiteX51" fmla="*/ 0 w 12192417"/>
+              <a:gd name="connsiteY51" fmla="*/ 2162231 h 5095933"/>
+            </a:gdLst>
+            <a:ahLst/>
+            <a:cxnLst>
+              <a:cxn ang="0">
+                <a:pos x="connsiteX0" y="connsiteY0"/>
+              </a:cxn>
+              <a:cxn ang="0">
+                <a:pos x="connsiteX1" y="connsiteY1"/>
+              </a:cxn>
+              <a:cxn ang="0">
+                <a:pos x="connsiteX2" y="connsiteY2"/>
+              </a:cxn>
+              <a:cxn ang="0">
+                <a:pos x="connsiteX3" y="connsiteY3"/>
+              </a:cxn>
+              <a:cxn ang="0">
+                <a:pos x="connsiteX4" y="connsiteY4"/>
+              </a:cxn>
+              <a:cxn ang="0">
+                <a:pos x="connsiteX5" y="connsiteY5"/>
+              </a:cxn>
+              <a:cxn ang="0">
+                <a:pos x="connsiteX6" y="connsiteY6"/>
+              </a:cxn>
+              <a:cxn ang="0">
+                <a:pos x="connsiteX7" y="connsiteY7"/>
+              </a:cxn>
+              <a:cxn ang="0">
+                <a:pos x="connsiteX8" y="connsiteY8"/>
+              </a:cxn>
+              <a:cxn ang="0">
+                <a:pos x="connsiteX9" y="connsiteY9"/>
+              </a:cxn>
+              <a:cxn ang="0">
+                <a:pos x="connsiteX10" y="connsiteY10"/>
+              </a:cxn>
+              <a:cxn ang="0">
+                <a:pos x="connsiteX11" y="connsiteY11"/>
+              </a:cxn>
+              <a:cxn ang="0">
+                <a:pos x="connsiteX12" y="connsiteY12"/>
+              </a:cxn>
+              <a:cxn ang="0">
+                <a:pos x="connsiteX13" y="connsiteY13"/>
+              </a:cxn>
+              <a:cxn ang="0">
+                <a:pos x="connsiteX14" y="connsiteY14"/>
+              </a:cxn>
+              <a:cxn ang="0">
+                <a:pos x="connsiteX15" y="connsiteY15"/>
+              </a:cxn>
+              <a:cxn ang="0">
+                <a:pos x="connsiteX16" y="connsiteY16"/>
+              </a:cxn>
+              <a:cxn ang="0">
+                <a:pos x="connsiteX17" y="connsiteY17"/>
+              </a:cxn>
+              <a:cxn ang="0">
+                <a:pos x="connsiteX18" y="connsiteY18"/>
+              </a:cxn>
+              <a:cxn ang="0">
+                <a:pos x="connsiteX19" y="connsiteY19"/>
+              </a:cxn>
+              <a:cxn ang="0">
+                <a:pos x="connsiteX20" y="connsiteY20"/>
+              </a:cxn>
+              <a:cxn ang="0">
+                <a:pos x="connsiteX21" y="connsiteY21"/>
+              </a:cxn>
+              <a:cxn ang="0">
+                <a:pos x="connsiteX22" y="connsiteY22"/>
+              </a:cxn>
+              <a:cxn ang="0">
+                <a:pos x="connsiteX23" y="connsiteY23"/>
+              </a:cxn>
+              <a:cxn ang="0">
+                <a:pos x="connsiteX24" y="connsiteY24"/>
+              </a:cxn>
+              <a:cxn ang="0">
+                <a:pos x="connsiteX25" y="connsiteY25"/>
+              </a:cxn>
+              <a:cxn ang="0">
+                <a:pos x="connsiteX26" y="connsiteY26"/>
+              </a:cxn>
+              <a:cxn ang="0">
+                <a:pos x="connsiteX27" y="connsiteY27"/>
+              </a:cxn>
+              <a:cxn ang="0">
+                <a:pos x="connsiteX28" y="connsiteY28"/>
+              </a:cxn>
+              <a:cxn ang="0">
+                <a:pos x="connsiteX29" y="connsiteY29"/>
+              </a:cxn>
+              <a:cxn ang="0">
+                <a:pos x="connsiteX30" y="connsiteY30"/>
+              </a:cxn>
+              <a:cxn ang="0">
+                <a:pos x="connsiteX31" y="connsiteY31"/>
+              </a:cxn>
+              <a:cxn ang="0">
+                <a:pos x="connsiteX32" y="connsiteY32"/>
+              </a:cxn>
+              <a:cxn ang="0">
+                <a:pos x="connsiteX33" y="connsiteY33"/>
+              </a:cxn>
+              <a:cxn ang="0">
+                <a:pos x="connsiteX34" y="connsiteY34"/>
+              </a:cxn>
+              <a:cxn ang="0">
+                <a:pos x="connsiteX35" y="connsiteY35"/>
+              </a:cxn>
+              <a:cxn ang="0">
+                <a:pos x="connsiteX36" y="connsiteY36"/>
+              </a:cxn>
+              <a:cxn ang="0">
+                <a:pos x="connsiteX37" y="connsiteY37"/>
+              </a:cxn>
+              <a:cxn ang="0">
+                <a:pos x="connsiteX38" y="connsiteY38"/>
+              </a:cxn>
+              <a:cxn ang="0">
+                <a:pos x="connsiteX39" y="connsiteY39"/>
+              </a:cxn>
+              <a:cxn ang="0">
+                <a:pos x="connsiteX40" y="connsiteY40"/>
+              </a:cxn>
+              <a:cxn ang="0">
+                <a:pos x="connsiteX41" y="connsiteY41"/>
+              </a:cxn>
+              <a:cxn ang="0">
+                <a:pos x="connsiteX42" y="connsiteY42"/>
+              </a:cxn>
+              <a:cxn ang="0">
+                <a:pos x="connsiteX43" y="connsiteY43"/>
+              </a:cxn>
+              <a:cxn ang="0">
+                <a:pos x="connsiteX44" y="connsiteY44"/>
+              </a:cxn>
+              <a:cxn ang="0">
+                <a:pos x="connsiteX45" y="connsiteY45"/>
+              </a:cxn>
+              <a:cxn ang="0">
+                <a:pos x="connsiteX46" y="connsiteY46"/>
+              </a:cxn>
+              <a:cxn ang="0">
+                <a:pos x="connsiteX47" y="connsiteY47"/>
+              </a:cxn>
+              <a:cxn ang="0">
+                <a:pos x="connsiteX48" y="connsiteY48"/>
+              </a:cxn>
+              <a:cxn ang="0">
+                <a:pos x="connsiteX49" y="connsiteY49"/>
+              </a:cxn>
+              <a:cxn ang="0">
+                <a:pos x="connsiteX50" y="connsiteY50"/>
+              </a:cxn>
+              <a:cxn ang="0">
+                <a:pos x="connsiteX51" y="connsiteY51"/>
+              </a:cxn>
+            </a:cxnLst>
+            <a:rect l="l" t="t" r="r" b="b"/>
+            <a:pathLst>
+              <a:path w="12192417" h="5095933">
+                <a:moveTo>
+                  <a:pt x="0" y="0"/>
+                </a:moveTo>
+                <a:lnTo>
+                  <a:pt x="71931" y="12261"/>
+                </a:lnTo>
+                <a:lnTo>
+                  <a:pt x="282848" y="48343"/>
+                </a:lnTo>
+                <a:lnTo>
+                  <a:pt x="436463" y="73565"/>
+                </a:lnTo>
+                <a:lnTo>
+                  <a:pt x="619338" y="100188"/>
+                </a:lnTo>
+                <a:lnTo>
+                  <a:pt x="836350" y="132066"/>
+                </a:lnTo>
+                <a:lnTo>
+                  <a:pt x="1076527" y="165696"/>
+                </a:lnTo>
+                <a:lnTo>
+                  <a:pt x="1347183" y="201077"/>
+                </a:lnTo>
+                <a:lnTo>
+                  <a:pt x="1642222" y="238560"/>
+                </a:lnTo>
+                <a:lnTo>
+                  <a:pt x="1962863" y="276043"/>
+                </a:lnTo>
+                <a:lnTo>
+                  <a:pt x="2304231" y="314227"/>
+                </a:lnTo>
+                <a:lnTo>
+                  <a:pt x="2672420" y="349608"/>
+                </a:lnTo>
+                <a:lnTo>
+                  <a:pt x="3057677" y="383588"/>
+                </a:lnTo>
+                <a:lnTo>
+                  <a:pt x="3464880" y="414415"/>
+                </a:lnTo>
+                <a:lnTo>
+                  <a:pt x="3889151" y="443841"/>
+                </a:lnTo>
+                <a:lnTo>
+                  <a:pt x="4331709" y="471515"/>
+                </a:lnTo>
+                <a:lnTo>
+                  <a:pt x="4558475" y="481324"/>
+                </a:lnTo>
+                <a:lnTo>
+                  <a:pt x="4790117" y="492183"/>
+                </a:lnTo>
+                <a:lnTo>
+                  <a:pt x="5025417" y="502342"/>
+                </a:lnTo>
+                <a:lnTo>
+                  <a:pt x="5261936" y="508998"/>
+                </a:lnTo>
+                <a:lnTo>
+                  <a:pt x="5503331" y="514953"/>
+                </a:lnTo>
+                <a:lnTo>
+                  <a:pt x="5747166" y="521259"/>
+                </a:lnTo>
+                <a:lnTo>
+                  <a:pt x="5995876" y="525463"/>
+                </a:lnTo>
+                <a:lnTo>
+                  <a:pt x="6247025" y="525463"/>
+                </a:lnTo>
+                <a:lnTo>
+                  <a:pt x="6500612" y="527565"/>
+                </a:lnTo>
+                <a:lnTo>
+                  <a:pt x="6756638" y="525463"/>
+                </a:lnTo>
+                <a:lnTo>
+                  <a:pt x="7016321" y="521259"/>
+                </a:lnTo>
+                <a:lnTo>
+                  <a:pt x="7276004" y="517406"/>
+                </a:lnTo>
+                <a:lnTo>
+                  <a:pt x="7539344" y="508998"/>
+                </a:lnTo>
+                <a:lnTo>
+                  <a:pt x="7805123" y="500241"/>
+                </a:lnTo>
+                <a:lnTo>
+                  <a:pt x="8070902" y="490082"/>
+                </a:lnTo>
+                <a:lnTo>
+                  <a:pt x="8339120" y="475719"/>
+                </a:lnTo>
+                <a:lnTo>
+                  <a:pt x="8609775" y="458554"/>
+                </a:lnTo>
+                <a:lnTo>
+                  <a:pt x="8881650" y="442089"/>
+                </a:lnTo>
+                <a:lnTo>
+                  <a:pt x="9153525" y="421071"/>
+                </a:lnTo>
+                <a:lnTo>
+                  <a:pt x="9429057" y="395849"/>
+                </a:lnTo>
+                <a:lnTo>
+                  <a:pt x="9700932" y="370626"/>
+                </a:lnTo>
+                <a:lnTo>
+                  <a:pt x="9977683" y="341551"/>
+                </a:lnTo>
+                <a:lnTo>
+                  <a:pt x="10255654" y="309673"/>
+                </a:lnTo>
+                <a:lnTo>
+                  <a:pt x="10529967" y="276043"/>
+                </a:lnTo>
+                <a:lnTo>
+                  <a:pt x="10807938" y="236809"/>
+                </a:lnTo>
+                <a:lnTo>
+                  <a:pt x="11084689" y="194772"/>
+                </a:lnTo>
+                <a:lnTo>
+                  <a:pt x="11362660" y="153085"/>
+                </a:lnTo>
+                <a:lnTo>
+                  <a:pt x="11639411" y="104392"/>
+                </a:lnTo>
+                <a:lnTo>
+                  <a:pt x="11914944" y="54648"/>
+                </a:lnTo>
+                <a:lnTo>
+                  <a:pt x="12191695" y="2452"/>
+                </a:lnTo>
+                <a:lnTo>
+                  <a:pt x="12191695" y="2162231"/>
+                </a:lnTo>
+                <a:lnTo>
+                  <a:pt x="12192417" y="2162231"/>
+                </a:lnTo>
+                <a:lnTo>
+                  <a:pt x="12192417" y="5095933"/>
+                </a:lnTo>
+                <a:lnTo>
+                  <a:pt x="0" y="5095933"/>
+                </a:lnTo>
+                <a:lnTo>
+                  <a:pt x="0" y="2791958"/>
+                </a:lnTo>
+                <a:lnTo>
+                  <a:pt x="0" y="2162231"/>
+                </a:lnTo>
+                <a:close/>
+              </a:path>
+            </a:pathLst>
+          </a:custGeom>
+          <a:ln>
+            <a:noFill/>
+          </a:ln>
+        </p:spPr>
+        <p:txBody>
+          <a:bodyPr/>
+          <a:lstStyle/>
+          <a:p>
+            <a:endParaRPr lang="en-US"/>
+          </a:p>
+        </p:txBody>
+      </p:sp>
+      <p:sp>
+        <p:nvSpPr>
+          <p:cNvPr id="3" name="Content Placeholder 2">
+            <a:extLst>
+              <a:ext uri="{FF2B5EF4-FFF2-40B4-BE49-F238E27FC236}">
+                <a16:creationId xmlns:a16="http://schemas.microsoft.com/office/drawing/2014/main" id="{22662B7B-3F11-E1C1-EFC5-7D41D5F86E12}"/>
+              </a:ext>
+            </a:extLst>
+          </p:cNvPr>
+          <p:cNvSpPr>
+            <a:spLocks noGrp="1"/>
+          </p:cNvSpPr>
+          <p:nvPr>
+            <p:ph idx="1"/>
+          </p:nvPr>
+        </p:nvSpPr>
+        <p:spPr>
+          <a:xfrm>
+            <a:off x="257576" y="2548281"/>
+            <a:ext cx="7108719" cy="3658689"/>
+          </a:xfrm>
+        </p:spPr>
+        <p:txBody>
+          <a:bodyPr>
+            <a:noAutofit/>
+          </a:bodyPr>
+          <a:lstStyle/>
+          <a:p>
+            <a:pPr lvl="1"/>
+            <a:r>
+              <a:rPr lang="en-US" sz="2000" dirty="0"/>
+              <a:t>JEP514: Ahead-of-Time Command-Line Ergonomics</a:t>
+            </a:r>
+          </a:p>
+          <a:p>
+            <a:pPr lvl="1"/>
+            <a:r>
+              <a:rPr lang="en-US" sz="2000" dirty="0"/>
+              <a:t>JEP515: Ahead-of-Time Method Profiling</a:t>
+            </a:r>
+          </a:p>
+          <a:p>
+            <a:pPr lvl="1"/>
+            <a:r>
+              <a:rPr lang="en-US" sz="2000" dirty="0"/>
+              <a:t>JEP519: Compact Object Headers</a:t>
+            </a:r>
+          </a:p>
+          <a:p>
+            <a:pPr lvl="1"/>
+            <a:r>
+              <a:rPr lang="en-US" sz="2000" dirty="0"/>
+              <a:t>JEP521: Generational Shenandoah</a:t>
+            </a:r>
+          </a:p>
+          <a:p>
+            <a:pPr lvl="1"/>
+            <a:endParaRPr lang="en-US" sz="2000" dirty="0"/>
+          </a:p>
+          <a:p>
+            <a:pPr lvl="1"/>
+            <a:r>
+              <a:rPr lang="en-US" sz="2000" dirty="0"/>
+              <a:t>JEP518: JFR Cooperative Sampling</a:t>
+            </a:r>
+          </a:p>
+          <a:p>
+            <a:pPr lvl="1"/>
+            <a:r>
+              <a:rPr lang="en-US" sz="2000" dirty="0"/>
+              <a:t>JEP520: JFR Method Timing &amp; Tracing</a:t>
+            </a:r>
+          </a:p>
+          <a:p>
+            <a:pPr lvl="1"/>
+            <a:r>
+              <a:rPr lang="en-US" sz="2000" dirty="0"/>
+              <a:t>JEP509: JFR CPU-Time Profiling (Experimental)</a:t>
+            </a:r>
+          </a:p>
+          <a:p>
+            <a:pPr marL="457200" lvl="1" indent="0">
+              <a:buNone/>
+            </a:pPr>
+            <a:endParaRPr lang="en-US" sz="2000" dirty="0"/>
+          </a:p>
+          <a:p>
+            <a:pPr lvl="1"/>
+            <a:endParaRPr lang="en-US" sz="2000" dirty="0"/>
+          </a:p>
+        </p:txBody>
+      </p:sp>
+      <p:pic>
+        <p:nvPicPr>
+          <p:cNvPr id="5" name="Picture 4" descr="A graph with blue lines and dots&#10;&#10;AI-generated content may be incorrect.">
+            <a:extLst>
+              <a:ext uri="{FF2B5EF4-FFF2-40B4-BE49-F238E27FC236}">
+                <a16:creationId xmlns:a16="http://schemas.microsoft.com/office/drawing/2014/main" id="{BFE00188-1B83-DFF8-0D29-5E607E7348D9}"/>
+              </a:ext>
+            </a:extLst>
+          </p:cNvPr>
+          <p:cNvPicPr>
+            <a:picLocks noChangeAspect="1"/>
+          </p:cNvPicPr>
+          <p:nvPr/>
+        </p:nvPicPr>
+        <p:blipFill>
+          <a:blip r:embed="rId2"/>
+          <a:stretch>
+            <a:fillRect/>
+          </a:stretch>
+        </p:blipFill>
+        <p:spPr>
+          <a:xfrm>
+            <a:off x="7173533" y="2905067"/>
+            <a:ext cx="4127920" cy="3042603"/>
+          </a:xfrm>
+          <a:prstGeom prst="rect">
+            <a:avLst/>
+          </a:prstGeom>
+          <a:effectLst/>
+        </p:spPr>
+      </p:pic>
+    </p:spTree>
+    <p:extLst>
+      <p:ext uri="{BB962C8B-B14F-4D97-AF65-F5344CB8AC3E}">
+        <p14:creationId xmlns:p14="http://schemas.microsoft.com/office/powerpoint/2010/main" val="2629171054"/>
+      </p:ext>
+    </p:extLst>
+  </p:cSld>
+  <p:clrMapOvr>
+    <a:overrideClrMapping bg1="lt1" tx1="dk1" bg2="lt2" tx2="dk2" accent1="accent1" accent2="accent2" accent3="accent3" accent4="accent4" accent5="accent5" accent6="accent6" hlink="hlink" folHlink="folHlink"/>
+  </p:clrMapOvr>
+</p:sld>
+</file>
+
+<file path=ppt/slides/slide36.xml><?xml version="1.0" encoding="utf-8"?>
+<p:sld xmlns:a="http://schemas.openxmlformats.org/drawingml/2006/main" xmlns:r="http://schemas.openxmlformats.org/officeDocument/2006/relationships" xmlns:p="http://schemas.openxmlformats.org/presentationml/2006/main">
+  <p:cSld>
+    <p:bg>
+      <p:bgPr>
+        <a:solidFill>
+          <a:schemeClr val="bg1"/>
+        </a:solidFill>
+        <a:effectLst/>
+      </p:bgPr>
+    </p:bg>
+    <p:spTree>
+      <p:nvGrpSpPr>
+        <p:cNvPr id="1" name="">
+          <a:extLst>
+            <a:ext uri="{FF2B5EF4-FFF2-40B4-BE49-F238E27FC236}">
+              <a16:creationId xmlns:a16="http://schemas.microsoft.com/office/drawing/2014/main" id="{F717A7D9-1FB2-811F-DEE3-30687E5F3F73}"/>
+            </a:ext>
+          </a:extLst>
+        </p:cNvPr>
+        <p:cNvGrpSpPr/>
+        <p:nvPr/>
+      </p:nvGrpSpPr>
+      <p:grpSpPr>
+        <a:xfrm>
+          <a:off x="0" y="0"/>
+          <a:ext cx="0" cy="0"/>
+          <a:chOff x="0" y="0"/>
+          <a:chExt cx="0" cy="0"/>
+        </a:xfrm>
+      </p:grpSpPr>
+      <p:sp>
+        <p:nvSpPr>
+          <p:cNvPr id="11" name="Rectangle 10">
+            <a:extLst>
+              <a:ext uri="{FF2B5EF4-FFF2-40B4-BE49-F238E27FC236}">
+                <a16:creationId xmlns:a16="http://schemas.microsoft.com/office/drawing/2014/main" id="{EE4E366E-272A-409E-840F-9A6A64A9E3FF}"/>
+              </a:ext>
+              <a:ext uri="{C183D7F6-B498-43B3-948B-1728B52AA6E4}">
+                <adec:decorative xmlns:adec="http://schemas.microsoft.com/office/drawing/2017/decorative" val="1"/>
+              </a:ext>
+            </a:extLst>
+          </p:cNvPr>
+          <p:cNvSpPr>
+            <a:spLocks noGrp="1" noRot="1" noChangeAspect="1" noMove="1" noResize="1" noEditPoints="1" noAdjustHandles="1" noChangeArrowheads="1" noChangeShapeType="1" noTextEdit="1"/>
+          </p:cNvSpPr>
+          <p:nvPr>
+            <p:extLst>
+              <p:ext uri="{386F3935-93C4-4BCD-93E2-E3B085C9AB24}">
+                <p16:designElem xmlns:p16="http://schemas.microsoft.com/office/powerpoint/2015/main" val="1"/>
+              </p:ext>
+            </p:extLst>
+          </p:nvPr>
+        </p:nvSpPr>
+        <p:spPr>
+          <a:xfrm>
+            <a:off x="0" y="0"/>
+            <a:ext cx="12192000" cy="6858000"/>
+          </a:xfrm>
+          <a:prstGeom prst="rect">
+            <a:avLst/>
+          </a:prstGeom>
+          <a:ln>
+            <a:noFill/>
+          </a:ln>
+        </p:spPr>
+        <p:style>
+          <a:lnRef idx="2">
+            <a:schemeClr val="accent1">
+              <a:shade val="50000"/>
+            </a:schemeClr>
+          </a:lnRef>
+          <a:fillRef idx="1003">
+            <a:schemeClr val="dk2"/>
+          </a:fillRef>
+          <a:effectRef idx="0">
+            <a:schemeClr val="accent1"/>
+          </a:effectRef>
+          <a:fontRef idx="minor">
+            <a:schemeClr val="lt1"/>
+          </a:fontRef>
+        </p:style>
+        <p:txBody>
+          <a:bodyPr rtlCol="0" anchor="ctr"/>
+          <a:lstStyle/>
+          <a:p>
+            <a:pPr algn="ctr"/>
+            <a:endParaRPr lang="en-US"/>
+          </a:p>
+        </p:txBody>
+      </p:sp>
+      <p:sp>
+        <p:nvSpPr>
+          <p:cNvPr id="13" name="Rectangle 12">
+            <a:extLst>
+              <a:ext uri="{FF2B5EF4-FFF2-40B4-BE49-F238E27FC236}">
+                <a16:creationId xmlns:a16="http://schemas.microsoft.com/office/drawing/2014/main" id="{A721560C-E4AB-4287-A29C-3F6916794CB9}"/>
+              </a:ext>
+              <a:ext uri="{C183D7F6-B498-43B3-948B-1728B52AA6E4}">
+                <adec:decorative xmlns:adec="http://schemas.microsoft.com/office/drawing/2017/decorative" val="1"/>
+              </a:ext>
+            </a:extLst>
+          </p:cNvPr>
+          <p:cNvSpPr>
+            <a:spLocks noGrp="1" noRot="1" noChangeAspect="1" noMove="1" noResize="1" noEditPoints="1" noAdjustHandles="1" noChangeArrowheads="1" noChangeShapeType="1" noTextEdit="1"/>
+          </p:cNvSpPr>
+          <p:nvPr>
+            <p:extLst>
+              <p:ext uri="{386F3935-93C4-4BCD-93E2-E3B085C9AB24}">
+                <p16:designElem xmlns:p16="http://schemas.microsoft.com/office/powerpoint/2015/main" val="1"/>
+              </p:ext>
+            </p:extLst>
+          </p:nvPr>
+        </p:nvSpPr>
+        <p:spPr>
+          <a:xfrm>
+            <a:off x="10442448" y="0"/>
+            <a:ext cx="685800" cy="1143000"/>
+          </a:xfrm>
+          <a:prstGeom prst="rect">
+            <a:avLst/>
+          </a:prstGeom>
+          <a:solidFill>
+            <a:schemeClr val="accent1"/>
+          </a:solidFill>
+          <a:ln>
+            <a:noFill/>
+          </a:ln>
+        </p:spPr>
+        <p:style>
+          <a:lnRef idx="1">
+            <a:schemeClr val="accent1"/>
+          </a:lnRef>
+          <a:fillRef idx="3">
+            <a:schemeClr val="accent1"/>
+          </a:fillRef>
+          <a:effectRef idx="2">
+            <a:schemeClr val="accent1"/>
+          </a:effectRef>
+          <a:fontRef idx="minor">
+            <a:schemeClr val="lt1"/>
+          </a:fontRef>
+        </p:style>
+        <p:txBody>
+          <a:bodyPr/>
+          <a:lstStyle/>
+          <a:p>
+            <a:endParaRPr lang="en-US"/>
+          </a:p>
+        </p:txBody>
+      </p:sp>
+      <p:sp>
+        <p:nvSpPr>
+          <p:cNvPr id="15" name="Freeform 7">
+            <a:extLst>
+              <a:ext uri="{FF2B5EF4-FFF2-40B4-BE49-F238E27FC236}">
+                <a16:creationId xmlns:a16="http://schemas.microsoft.com/office/drawing/2014/main" id="{DF6CFF07-D953-4F9C-9A0E-E0A6AACB6158}"/>
+              </a:ext>
+              <a:ext uri="{C183D7F6-B498-43B3-948B-1728B52AA6E4}">
+                <adec:decorative xmlns:adec="http://schemas.microsoft.com/office/drawing/2017/decorative" val="1"/>
+              </a:ext>
+            </a:extLst>
+          </p:cNvPr>
+          <p:cNvSpPr>
+            <a:spLocks noGrp="1" noRot="1" noChangeAspect="1" noMove="1" noResize="1" noEditPoints="1" noAdjustHandles="1" noChangeArrowheads="1" noChangeShapeType="1" noTextEdit="1"/>
+          </p:cNvSpPr>
+          <p:nvPr>
+            <p:extLst>
+              <p:ext uri="{386F3935-93C4-4BCD-93E2-E3B085C9AB24}">
+                <p16:designElem xmlns:p16="http://schemas.microsoft.com/office/powerpoint/2015/main" val="1"/>
+              </p:ext>
+            </p:extLst>
+          </p:nvPr>
+        </p:nvSpPr>
+        <p:spPr>
+          <a:xfrm>
+            <a:off x="8719939" y="1460230"/>
+            <a:ext cx="3472060" cy="825932"/>
+          </a:xfrm>
+          <a:custGeom>
+            <a:avLst/>
+            <a:gdLst>
+              <a:gd name="connsiteX0" fmla="*/ 3470310 w 3472060"/>
+              <a:gd name="connsiteY0" fmla="*/ 0 h 825932"/>
+              <a:gd name="connsiteX1" fmla="*/ 3472060 w 3472060"/>
+              <a:gd name="connsiteY1" fmla="*/ 12850 h 825932"/>
+              <a:gd name="connsiteX2" fmla="*/ 3472060 w 3472060"/>
+              <a:gd name="connsiteY2" fmla="*/ 480529 h 825932"/>
+              <a:gd name="connsiteX3" fmla="*/ 3363699 w 3472060"/>
+              <a:gd name="connsiteY3" fmla="*/ 498471 h 825932"/>
+              <a:gd name="connsiteX4" fmla="*/ 42060 w 3472060"/>
+              <a:gd name="connsiteY4" fmla="*/ 824486 h 825932"/>
+              <a:gd name="connsiteX5" fmla="*/ 0 w 3472060"/>
+              <a:gd name="connsiteY5" fmla="*/ 758452 h 825932"/>
+              <a:gd name="connsiteX6" fmla="*/ 188014 w 3472060"/>
+              <a:gd name="connsiteY6" fmla="*/ 735602 h 825932"/>
+              <a:gd name="connsiteX7" fmla="*/ 284087 w 3472060"/>
+              <a:gd name="connsiteY7" fmla="*/ 722590 h 825932"/>
+              <a:gd name="connsiteX8" fmla="*/ 382288 w 3472060"/>
+              <a:gd name="connsiteY8" fmla="*/ 709392 h 825932"/>
+              <a:gd name="connsiteX9" fmla="*/ 481858 w 3472060"/>
+              <a:gd name="connsiteY9" fmla="*/ 695774 h 825932"/>
+              <a:gd name="connsiteX10" fmla="*/ 581897 w 3472060"/>
+              <a:gd name="connsiteY10" fmla="*/ 680711 h 825932"/>
+              <a:gd name="connsiteX11" fmla="*/ 683670 w 3472060"/>
+              <a:gd name="connsiteY11" fmla="*/ 665256 h 825932"/>
+              <a:gd name="connsiteX12" fmla="*/ 787206 w 3472060"/>
+              <a:gd name="connsiteY12" fmla="*/ 649587 h 825932"/>
+              <a:gd name="connsiteX13" fmla="*/ 892019 w 3472060"/>
+              <a:gd name="connsiteY13" fmla="*/ 632968 h 825932"/>
+              <a:gd name="connsiteX14" fmla="*/ 997620 w 3472060"/>
+              <a:gd name="connsiteY14" fmla="*/ 614667 h 825932"/>
+              <a:gd name="connsiteX15" fmla="*/ 1104727 w 3472060"/>
+              <a:gd name="connsiteY15" fmla="*/ 596741 h 825932"/>
+              <a:gd name="connsiteX16" fmla="*/ 1212669 w 3472060"/>
+              <a:gd name="connsiteY16" fmla="*/ 577397 h 825932"/>
+              <a:gd name="connsiteX17" fmla="*/ 1321506 w 3472060"/>
+              <a:gd name="connsiteY17" fmla="*/ 556988 h 825932"/>
+              <a:gd name="connsiteX18" fmla="*/ 1430709 w 3472060"/>
+              <a:gd name="connsiteY18" fmla="*/ 536607 h 825932"/>
+              <a:gd name="connsiteX19" fmla="*/ 1541050 w 3472060"/>
+              <a:gd name="connsiteY19" fmla="*/ 514481 h 825932"/>
+              <a:gd name="connsiteX20" fmla="*/ 1652805 w 3472060"/>
+              <a:gd name="connsiteY20" fmla="*/ 492202 h 825932"/>
+              <a:gd name="connsiteX21" fmla="*/ 1763708 w 3472060"/>
+              <a:gd name="connsiteY21" fmla="*/ 469161 h 825932"/>
+              <a:gd name="connsiteX22" fmla="*/ 1875795 w 3472060"/>
+              <a:gd name="connsiteY22" fmla="*/ 444641 h 825932"/>
+              <a:gd name="connsiteX23" fmla="*/ 1989128 w 3472060"/>
+              <a:gd name="connsiteY23" fmla="*/ 418995 h 825932"/>
+              <a:gd name="connsiteX24" fmla="*/ 2102476 w 3472060"/>
+              <a:gd name="connsiteY24" fmla="*/ 393438 h 825932"/>
+              <a:gd name="connsiteX25" fmla="*/ 2215549 w 3472060"/>
+              <a:gd name="connsiteY25" fmla="*/ 366291 h 825932"/>
+              <a:gd name="connsiteX26" fmla="*/ 2330490 w 3472060"/>
+              <a:gd name="connsiteY26" fmla="*/ 337455 h 825932"/>
+              <a:gd name="connsiteX27" fmla="*/ 2443333 w 3472060"/>
+              <a:gd name="connsiteY27" fmla="*/ 308983 h 825932"/>
+              <a:gd name="connsiteX28" fmla="*/ 2558014 w 3472060"/>
+              <a:gd name="connsiteY28" fmla="*/ 278646 h 825932"/>
+              <a:gd name="connsiteX29" fmla="*/ 2673621 w 3472060"/>
+              <a:gd name="connsiteY29" fmla="*/ 247421 h 825932"/>
+              <a:gd name="connsiteX30" fmla="*/ 2787008 w 3472060"/>
+              <a:gd name="connsiteY30" fmla="*/ 215853 h 825932"/>
+              <a:gd name="connsiteX31" fmla="*/ 2901442 w 3472060"/>
+              <a:gd name="connsiteY31" fmla="*/ 182011 h 825932"/>
+              <a:gd name="connsiteX32" fmla="*/ 3015722 w 3472060"/>
+              <a:gd name="connsiteY32" fmla="*/ 147286 h 825932"/>
+              <a:gd name="connsiteX33" fmla="*/ 3130018 w 3472060"/>
+              <a:gd name="connsiteY33" fmla="*/ 112649 h 825932"/>
+              <a:gd name="connsiteX34" fmla="*/ 3243551 w 3472060"/>
+              <a:gd name="connsiteY34" fmla="*/ 75688 h 825932"/>
+              <a:gd name="connsiteX35" fmla="*/ 3356992 w 3472060"/>
+              <a:gd name="connsiteY35" fmla="*/ 38197 h 825932"/>
+              <a:gd name="connsiteX36" fmla="*/ 3470310 w 3472060"/>
+              <a:gd name="connsiteY36" fmla="*/ 0 h 825932"/>
+            </a:gdLst>
+            <a:ahLst/>
+            <a:cxnLst>
+              <a:cxn ang="0">
+                <a:pos x="connsiteX0" y="connsiteY0"/>
+              </a:cxn>
+              <a:cxn ang="0">
+                <a:pos x="connsiteX1" y="connsiteY1"/>
+              </a:cxn>
+              <a:cxn ang="0">
+                <a:pos x="connsiteX2" y="connsiteY2"/>
+              </a:cxn>
+              <a:cxn ang="0">
+                <a:pos x="connsiteX3" y="connsiteY3"/>
+              </a:cxn>
+              <a:cxn ang="0">
+                <a:pos x="connsiteX4" y="connsiteY4"/>
+              </a:cxn>
+              <a:cxn ang="0">
+                <a:pos x="connsiteX5" y="connsiteY5"/>
+              </a:cxn>
+              <a:cxn ang="0">
+                <a:pos x="connsiteX6" y="connsiteY6"/>
+              </a:cxn>
+              <a:cxn ang="0">
+                <a:pos x="connsiteX7" y="connsiteY7"/>
+              </a:cxn>
+              <a:cxn ang="0">
+                <a:pos x="connsiteX8" y="connsiteY8"/>
+              </a:cxn>
+              <a:cxn ang="0">
+                <a:pos x="connsiteX9" y="connsiteY9"/>
+              </a:cxn>
+              <a:cxn ang="0">
+                <a:pos x="connsiteX10" y="connsiteY10"/>
+              </a:cxn>
+              <a:cxn ang="0">
+                <a:pos x="connsiteX11" y="connsiteY11"/>
+              </a:cxn>
+              <a:cxn ang="0">
+                <a:pos x="connsiteX12" y="connsiteY12"/>
+              </a:cxn>
+              <a:cxn ang="0">
+                <a:pos x="connsiteX13" y="connsiteY13"/>
+              </a:cxn>
+              <a:cxn ang="0">
+                <a:pos x="connsiteX14" y="connsiteY14"/>
+              </a:cxn>
+              <a:cxn ang="0">
+                <a:pos x="connsiteX15" y="connsiteY15"/>
+              </a:cxn>
+              <a:cxn ang="0">
+                <a:pos x="connsiteX16" y="connsiteY16"/>
+              </a:cxn>
+              <a:cxn ang="0">
+                <a:pos x="connsiteX17" y="connsiteY17"/>
+              </a:cxn>
+              <a:cxn ang="0">
+                <a:pos x="connsiteX18" y="connsiteY18"/>
+              </a:cxn>
+              <a:cxn ang="0">
+                <a:pos x="connsiteX19" y="connsiteY19"/>
+              </a:cxn>
+              <a:cxn ang="0">
+                <a:pos x="connsiteX20" y="connsiteY20"/>
+              </a:cxn>
+              <a:cxn ang="0">
+                <a:pos x="connsiteX21" y="connsiteY21"/>
+              </a:cxn>
+              <a:cxn ang="0">
+                <a:pos x="connsiteX22" y="connsiteY22"/>
+              </a:cxn>
+              <a:cxn ang="0">
+                <a:pos x="connsiteX23" y="connsiteY23"/>
+              </a:cxn>
+              <a:cxn ang="0">
+                <a:pos x="connsiteX24" y="connsiteY24"/>
+              </a:cxn>
+              <a:cxn ang="0">
+                <a:pos x="connsiteX25" y="connsiteY25"/>
+              </a:cxn>
+              <a:cxn ang="0">
+                <a:pos x="connsiteX26" y="connsiteY26"/>
+              </a:cxn>
+              <a:cxn ang="0">
+                <a:pos x="connsiteX27" y="connsiteY27"/>
+              </a:cxn>
+              <a:cxn ang="0">
+                <a:pos x="connsiteX28" y="connsiteY28"/>
+              </a:cxn>
+              <a:cxn ang="0">
+                <a:pos x="connsiteX29" y="connsiteY29"/>
+              </a:cxn>
+              <a:cxn ang="0">
+                <a:pos x="connsiteX30" y="connsiteY30"/>
+              </a:cxn>
+              <a:cxn ang="0">
+                <a:pos x="connsiteX31" y="connsiteY31"/>
+              </a:cxn>
+              <a:cxn ang="0">
+                <a:pos x="connsiteX32" y="connsiteY32"/>
+              </a:cxn>
+              <a:cxn ang="0">
+                <a:pos x="connsiteX33" y="connsiteY33"/>
+              </a:cxn>
+              <a:cxn ang="0">
+                <a:pos x="connsiteX34" y="connsiteY34"/>
+              </a:cxn>
+              <a:cxn ang="0">
+                <a:pos x="connsiteX35" y="connsiteY35"/>
+              </a:cxn>
+              <a:cxn ang="0">
+                <a:pos x="connsiteX36" y="connsiteY36"/>
+              </a:cxn>
+            </a:cxnLst>
+            <a:rect l="l" t="t" r="r" b="b"/>
+            <a:pathLst>
+              <a:path w="3472060" h="825932">
+                <a:moveTo>
+                  <a:pt x="3470310" y="0"/>
+                </a:moveTo>
+                <a:lnTo>
+                  <a:pt x="3472060" y="12850"/>
+                </a:lnTo>
+                <a:lnTo>
+                  <a:pt x="3472060" y="480529"/>
+                </a:lnTo>
+                <a:lnTo>
+                  <a:pt x="3363699" y="498471"/>
+                </a:lnTo>
+                <a:cubicBezTo>
+                  <a:pt x="2435623" y="645518"/>
+                  <a:pt x="603076" y="844866"/>
+                  <a:pt x="42060" y="824486"/>
+                </a:cubicBezTo>
+                <a:cubicBezTo>
+                  <a:pt x="28151" y="802425"/>
+                  <a:pt x="13909" y="780513"/>
+                  <a:pt x="0" y="758452"/>
+                </a:cubicBezTo>
+                <a:lnTo>
+                  <a:pt x="188014" y="735602"/>
+                </a:lnTo>
+                <a:lnTo>
+                  <a:pt x="284087" y="722590"/>
+                </a:lnTo>
+                <a:lnTo>
+                  <a:pt x="382288" y="709392"/>
+                </a:lnTo>
+                <a:lnTo>
+                  <a:pt x="481858" y="695774"/>
+                </a:lnTo>
+                <a:lnTo>
+                  <a:pt x="581897" y="680711"/>
+                </a:lnTo>
+                <a:lnTo>
+                  <a:pt x="683670" y="665256"/>
+                </a:lnTo>
+                <a:lnTo>
+                  <a:pt x="787206" y="649587"/>
+                </a:lnTo>
+                <a:lnTo>
+                  <a:pt x="892019" y="632968"/>
+                </a:lnTo>
+                <a:lnTo>
+                  <a:pt x="997620" y="614667"/>
+                </a:lnTo>
+                <a:lnTo>
+                  <a:pt x="1104727" y="596741"/>
+                </a:lnTo>
+                <a:lnTo>
+                  <a:pt x="1212669" y="577397"/>
+                </a:lnTo>
+                <a:lnTo>
+                  <a:pt x="1321506" y="556988"/>
+                </a:lnTo>
+                <a:lnTo>
+                  <a:pt x="1430709" y="536607"/>
+                </a:lnTo>
+                <a:lnTo>
+                  <a:pt x="1541050" y="514481"/>
+                </a:lnTo>
+                <a:lnTo>
+                  <a:pt x="1652805" y="492202"/>
+                </a:lnTo>
+                <a:lnTo>
+                  <a:pt x="1763708" y="469161"/>
+                </a:lnTo>
+                <a:lnTo>
+                  <a:pt x="1875795" y="444641"/>
+                </a:lnTo>
+                <a:lnTo>
+                  <a:pt x="1989128" y="418995"/>
+                </a:lnTo>
+                <a:lnTo>
+                  <a:pt x="2102476" y="393438"/>
+                </a:lnTo>
+                <a:lnTo>
+                  <a:pt x="2215549" y="366291"/>
+                </a:lnTo>
+                <a:lnTo>
+                  <a:pt x="2330490" y="337455"/>
+                </a:lnTo>
+                <a:lnTo>
+                  <a:pt x="2443333" y="308983"/>
+                </a:lnTo>
+                <a:lnTo>
+                  <a:pt x="2558014" y="278646"/>
+                </a:lnTo>
+                <a:lnTo>
+                  <a:pt x="2673621" y="247421"/>
+                </a:lnTo>
+                <a:lnTo>
+                  <a:pt x="2787008" y="215853"/>
+                </a:lnTo>
+                <a:lnTo>
+                  <a:pt x="2901442" y="182011"/>
+                </a:lnTo>
+                <a:lnTo>
+                  <a:pt x="3015722" y="147286"/>
+                </a:lnTo>
+                <a:lnTo>
+                  <a:pt x="3130018" y="112649"/>
+                </a:lnTo>
+                <a:lnTo>
+                  <a:pt x="3243551" y="75688"/>
+                </a:lnTo>
+                <a:lnTo>
+                  <a:pt x="3356992" y="38197"/>
+                </a:lnTo>
+                <a:lnTo>
+                  <a:pt x="3470310" y="0"/>
+                </a:lnTo>
+                <a:close/>
+              </a:path>
+            </a:pathLst>
+          </a:custGeom>
+          <a:solidFill>
+            <a:schemeClr val="bg1">
+              <a:alpha val="20000"/>
+            </a:schemeClr>
+          </a:solidFill>
+          <a:ln>
+            <a:noFill/>
+          </a:ln>
+        </p:spPr>
+        <p:txBody>
+          <a:bodyPr rtlCol="0" anchor="ctr"/>
+          <a:lstStyle/>
+          <a:p>
+            <a:pPr algn="ctr"/>
+            <a:endParaRPr lang="en-US">
+              <a:solidFill>
+                <a:schemeClr val="tx1"/>
+              </a:solidFill>
+            </a:endParaRPr>
+          </a:p>
+        </p:txBody>
+      </p:sp>
+      <p:sp>
+        <p:nvSpPr>
+          <p:cNvPr id="2" name="Title 1">
+            <a:extLst>
+              <a:ext uri="{FF2B5EF4-FFF2-40B4-BE49-F238E27FC236}">
+                <a16:creationId xmlns:a16="http://schemas.microsoft.com/office/drawing/2014/main" id="{3EED3F11-6B95-581D-142C-F7B811908167}"/>
+              </a:ext>
+            </a:extLst>
+          </p:cNvPr>
+          <p:cNvSpPr>
+            <a:spLocks noGrp="1"/>
+          </p:cNvSpPr>
+          <p:nvPr>
+            <p:ph type="title"/>
+          </p:nvPr>
+        </p:nvSpPr>
+        <p:spPr>
+          <a:xfrm>
+            <a:off x="648930" y="629267"/>
+            <a:ext cx="9252154" cy="1016654"/>
+          </a:xfrm>
+        </p:spPr>
+        <p:txBody>
+          <a:bodyPr>
+            <a:normAutofit/>
+          </a:bodyPr>
+          <a:lstStyle/>
+          <a:p>
+            <a:r>
+              <a:rPr lang="en-US">
+                <a:solidFill>
+                  <a:srgbClr val="EBEBEB"/>
+                </a:solidFill>
+              </a:rPr>
+              <a:t>Cryptography and Computations</a:t>
+            </a:r>
+          </a:p>
+        </p:txBody>
+      </p:sp>
+      <p:sp useBgFill="1">
+        <p:nvSpPr>
+          <p:cNvPr id="17" name="Freeform: Shape 16">
+            <a:extLst>
+              <a:ext uri="{FF2B5EF4-FFF2-40B4-BE49-F238E27FC236}">
+                <a16:creationId xmlns:a16="http://schemas.microsoft.com/office/drawing/2014/main" id="{DAA4FEEE-0B5F-41BF-825D-60F9FB089568}"/>
+              </a:ext>
+              <a:ext uri="{C183D7F6-B498-43B3-948B-1728B52AA6E4}">
+                <adec:decorative xmlns:adec="http://schemas.microsoft.com/office/drawing/2017/decorative" val="1"/>
+              </a:ext>
+            </a:extLst>
+          </p:cNvPr>
+          <p:cNvSpPr>
+            <a:spLocks noGrp="1" noRot="1" noChangeAspect="1" noMove="1" noResize="1" noEditPoints="1" noAdjustHandles="1" noChangeArrowheads="1" noChangeShapeType="1" noTextEdit="1"/>
+          </p:cNvSpPr>
+          <p:nvPr>
+            <p:extLst>
+              <p:ext uri="{386F3935-93C4-4BCD-93E2-E3B085C9AB24}">
+                <p16:designElem xmlns:p16="http://schemas.microsoft.com/office/powerpoint/2015/main" val="1"/>
+              </p:ext>
+            </p:extLst>
+          </p:nvPr>
+        </p:nvSpPr>
+        <p:spPr bwMode="gray">
+          <a:xfrm>
+            <a:off x="1" y="1762067"/>
+            <a:ext cx="12192417" cy="5095933"/>
+          </a:xfrm>
+          <a:custGeom>
+            <a:avLst/>
+            <a:gdLst>
+              <a:gd name="connsiteX0" fmla="*/ 0 w 12192417"/>
+              <a:gd name="connsiteY0" fmla="*/ 0 h 5095933"/>
+              <a:gd name="connsiteX1" fmla="*/ 71931 w 12192417"/>
+              <a:gd name="connsiteY1" fmla="*/ 12261 h 5095933"/>
+              <a:gd name="connsiteX2" fmla="*/ 282848 w 12192417"/>
+              <a:gd name="connsiteY2" fmla="*/ 48343 h 5095933"/>
+              <a:gd name="connsiteX3" fmla="*/ 436463 w 12192417"/>
+              <a:gd name="connsiteY3" fmla="*/ 73565 h 5095933"/>
+              <a:gd name="connsiteX4" fmla="*/ 619338 w 12192417"/>
+              <a:gd name="connsiteY4" fmla="*/ 100188 h 5095933"/>
+              <a:gd name="connsiteX5" fmla="*/ 836350 w 12192417"/>
+              <a:gd name="connsiteY5" fmla="*/ 132066 h 5095933"/>
+              <a:gd name="connsiteX6" fmla="*/ 1076527 w 12192417"/>
+              <a:gd name="connsiteY6" fmla="*/ 165696 h 5095933"/>
+              <a:gd name="connsiteX7" fmla="*/ 1347183 w 12192417"/>
+              <a:gd name="connsiteY7" fmla="*/ 201077 h 5095933"/>
+              <a:gd name="connsiteX8" fmla="*/ 1642222 w 12192417"/>
+              <a:gd name="connsiteY8" fmla="*/ 238560 h 5095933"/>
+              <a:gd name="connsiteX9" fmla="*/ 1962863 w 12192417"/>
+              <a:gd name="connsiteY9" fmla="*/ 276043 h 5095933"/>
+              <a:gd name="connsiteX10" fmla="*/ 2304231 w 12192417"/>
+              <a:gd name="connsiteY10" fmla="*/ 314227 h 5095933"/>
+              <a:gd name="connsiteX11" fmla="*/ 2672420 w 12192417"/>
+              <a:gd name="connsiteY11" fmla="*/ 349608 h 5095933"/>
+              <a:gd name="connsiteX12" fmla="*/ 3057677 w 12192417"/>
+              <a:gd name="connsiteY12" fmla="*/ 383588 h 5095933"/>
+              <a:gd name="connsiteX13" fmla="*/ 3464880 w 12192417"/>
+              <a:gd name="connsiteY13" fmla="*/ 414415 h 5095933"/>
+              <a:gd name="connsiteX14" fmla="*/ 3889151 w 12192417"/>
+              <a:gd name="connsiteY14" fmla="*/ 443841 h 5095933"/>
+              <a:gd name="connsiteX15" fmla="*/ 4331709 w 12192417"/>
+              <a:gd name="connsiteY15" fmla="*/ 471515 h 5095933"/>
+              <a:gd name="connsiteX16" fmla="*/ 4558475 w 12192417"/>
+              <a:gd name="connsiteY16" fmla="*/ 481324 h 5095933"/>
+              <a:gd name="connsiteX17" fmla="*/ 4790117 w 12192417"/>
+              <a:gd name="connsiteY17" fmla="*/ 492183 h 5095933"/>
+              <a:gd name="connsiteX18" fmla="*/ 5025417 w 12192417"/>
+              <a:gd name="connsiteY18" fmla="*/ 502342 h 5095933"/>
+              <a:gd name="connsiteX19" fmla="*/ 5261936 w 12192417"/>
+              <a:gd name="connsiteY19" fmla="*/ 508998 h 5095933"/>
+              <a:gd name="connsiteX20" fmla="*/ 5503331 w 12192417"/>
+              <a:gd name="connsiteY20" fmla="*/ 514953 h 5095933"/>
+              <a:gd name="connsiteX21" fmla="*/ 5747166 w 12192417"/>
+              <a:gd name="connsiteY21" fmla="*/ 521259 h 5095933"/>
+              <a:gd name="connsiteX22" fmla="*/ 5995876 w 12192417"/>
+              <a:gd name="connsiteY22" fmla="*/ 525463 h 5095933"/>
+              <a:gd name="connsiteX23" fmla="*/ 6247025 w 12192417"/>
+              <a:gd name="connsiteY23" fmla="*/ 525463 h 5095933"/>
+              <a:gd name="connsiteX24" fmla="*/ 6500612 w 12192417"/>
+              <a:gd name="connsiteY24" fmla="*/ 527565 h 5095933"/>
+              <a:gd name="connsiteX25" fmla="*/ 6756638 w 12192417"/>
+              <a:gd name="connsiteY25" fmla="*/ 525463 h 5095933"/>
+              <a:gd name="connsiteX26" fmla="*/ 7016321 w 12192417"/>
+              <a:gd name="connsiteY26" fmla="*/ 521259 h 5095933"/>
+              <a:gd name="connsiteX27" fmla="*/ 7276004 w 12192417"/>
+              <a:gd name="connsiteY27" fmla="*/ 517406 h 5095933"/>
+              <a:gd name="connsiteX28" fmla="*/ 7539344 w 12192417"/>
+              <a:gd name="connsiteY28" fmla="*/ 508998 h 5095933"/>
+              <a:gd name="connsiteX29" fmla="*/ 7805123 w 12192417"/>
+              <a:gd name="connsiteY29" fmla="*/ 500241 h 5095933"/>
+              <a:gd name="connsiteX30" fmla="*/ 8070902 w 12192417"/>
+              <a:gd name="connsiteY30" fmla="*/ 490082 h 5095933"/>
+              <a:gd name="connsiteX31" fmla="*/ 8339120 w 12192417"/>
+              <a:gd name="connsiteY31" fmla="*/ 475719 h 5095933"/>
+              <a:gd name="connsiteX32" fmla="*/ 8609775 w 12192417"/>
+              <a:gd name="connsiteY32" fmla="*/ 458554 h 5095933"/>
+              <a:gd name="connsiteX33" fmla="*/ 8881650 w 12192417"/>
+              <a:gd name="connsiteY33" fmla="*/ 442089 h 5095933"/>
+              <a:gd name="connsiteX34" fmla="*/ 9153525 w 12192417"/>
+              <a:gd name="connsiteY34" fmla="*/ 421071 h 5095933"/>
+              <a:gd name="connsiteX35" fmla="*/ 9429057 w 12192417"/>
+              <a:gd name="connsiteY35" fmla="*/ 395849 h 5095933"/>
+              <a:gd name="connsiteX36" fmla="*/ 9700932 w 12192417"/>
+              <a:gd name="connsiteY36" fmla="*/ 370626 h 5095933"/>
+              <a:gd name="connsiteX37" fmla="*/ 9977683 w 12192417"/>
+              <a:gd name="connsiteY37" fmla="*/ 341551 h 5095933"/>
+              <a:gd name="connsiteX38" fmla="*/ 10255654 w 12192417"/>
+              <a:gd name="connsiteY38" fmla="*/ 309673 h 5095933"/>
+              <a:gd name="connsiteX39" fmla="*/ 10529967 w 12192417"/>
+              <a:gd name="connsiteY39" fmla="*/ 276043 h 5095933"/>
+              <a:gd name="connsiteX40" fmla="*/ 10807938 w 12192417"/>
+              <a:gd name="connsiteY40" fmla="*/ 236809 h 5095933"/>
+              <a:gd name="connsiteX41" fmla="*/ 11084689 w 12192417"/>
+              <a:gd name="connsiteY41" fmla="*/ 194772 h 5095933"/>
+              <a:gd name="connsiteX42" fmla="*/ 11362660 w 12192417"/>
+              <a:gd name="connsiteY42" fmla="*/ 153085 h 5095933"/>
+              <a:gd name="connsiteX43" fmla="*/ 11639411 w 12192417"/>
+              <a:gd name="connsiteY43" fmla="*/ 104392 h 5095933"/>
+              <a:gd name="connsiteX44" fmla="*/ 11914944 w 12192417"/>
+              <a:gd name="connsiteY44" fmla="*/ 54648 h 5095933"/>
+              <a:gd name="connsiteX45" fmla="*/ 12191695 w 12192417"/>
+              <a:gd name="connsiteY45" fmla="*/ 2452 h 5095933"/>
+              <a:gd name="connsiteX46" fmla="*/ 12191695 w 12192417"/>
+              <a:gd name="connsiteY46" fmla="*/ 2162231 h 5095933"/>
+              <a:gd name="connsiteX47" fmla="*/ 12192417 w 12192417"/>
+              <a:gd name="connsiteY47" fmla="*/ 2162231 h 5095933"/>
+              <a:gd name="connsiteX48" fmla="*/ 12192417 w 12192417"/>
+              <a:gd name="connsiteY48" fmla="*/ 5095933 h 5095933"/>
+              <a:gd name="connsiteX49" fmla="*/ 0 w 12192417"/>
+              <a:gd name="connsiteY49" fmla="*/ 5095933 h 5095933"/>
+              <a:gd name="connsiteX50" fmla="*/ 0 w 12192417"/>
+              <a:gd name="connsiteY50" fmla="*/ 2791958 h 5095933"/>
+              <a:gd name="connsiteX51" fmla="*/ 0 w 12192417"/>
+              <a:gd name="connsiteY51" fmla="*/ 2162231 h 5095933"/>
+            </a:gdLst>
+            <a:ahLst/>
+            <a:cxnLst>
+              <a:cxn ang="0">
+                <a:pos x="connsiteX0" y="connsiteY0"/>
+              </a:cxn>
+              <a:cxn ang="0">
+                <a:pos x="connsiteX1" y="connsiteY1"/>
+              </a:cxn>
+              <a:cxn ang="0">
+                <a:pos x="connsiteX2" y="connsiteY2"/>
+              </a:cxn>
+              <a:cxn ang="0">
+                <a:pos x="connsiteX3" y="connsiteY3"/>
+              </a:cxn>
+              <a:cxn ang="0">
+                <a:pos x="connsiteX4" y="connsiteY4"/>
+              </a:cxn>
+              <a:cxn ang="0">
+                <a:pos x="connsiteX5" y="connsiteY5"/>
+              </a:cxn>
+              <a:cxn ang="0">
+                <a:pos x="connsiteX6" y="connsiteY6"/>
+              </a:cxn>
+              <a:cxn ang="0">
+                <a:pos x="connsiteX7" y="connsiteY7"/>
+              </a:cxn>
+              <a:cxn ang="0">
+                <a:pos x="connsiteX8" y="connsiteY8"/>
+              </a:cxn>
+              <a:cxn ang="0">
+                <a:pos x="connsiteX9" y="connsiteY9"/>
+              </a:cxn>
+              <a:cxn ang="0">
+                <a:pos x="connsiteX10" y="connsiteY10"/>
+              </a:cxn>
+              <a:cxn ang="0">
+                <a:pos x="connsiteX11" y="connsiteY11"/>
+              </a:cxn>
+              <a:cxn ang="0">
+                <a:pos x="connsiteX12" y="connsiteY12"/>
+              </a:cxn>
+              <a:cxn ang="0">
+                <a:pos x="connsiteX13" y="connsiteY13"/>
+              </a:cxn>
+              <a:cxn ang="0">
+                <a:pos x="connsiteX14" y="connsiteY14"/>
+              </a:cxn>
+              <a:cxn ang="0">
+                <a:pos x="connsiteX15" y="connsiteY15"/>
+              </a:cxn>
+              <a:cxn ang="0">
+                <a:pos x="connsiteX16" y="connsiteY16"/>
+              </a:cxn>
+              <a:cxn ang="0">
+                <a:pos x="connsiteX17" y="connsiteY17"/>
+              </a:cxn>
+              <a:cxn ang="0">
+                <a:pos x="connsiteX18" y="connsiteY18"/>
+              </a:cxn>
+              <a:cxn ang="0">
+                <a:pos x="connsiteX19" y="connsiteY19"/>
+              </a:cxn>
+              <a:cxn ang="0">
+                <a:pos x="connsiteX20" y="connsiteY20"/>
+              </a:cxn>
+              <a:cxn ang="0">
+                <a:pos x="connsiteX21" y="connsiteY21"/>
+              </a:cxn>
+              <a:cxn ang="0">
+                <a:pos x="connsiteX22" y="connsiteY22"/>
+              </a:cxn>
+              <a:cxn ang="0">
+                <a:pos x="connsiteX23" y="connsiteY23"/>
+              </a:cxn>
+              <a:cxn ang="0">
+                <a:pos x="connsiteX24" y="connsiteY24"/>
+              </a:cxn>
+              <a:cxn ang="0">
+                <a:pos x="connsiteX25" y="connsiteY25"/>
+              </a:cxn>
+              <a:cxn ang="0">
+                <a:pos x="connsiteX26" y="connsiteY26"/>
+              </a:cxn>
+              <a:cxn ang="0">
+                <a:pos x="connsiteX27" y="connsiteY27"/>
+              </a:cxn>
+              <a:cxn ang="0">
+                <a:pos x="connsiteX28" y="connsiteY28"/>
+              </a:cxn>
+              <a:cxn ang="0">
+                <a:pos x="connsiteX29" y="connsiteY29"/>
+              </a:cxn>
+              <a:cxn ang="0">
+                <a:pos x="connsiteX30" y="connsiteY30"/>
+              </a:cxn>
+              <a:cxn ang="0">
+                <a:pos x="connsiteX31" y="connsiteY31"/>
+              </a:cxn>
+              <a:cxn ang="0">
+                <a:pos x="connsiteX32" y="connsiteY32"/>
+              </a:cxn>
+              <a:cxn ang="0">
+                <a:pos x="connsiteX33" y="connsiteY33"/>
+              </a:cxn>
+              <a:cxn ang="0">
+                <a:pos x="connsiteX34" y="connsiteY34"/>
+              </a:cxn>
+              <a:cxn ang="0">
+                <a:pos x="connsiteX35" y="connsiteY35"/>
+              </a:cxn>
+              <a:cxn ang="0">
+                <a:pos x="connsiteX36" y="connsiteY36"/>
+              </a:cxn>
+              <a:cxn ang="0">
+                <a:pos x="connsiteX37" y="connsiteY37"/>
+              </a:cxn>
+              <a:cxn ang="0">
+                <a:pos x="connsiteX38" y="connsiteY38"/>
+              </a:cxn>
+              <a:cxn ang="0">
+                <a:pos x="connsiteX39" y="connsiteY39"/>
+              </a:cxn>
+              <a:cxn ang="0">
+                <a:pos x="connsiteX40" y="connsiteY40"/>
+              </a:cxn>
+              <a:cxn ang="0">
+                <a:pos x="connsiteX41" y="connsiteY41"/>
+              </a:cxn>
+              <a:cxn ang="0">
+                <a:pos x="connsiteX42" y="connsiteY42"/>
+              </a:cxn>
+              <a:cxn ang="0">
+                <a:pos x="connsiteX43" y="connsiteY43"/>
+              </a:cxn>
+              <a:cxn ang="0">
+                <a:pos x="connsiteX44" y="connsiteY44"/>
+              </a:cxn>
+              <a:cxn ang="0">
+                <a:pos x="connsiteX45" y="connsiteY45"/>
+              </a:cxn>
+              <a:cxn ang="0">
+                <a:pos x="connsiteX46" y="connsiteY46"/>
+              </a:cxn>
+              <a:cxn ang="0">
+                <a:pos x="connsiteX47" y="connsiteY47"/>
+              </a:cxn>
+              <a:cxn ang="0">
+                <a:pos x="connsiteX48" y="connsiteY48"/>
+              </a:cxn>
+              <a:cxn ang="0">
+                <a:pos x="connsiteX49" y="connsiteY49"/>
+              </a:cxn>
+              <a:cxn ang="0">
+                <a:pos x="connsiteX50" y="connsiteY50"/>
+              </a:cxn>
+              <a:cxn ang="0">
+                <a:pos x="connsiteX51" y="connsiteY51"/>
+              </a:cxn>
+            </a:cxnLst>
+            <a:rect l="l" t="t" r="r" b="b"/>
+            <a:pathLst>
+              <a:path w="12192417" h="5095933">
+                <a:moveTo>
+                  <a:pt x="0" y="0"/>
+                </a:moveTo>
+                <a:lnTo>
+                  <a:pt x="71931" y="12261"/>
+                </a:lnTo>
+                <a:lnTo>
+                  <a:pt x="282848" y="48343"/>
+                </a:lnTo>
+                <a:lnTo>
+                  <a:pt x="436463" y="73565"/>
+                </a:lnTo>
+                <a:lnTo>
+                  <a:pt x="619338" y="100188"/>
+                </a:lnTo>
+                <a:lnTo>
+                  <a:pt x="836350" y="132066"/>
+                </a:lnTo>
+                <a:lnTo>
+                  <a:pt x="1076527" y="165696"/>
+                </a:lnTo>
+                <a:lnTo>
+                  <a:pt x="1347183" y="201077"/>
+                </a:lnTo>
+                <a:lnTo>
+                  <a:pt x="1642222" y="238560"/>
+                </a:lnTo>
+                <a:lnTo>
+                  <a:pt x="1962863" y="276043"/>
+                </a:lnTo>
+                <a:lnTo>
+                  <a:pt x="2304231" y="314227"/>
+                </a:lnTo>
+                <a:lnTo>
+                  <a:pt x="2672420" y="349608"/>
+                </a:lnTo>
+                <a:lnTo>
+                  <a:pt x="3057677" y="383588"/>
+                </a:lnTo>
+                <a:lnTo>
+                  <a:pt x="3464880" y="414415"/>
+                </a:lnTo>
+                <a:lnTo>
+                  <a:pt x="3889151" y="443841"/>
+                </a:lnTo>
+                <a:lnTo>
+                  <a:pt x="4331709" y="471515"/>
+                </a:lnTo>
+                <a:lnTo>
+                  <a:pt x="4558475" y="481324"/>
+                </a:lnTo>
+                <a:lnTo>
+                  <a:pt x="4790117" y="492183"/>
+                </a:lnTo>
+                <a:lnTo>
+                  <a:pt x="5025417" y="502342"/>
+                </a:lnTo>
+                <a:lnTo>
+                  <a:pt x="5261936" y="508998"/>
+                </a:lnTo>
+                <a:lnTo>
+                  <a:pt x="5503331" y="514953"/>
+                </a:lnTo>
+                <a:lnTo>
+                  <a:pt x="5747166" y="521259"/>
+                </a:lnTo>
+                <a:lnTo>
+                  <a:pt x="5995876" y="525463"/>
+                </a:lnTo>
+                <a:lnTo>
+                  <a:pt x="6247025" y="525463"/>
+                </a:lnTo>
+                <a:lnTo>
+                  <a:pt x="6500612" y="527565"/>
+                </a:lnTo>
+                <a:lnTo>
+                  <a:pt x="6756638" y="525463"/>
+                </a:lnTo>
+                <a:lnTo>
+                  <a:pt x="7016321" y="521259"/>
+                </a:lnTo>
+                <a:lnTo>
+                  <a:pt x="7276004" y="517406"/>
+                </a:lnTo>
+                <a:lnTo>
+                  <a:pt x="7539344" y="508998"/>
+                </a:lnTo>
+                <a:lnTo>
+                  <a:pt x="7805123" y="500241"/>
+                </a:lnTo>
+                <a:lnTo>
+                  <a:pt x="8070902" y="490082"/>
+                </a:lnTo>
+                <a:lnTo>
+                  <a:pt x="8339120" y="475719"/>
+                </a:lnTo>
+                <a:lnTo>
+                  <a:pt x="8609775" y="458554"/>
+                </a:lnTo>
+                <a:lnTo>
+                  <a:pt x="8881650" y="442089"/>
+                </a:lnTo>
+                <a:lnTo>
+                  <a:pt x="9153525" y="421071"/>
+                </a:lnTo>
+                <a:lnTo>
+                  <a:pt x="9429057" y="395849"/>
+                </a:lnTo>
+                <a:lnTo>
+                  <a:pt x="9700932" y="370626"/>
+                </a:lnTo>
+                <a:lnTo>
+                  <a:pt x="9977683" y="341551"/>
+                </a:lnTo>
+                <a:lnTo>
+                  <a:pt x="10255654" y="309673"/>
+                </a:lnTo>
+                <a:lnTo>
+                  <a:pt x="10529967" y="276043"/>
+                </a:lnTo>
+                <a:lnTo>
+                  <a:pt x="10807938" y="236809"/>
+                </a:lnTo>
+                <a:lnTo>
+                  <a:pt x="11084689" y="194772"/>
+                </a:lnTo>
+                <a:lnTo>
+                  <a:pt x="11362660" y="153085"/>
+                </a:lnTo>
+                <a:lnTo>
+                  <a:pt x="11639411" y="104392"/>
+                </a:lnTo>
+                <a:lnTo>
+                  <a:pt x="11914944" y="54648"/>
+                </a:lnTo>
+                <a:lnTo>
+                  <a:pt x="12191695" y="2452"/>
+                </a:lnTo>
+                <a:lnTo>
+                  <a:pt x="12191695" y="2162231"/>
+                </a:lnTo>
+                <a:lnTo>
+                  <a:pt x="12192417" y="2162231"/>
+                </a:lnTo>
+                <a:lnTo>
+                  <a:pt x="12192417" y="5095933"/>
+                </a:lnTo>
+                <a:lnTo>
+                  <a:pt x="0" y="5095933"/>
+                </a:lnTo>
+                <a:lnTo>
+                  <a:pt x="0" y="2791958"/>
+                </a:lnTo>
+                <a:lnTo>
+                  <a:pt x="0" y="2162231"/>
+                </a:lnTo>
+                <a:close/>
+              </a:path>
+            </a:pathLst>
+          </a:custGeom>
+          <a:ln>
+            <a:noFill/>
+          </a:ln>
+        </p:spPr>
+        <p:txBody>
+          <a:bodyPr/>
+          <a:lstStyle/>
+          <a:p>
+            <a:endParaRPr lang="en-US"/>
+          </a:p>
+        </p:txBody>
+      </p:sp>
+      <p:sp>
+        <p:nvSpPr>
+          <p:cNvPr id="3" name="Content Placeholder 2">
+            <a:extLst>
+              <a:ext uri="{FF2B5EF4-FFF2-40B4-BE49-F238E27FC236}">
+                <a16:creationId xmlns:a16="http://schemas.microsoft.com/office/drawing/2014/main" id="{19305307-3630-68F0-E1BC-690570E93B02}"/>
+              </a:ext>
+            </a:extLst>
+          </p:cNvPr>
+          <p:cNvSpPr>
+            <a:spLocks noGrp="1"/>
+          </p:cNvSpPr>
+          <p:nvPr>
+            <p:ph idx="1"/>
+          </p:nvPr>
+        </p:nvSpPr>
+        <p:spPr>
+          <a:xfrm>
+            <a:off x="319910" y="2548281"/>
+            <a:ext cx="5451627" cy="3658689"/>
+          </a:xfrm>
+        </p:spPr>
+        <p:txBody>
+          <a:bodyPr>
+            <a:normAutofit/>
+          </a:bodyPr>
+          <a:lstStyle/>
+          <a:p>
+            <a:pPr lvl="1"/>
+            <a:r>
+              <a:rPr lang="en-US" sz="2200" dirty="0"/>
+              <a:t>JEP508: Vector API (10</a:t>
+            </a:r>
+            <a:r>
+              <a:rPr lang="en-US" sz="2200" baseline="30000" dirty="0"/>
+              <a:t>th</a:t>
+            </a:r>
+            <a:r>
+              <a:rPr lang="en-US" sz="2200" dirty="0"/>
+              <a:t> Incubator)</a:t>
+            </a:r>
+          </a:p>
+          <a:p>
+            <a:pPr lvl="1"/>
+            <a:r>
+              <a:rPr lang="en-US" sz="2200" dirty="0"/>
+              <a:t>JEP470: </a:t>
+            </a:r>
+            <a:r>
+              <a:rPr lang="en-GB" sz="2200" dirty="0"/>
+              <a:t>PEM Encodings of Cryptographic Objects (Preview)</a:t>
+            </a:r>
+            <a:endParaRPr lang="en-US" sz="2200" dirty="0"/>
+          </a:p>
+          <a:p>
+            <a:pPr lvl="1"/>
+            <a:r>
+              <a:rPr lang="en-US" sz="2200" dirty="0"/>
+              <a:t>JEP510: </a:t>
+            </a:r>
+            <a:r>
+              <a:rPr lang="en-GB" sz="2200" dirty="0"/>
+              <a:t>Key Derivation Function API</a:t>
+            </a:r>
+            <a:endParaRPr lang="en-US" sz="2200" dirty="0"/>
+          </a:p>
+          <a:p>
+            <a:pPr lvl="1"/>
+            <a:endParaRPr lang="en-US" sz="1700" dirty="0"/>
+          </a:p>
+        </p:txBody>
+      </p:sp>
+      <p:pic>
+        <p:nvPicPr>
+          <p:cNvPr id="6" name="Picture 5" descr="A black background with white lines and a grid&#10;&#10;AI-generated content may be incorrect.">
+            <a:extLst>
+              <a:ext uri="{FF2B5EF4-FFF2-40B4-BE49-F238E27FC236}">
+                <a16:creationId xmlns:a16="http://schemas.microsoft.com/office/drawing/2014/main" id="{BBE0B938-651A-266C-082F-637E6FC63960}"/>
+              </a:ext>
+            </a:extLst>
+          </p:cNvPr>
+          <p:cNvPicPr>
+            <a:picLocks noChangeAspect="1"/>
+          </p:cNvPicPr>
+          <p:nvPr/>
+        </p:nvPicPr>
+        <p:blipFill>
+          <a:blip r:embed="rId2"/>
+          <a:stretch>
+            <a:fillRect/>
+          </a:stretch>
+        </p:blipFill>
+        <p:spPr>
+          <a:xfrm>
+            <a:off x="6255955" y="2905067"/>
+            <a:ext cx="5451627" cy="2984765"/>
+          </a:xfrm>
+          <a:prstGeom prst="rect">
+            <a:avLst/>
+          </a:prstGeom>
+          <a:effectLst/>
+        </p:spPr>
+      </p:pic>
+    </p:spTree>
+    <p:extLst>
+      <p:ext uri="{BB962C8B-B14F-4D97-AF65-F5344CB8AC3E}">
+        <p14:creationId xmlns:p14="http://schemas.microsoft.com/office/powerpoint/2010/main" val="1497052325"/>
+      </p:ext>
+    </p:extLst>
+  </p:cSld>
+  <p:clrMapOvr>
+    <a:overrideClrMapping bg1="lt1" tx1="dk1" bg2="lt2" tx2="dk2" accent1="accent1" accent2="accent2" accent3="accent3" accent4="accent4" accent5="accent5" accent6="accent6" hlink="hlink" folHlink="folHlink"/>
+  </p:clrMapOvr>
+</p:sld>
+</file>
+
+<file path=ppt/slides/slide37.xml><?xml version="1.0" encoding="utf-8"?>
 <p:sld xmlns:a="http://schemas.openxmlformats.org/drawingml/2006/main" xmlns:r="http://schemas.openxmlformats.org/officeDocument/2006/relationships" xmlns:p="http://schemas.openxmlformats.org/presentationml/2006/main">
   <p:cSld>
     <p:bg>
@@ -19594,7 +23870,7 @@
       </p:grpSpPr>
       <p:pic>
         <p:nvPicPr>
-          <p:cNvPr id="9" name="Picture 8">
+          <p:cNvPr id="10" name="Picture 9">
             <a:extLst>
               <a:ext uri="{FF2B5EF4-FFF2-40B4-BE49-F238E27FC236}">
                 <a16:creationId xmlns:a16="http://schemas.microsoft.com/office/drawing/2014/main" id="{41B68C77-138E-4BF7-A276-BD0C78A4219F}"/>
@@ -19638,7 +23914,7 @@
       </p:pic>
       <p:pic>
         <p:nvPicPr>
-          <p:cNvPr id="11" name="Picture 10">
+          <p:cNvPr id="12" name="Picture 11">
             <a:extLst>
               <a:ext uri="{FF2B5EF4-FFF2-40B4-BE49-F238E27FC236}">
                 <a16:creationId xmlns:a16="http://schemas.microsoft.com/office/drawing/2014/main" id="{7C268552-D473-46ED-B1B8-422042C4DEF1}"/>
@@ -19682,7 +23958,7 @@
       </p:pic>
       <p:sp>
         <p:nvSpPr>
-          <p:cNvPr id="13" name="Oval 12">
+          <p:cNvPr id="14" name="Oval 13">
             <a:extLst>
               <a:ext uri="{FF2B5EF4-FFF2-40B4-BE49-F238E27FC236}">
                 <a16:creationId xmlns:a16="http://schemas.microsoft.com/office/drawing/2014/main" id="{4AC0CD9D-7610-4620-93B4-798CCD9AB581}"/>
@@ -19769,7 +24045,7 @@
       </p:sp>
       <p:pic>
         <p:nvPicPr>
-          <p:cNvPr id="15" name="Picture 14">
+          <p:cNvPr id="16" name="Picture 15">
             <a:extLst>
               <a:ext uri="{FF2B5EF4-FFF2-40B4-BE49-F238E27FC236}">
                 <a16:creationId xmlns:a16="http://schemas.microsoft.com/office/drawing/2014/main" id="{B9238B3E-24AA-439A-B527-6C5DF6D72145}"/>
@@ -19813,7 +24089,7 @@
       </p:pic>
       <p:pic>
         <p:nvPicPr>
-          <p:cNvPr id="17" name="Picture 16">
+          <p:cNvPr id="18" name="Picture 17">
             <a:extLst>
               <a:ext uri="{FF2B5EF4-FFF2-40B4-BE49-F238E27FC236}">
                 <a16:creationId xmlns:a16="http://schemas.microsoft.com/office/drawing/2014/main" id="{69F01145-BEA3-4CBF-AA21-10077B948CA8}"/>
@@ -19857,7 +24133,7 @@
       </p:pic>
       <p:sp>
         <p:nvSpPr>
-          <p:cNvPr id="19" name="Rectangle 18">
+          <p:cNvPr id="20" name="Rectangle 19">
             <a:extLst>
               <a:ext uri="{FF2B5EF4-FFF2-40B4-BE49-F238E27FC236}">
                 <a16:creationId xmlns:a16="http://schemas.microsoft.com/office/drawing/2014/main" id="{DE4D62F9-188E-4530-84C2-24BDEE4BEB82}"/>
@@ -19917,7 +24193,7 @@
       </p:sp>
       <p:sp>
         <p:nvSpPr>
-          <p:cNvPr id="21" name="Rectangle 20">
+          <p:cNvPr id="22" name="Rectangle 21">
             <a:extLst>
               <a:ext uri="{FF2B5EF4-FFF2-40B4-BE49-F238E27FC236}">
                 <a16:creationId xmlns:a16="http://schemas.microsoft.com/office/drawing/2014/main" id="{757B325C-3E35-45CF-9D07-3BCB281F3B9C}"/>
@@ -19980,7 +24256,7 @@
           <p:cNvPr id="2" name="Title 1">
             <a:extLst>
               <a:ext uri="{FF2B5EF4-FFF2-40B4-BE49-F238E27FC236}">
-                <a16:creationId xmlns:a16="http://schemas.microsoft.com/office/drawing/2014/main" id="{91AB0F18-62C4-09C3-27AA-6697CFD96AE9}"/>
+                <a16:creationId xmlns:a16="http://schemas.microsoft.com/office/drawing/2014/main" id="{3B84E06D-E8F2-F365-AC0C-FF278698EA6E}"/>
               </a:ext>
             </a:extLst>
           </p:cNvPr>
@@ -19994,44 +24270,32 @@
         <p:spPr>
           <a:xfrm>
             <a:off x="8191925" y="1325880"/>
-            <a:ext cx="3352375" cy="4883957"/>
+            <a:ext cx="3352375" cy="3066507"/>
           </a:xfrm>
         </p:spPr>
         <p:txBody>
           <a:bodyPr vert="horz" lIns="91440" tIns="45720" rIns="91440" bIns="45720" rtlCol="0" anchor="b">
-            <a:normAutofit fontScale="90000"/>
+            <a:normAutofit/>
           </a:bodyPr>
           <a:lstStyle/>
           <a:p>
             <a:r>
-              <a:rPr lang="en-GB" sz="7300" dirty="0">
+              <a:rPr lang="en-US" sz="5400" b="0" i="0" kern="1200">
                 <a:solidFill>
-                  <a:schemeClr val="bg1"/>
+                  <a:srgbClr val="EBEBEB"/>
                 </a:solidFill>
+                <a:latin typeface="+mj-lt"/>
+                <a:ea typeface="+mj-ea"/>
+                <a:cs typeface="+mj-cs"/>
               </a:rPr>
-              <a:t>Maven 4 - what’s new</a:t>
-            </a:r>
-            <a:br>
-              <a:rPr lang="en-US" sz="5400" dirty="0">
-                <a:solidFill>
-                  <a:schemeClr val="bg1"/>
-                </a:solidFill>
-              </a:rPr>
-            </a:br>
-            <a:endParaRPr lang="en-US" sz="5400" b="0" i="0" kern="1200" dirty="0">
-              <a:solidFill>
-                <a:schemeClr val="bg1"/>
-              </a:solidFill>
-              <a:latin typeface="+mj-lt"/>
-              <a:ea typeface="+mj-ea"/>
-              <a:cs typeface="+mj-cs"/>
-            </a:endParaRPr>
+              <a:t>Spring 7 – What’s cool</a:t>
+            </a:r>
           </a:p>
         </p:txBody>
       </p:sp>
       <p:sp>
         <p:nvSpPr>
-          <p:cNvPr id="23" name="Freeform 36">
+          <p:cNvPr id="24" name="Freeform 36">
             <a:extLst>
               <a:ext uri="{FF2B5EF4-FFF2-40B4-BE49-F238E27FC236}">
                 <a16:creationId xmlns:a16="http://schemas.microsoft.com/office/drawing/2014/main" id="{C24BEC42-AFF3-40D1-93A2-A27A42E1E23C}"/>
@@ -20383,7 +24647,7 @@
       </p:sp>
       <p:sp useBgFill="1">
         <p:nvSpPr>
-          <p:cNvPr id="25" name="Freeform: Shape 24">
+          <p:cNvPr id="26" name="Freeform: Shape 25">
             <a:extLst>
               <a:ext uri="{FF2B5EF4-FFF2-40B4-BE49-F238E27FC236}">
                 <a16:creationId xmlns:a16="http://schemas.microsoft.com/office/drawing/2014/main" id="{608F427C-1EC9-4280-9367-F2B3AA063E82}"/>
@@ -20872,7 +25136,7 @@
       </p:sp>
       <p:sp>
         <p:nvSpPr>
-          <p:cNvPr id="27" name="Rectangle 26">
+          <p:cNvPr id="28" name="Rectangle 27">
             <a:extLst>
               <a:ext uri="{FF2B5EF4-FFF2-40B4-BE49-F238E27FC236}">
                 <a16:creationId xmlns:a16="http://schemas.microsoft.com/office/drawing/2014/main" id="{F98810A7-E114-447A-A7D6-69B27CFB5650}"/>
@@ -20932,10 +25196,10 @@
       </p:sp>
       <p:pic>
         <p:nvPicPr>
-          <p:cNvPr id="4" name="Content Placeholder 3" descr="A colorful leaf with a black line&#10;&#10;AI-generated content may be incorrect.">
+          <p:cNvPr id="5" name="Content Placeholder 4" descr="A green circle with a leaf&#10;&#10;AI-generated content may be incorrect.">
             <a:extLst>
               <a:ext uri="{FF2B5EF4-FFF2-40B4-BE49-F238E27FC236}">
-                <a16:creationId xmlns:a16="http://schemas.microsoft.com/office/drawing/2014/main" id="{51318B19-EB22-F098-6A52-6FA9170CC004}"/>
+                <a16:creationId xmlns:a16="http://schemas.microsoft.com/office/drawing/2014/main" id="{2855571C-514F-ED67-12CD-DE66F6FE3A70}"/>
               </a:ext>
             </a:extLst>
           </p:cNvPr>
@@ -20948,15 +25212,14 @@
         </p:nvPicPr>
         <p:blipFill>
           <a:blip r:embed="rId6"/>
-          <a:srcRect r="-1" b="6424"/>
           <a:stretch>
             <a:fillRect/>
           </a:stretch>
         </p:blipFill>
         <p:spPr>
           <a:xfrm>
-            <a:off x="1899707" y="647698"/>
-            <a:ext cx="3758955" cy="5562139"/>
+            <a:off x="998115" y="647698"/>
+            <a:ext cx="5562139" cy="5562139"/>
           </a:xfrm>
           <a:prstGeom prst="rect">
             <a:avLst/>
@@ -20967,7 +25230,7 @@
     </p:spTree>
     <p:extLst>
       <p:ext uri="{BB962C8B-B14F-4D97-AF65-F5344CB8AC3E}">
-        <p14:creationId xmlns:p14="http://schemas.microsoft.com/office/powerpoint/2010/main" val="3728658187"/>
+        <p14:creationId xmlns:p14="http://schemas.microsoft.com/office/powerpoint/2010/main" val="2345810405"/>
       </p:ext>
     </p:extLst>
   </p:cSld>
@@ -20977,18 +25240,12 @@
 </p:sld>
 </file>
 
-<file path=ppt/slides/slide30.xml><?xml version="1.0" encoding="utf-8"?>
+<file path=ppt/slides/slide38.xml><?xml version="1.0" encoding="utf-8"?>
 <p:sld xmlns:a="http://schemas.openxmlformats.org/drawingml/2006/main" xmlns:r="http://schemas.openxmlformats.org/officeDocument/2006/relationships" xmlns:p="http://schemas.openxmlformats.org/presentationml/2006/main">
   <p:cSld>
     <p:spTree>
       <p:nvGrpSpPr>
-        <p:cNvPr id="1" name="">
-          <a:extLst>
-            <a:ext uri="{FF2B5EF4-FFF2-40B4-BE49-F238E27FC236}">
-              <a16:creationId xmlns:a16="http://schemas.microsoft.com/office/drawing/2014/main" id="{22B96E9B-6C86-0DEA-2BCC-7BC2BD3EB493}"/>
-            </a:ext>
-          </a:extLst>
-        </p:cNvPr>
+        <p:cNvPr id="1" name=""/>
         <p:cNvGrpSpPr/>
         <p:nvPr/>
       </p:nvGrpSpPr>
@@ -21005,7 +25262,95 @@
           <p:cNvPr id="2" name="Title 1">
             <a:extLst>
               <a:ext uri="{FF2B5EF4-FFF2-40B4-BE49-F238E27FC236}">
-                <a16:creationId xmlns:a16="http://schemas.microsoft.com/office/drawing/2014/main" id="{757BD810-DB78-2899-6611-F9EFB03761A1}"/>
+                <a16:creationId xmlns:a16="http://schemas.microsoft.com/office/drawing/2014/main" id="{AB6C0888-59A4-3A97-EF04-F5F640FEDB67}"/>
+              </a:ext>
+            </a:extLst>
+          </p:cNvPr>
+          <p:cNvSpPr>
+            <a:spLocks noGrp="1"/>
+          </p:cNvSpPr>
+          <p:nvPr>
+            <p:ph type="title"/>
+          </p:nvPr>
+        </p:nvSpPr>
+        <p:spPr/>
+        <p:txBody>
+          <a:bodyPr/>
+          <a:lstStyle/>
+          <a:p>
+            <a:r>
+              <a:rPr lang="en-US" dirty="0"/>
+              <a:t>Spring 7</a:t>
+            </a:r>
+          </a:p>
+        </p:txBody>
+      </p:sp>
+      <p:sp>
+        <p:nvSpPr>
+          <p:cNvPr id="3" name="Content Placeholder 2">
+            <a:extLst>
+              <a:ext uri="{FF2B5EF4-FFF2-40B4-BE49-F238E27FC236}">
+                <a16:creationId xmlns:a16="http://schemas.microsoft.com/office/drawing/2014/main" id="{A7822E91-0948-284A-5D51-F5FDC0330031}"/>
+              </a:ext>
+            </a:extLst>
+          </p:cNvPr>
+          <p:cNvSpPr>
+            <a:spLocks noGrp="1"/>
+          </p:cNvSpPr>
+          <p:nvPr>
+            <p:ph idx="1"/>
+          </p:nvPr>
+        </p:nvSpPr>
+        <p:spPr/>
+        <p:txBody>
+          <a:bodyPr>
+            <a:normAutofit/>
+          </a:bodyPr>
+          <a:lstStyle/>
+          <a:p>
+            <a:r>
+              <a:rPr lang="en-US" sz="2800" dirty="0"/>
+              <a:t>#TODO</a:t>
+            </a:r>
+          </a:p>
+        </p:txBody>
+      </p:sp>
+    </p:spTree>
+    <p:extLst>
+      <p:ext uri="{BB962C8B-B14F-4D97-AF65-F5344CB8AC3E}">
+        <p14:creationId xmlns:p14="http://schemas.microsoft.com/office/powerpoint/2010/main" val="2899600124"/>
+      </p:ext>
+    </p:extLst>
+  </p:cSld>
+  <p:clrMapOvr>
+    <a:masterClrMapping/>
+  </p:clrMapOvr>
+</p:sld>
+</file>
+
+<file path=ppt/slides/slide39.xml><?xml version="1.0" encoding="utf-8"?>
+<p:sld xmlns:a="http://schemas.openxmlformats.org/drawingml/2006/main" xmlns:r="http://schemas.openxmlformats.org/officeDocument/2006/relationships" xmlns:p="http://schemas.openxmlformats.org/presentationml/2006/main">
+  <p:cSld>
+    <p:spTree>
+      <p:nvGrpSpPr>
+        <p:cNvPr id="1" name=""/>
+        <p:cNvGrpSpPr/>
+        <p:nvPr/>
+      </p:nvGrpSpPr>
+      <p:grpSpPr>
+        <a:xfrm>
+          <a:off x="0" y="0"/>
+          <a:ext cx="0" cy="0"/>
+          <a:chOff x="0" y="0"/>
+          <a:chExt cx="0" cy="0"/>
+        </a:xfrm>
+      </p:grpSpPr>
+      <p:sp>
+        <p:nvSpPr>
+          <p:cNvPr id="2" name="Title 1">
+            <a:extLst>
+              <a:ext uri="{FF2B5EF4-FFF2-40B4-BE49-F238E27FC236}">
+                <a16:creationId xmlns:a16="http://schemas.microsoft.com/office/drawing/2014/main" id="{7E1A6C48-3D5B-B8F0-C46C-33E81B4D6BDC}"/>
               </a:ext>
             </a:extLst>
           </p:cNvPr>
@@ -21028,11 +25373,11 @@
           <a:p>
             <a:r>
               <a:rPr lang="en-US" dirty="0"/>
-              <a:t>References – </a:t>
+              <a:t>References - </a:t>
             </a:r>
             <a:r>
               <a:rPr lang="en-US" sz="4400" dirty="0"/>
-              <a:t>Spring 7</a:t>
+              <a:t>Maven 4</a:t>
             </a:r>
             <a:endParaRPr lang="en-US" dirty="0"/>
           </a:p>
@@ -21043,7 +25388,7 @@
           <p:cNvPr id="3" name="Content Placeholder 2">
             <a:extLst>
               <a:ext uri="{FF2B5EF4-FFF2-40B4-BE49-F238E27FC236}">
-                <a16:creationId xmlns:a16="http://schemas.microsoft.com/office/drawing/2014/main" id="{111A802F-97DE-CB37-5DF0-438E04C88B2E}"/>
+                <a16:creationId xmlns:a16="http://schemas.microsoft.com/office/drawing/2014/main" id="{5DD7A1DA-6E97-7686-69B6-CCCF1EBAB961}"/>
               </a:ext>
             </a:extLst>
           </p:cNvPr>
@@ -21056,19 +25401,107 @@
         </p:nvSpPr>
         <p:spPr>
           <a:xfrm>
-            <a:off x="646111" y="2052918"/>
-            <a:ext cx="11120773" cy="4195481"/>
+            <a:off x="646111" y="1468192"/>
+            <a:ext cx="11120773" cy="4780207"/>
           </a:xfrm>
         </p:spPr>
         <p:txBody>
           <a:bodyPr>
-            <a:normAutofit/>
+            <a:normAutofit fontScale="92500" lnSpcReduction="10000"/>
           </a:bodyPr>
           <a:lstStyle/>
           <a:p>
             <a:r>
-              <a:rPr lang="en-US" sz="2800" dirty="0"/>
-              <a:t>#TODO</a:t>
+              <a:rPr lang="en-US" sz="2800" dirty="0">
+                <a:hlinkClick r:id="rId2"/>
+              </a:rPr>
+              <a:t>https://maven.apache.org/whatsnewinmaven4.html</a:t>
+            </a:r>
+            <a:endParaRPr lang="en-US" sz="2800" dirty="0"/>
+          </a:p>
+          <a:p>
+            <a:r>
+              <a:rPr lang="en-US" sz="2800" dirty="0">
+                <a:hlinkClick r:id="rId3"/>
+              </a:rPr>
+              <a:t>https://maarten.mulders.it/2021/03/introduction-to-maven-toolchains</a:t>
+            </a:r>
+            <a:endParaRPr lang="en-US" sz="2800" dirty="0"/>
+          </a:p>
+          <a:p>
+            <a:r>
+              <a:rPr lang="en-GB" sz="2800" dirty="0">
+                <a:hlinkClick r:id="rId4"/>
+              </a:rPr>
+              <a:t>https://ant.apache.org</a:t>
+            </a:r>
+            <a:r>
+              <a:rPr lang="en-GB" sz="2800" dirty="0"/>
+              <a:t> </a:t>
+            </a:r>
+          </a:p>
+          <a:p>
+            <a:r>
+              <a:rPr lang="en-GB" sz="2800" dirty="0">
+                <a:hlinkClick r:id="rId5"/>
+              </a:rPr>
+              <a:t>https://gradle.org</a:t>
+            </a:r>
+            <a:r>
+              <a:rPr lang="en-GB" sz="2800" dirty="0"/>
+              <a:t> </a:t>
+            </a:r>
+          </a:p>
+          <a:p>
+            <a:r>
+              <a:rPr lang="en-GB" sz="2800" dirty="0"/>
+              <a:t> </a:t>
+            </a:r>
+            <a:r>
+              <a:rPr lang="en-GB" sz="2800" dirty="0">
+                <a:hlinkClick r:id="rId6"/>
+              </a:rPr>
+              <a:t>https://github.com/bazelbuild</a:t>
+            </a:r>
+            <a:r>
+              <a:rPr lang="en-GB" sz="2800" dirty="0"/>
+              <a:t> </a:t>
+            </a:r>
+          </a:p>
+          <a:p>
+            <a:r>
+              <a:rPr lang="en-GB" sz="2800" dirty="0">
+                <a:hlinkClick r:id="rId7"/>
+              </a:rPr>
+              <a:t>https://cstamas.org/blog/2024/09/handling-sensitive-data-in-maven</a:t>
+            </a:r>
+            <a:r>
+              <a:rPr lang="en-GB" sz="2800" dirty="0"/>
+              <a:t> </a:t>
+            </a:r>
+          </a:p>
+          <a:p>
+            <a:r>
+              <a:rPr lang="en-GB" sz="2800" dirty="0">
+                <a:hlinkClick r:id="rId8"/>
+              </a:rPr>
+              <a:t>https://github.com/apache/maven-mvnd</a:t>
+            </a:r>
+            <a:r>
+              <a:rPr lang="en-GB" sz="2800" dirty="0"/>
+              <a:t> </a:t>
+            </a:r>
+          </a:p>
+          <a:p>
+            <a:r>
+              <a:rPr lang="en-GB" sz="2800" dirty="0">
+                <a:hlinkClick r:id="rId9"/>
+              </a:rPr>
+              <a:t>https://maven.apache.org/tools/mvnsh.html</a:t>
+            </a:r>
+            <a:r>
+              <a:rPr lang="en-GB" sz="2800" dirty="0"/>
+              <a:t> </a:t>
             </a:r>
           </a:p>
           <a:p>
@@ -21079,7 +25512,7 @@
     </p:spTree>
     <p:extLst>
       <p:ext uri="{BB962C8B-B14F-4D97-AF65-F5344CB8AC3E}">
-        <p14:creationId xmlns:p14="http://schemas.microsoft.com/office/powerpoint/2010/main" val="2061547233"/>
+        <p14:creationId xmlns:p14="http://schemas.microsoft.com/office/powerpoint/2010/main" val="2302544402"/>
       </p:ext>
     </p:extLst>
   </p:cSld>
@@ -21260,6 +25693,227 @@
     <p:extLst>
       <p:ext uri="{BB962C8B-B14F-4D97-AF65-F5344CB8AC3E}">
         <p14:creationId xmlns:p14="http://schemas.microsoft.com/office/powerpoint/2010/main" val="186664838"/>
+      </p:ext>
+    </p:extLst>
+  </p:cSld>
+  <p:clrMapOvr>
+    <a:masterClrMapping/>
+  </p:clrMapOvr>
+</p:sld>
+</file>
+
+<file path=ppt/slides/slide40.xml><?xml version="1.0" encoding="utf-8"?>
+<p:sld xmlns:a="http://schemas.openxmlformats.org/drawingml/2006/main" xmlns:r="http://schemas.openxmlformats.org/officeDocument/2006/relationships" xmlns:p="http://schemas.openxmlformats.org/presentationml/2006/main">
+  <p:cSld>
+    <p:spTree>
+      <p:nvGrpSpPr>
+        <p:cNvPr id="1" name="">
+          <a:extLst>
+            <a:ext uri="{FF2B5EF4-FFF2-40B4-BE49-F238E27FC236}">
+              <a16:creationId xmlns:a16="http://schemas.microsoft.com/office/drawing/2014/main" id="{2E5524A6-C557-707D-C9B9-D21FC4BAD79B}"/>
+            </a:ext>
+          </a:extLst>
+        </p:cNvPr>
+        <p:cNvGrpSpPr/>
+        <p:nvPr/>
+      </p:nvGrpSpPr>
+      <p:grpSpPr>
+        <a:xfrm>
+          <a:off x="0" y="0"/>
+          <a:ext cx="0" cy="0"/>
+          <a:chOff x="0" y="0"/>
+          <a:chExt cx="0" cy="0"/>
+        </a:xfrm>
+      </p:grpSpPr>
+      <p:sp>
+        <p:nvSpPr>
+          <p:cNvPr id="2" name="Title 1">
+            <a:extLst>
+              <a:ext uri="{FF2B5EF4-FFF2-40B4-BE49-F238E27FC236}">
+                <a16:creationId xmlns:a16="http://schemas.microsoft.com/office/drawing/2014/main" id="{FDF71967-5633-0280-6723-25B065726D7A}"/>
+              </a:ext>
+            </a:extLst>
+          </p:cNvPr>
+          <p:cNvSpPr>
+            <a:spLocks noGrp="1"/>
+          </p:cNvSpPr>
+          <p:nvPr>
+            <p:ph type="title"/>
+          </p:nvPr>
+        </p:nvSpPr>
+        <p:spPr>
+          <a:xfrm>
+            <a:off x="646111" y="452718"/>
+            <a:ext cx="11120773" cy="1400530"/>
+          </a:xfrm>
+        </p:spPr>
+        <p:txBody>
+          <a:bodyPr/>
+          <a:lstStyle/>
+          <a:p>
+            <a:r>
+              <a:rPr lang="en-US" dirty="0"/>
+              <a:t>References – </a:t>
+            </a:r>
+            <a:r>
+              <a:rPr lang="en-US" sz="4400" dirty="0"/>
+              <a:t>Java 25</a:t>
+            </a:r>
+            <a:endParaRPr lang="en-US" dirty="0"/>
+          </a:p>
+        </p:txBody>
+      </p:sp>
+      <p:sp>
+        <p:nvSpPr>
+          <p:cNvPr id="3" name="Content Placeholder 2">
+            <a:extLst>
+              <a:ext uri="{FF2B5EF4-FFF2-40B4-BE49-F238E27FC236}">
+                <a16:creationId xmlns:a16="http://schemas.microsoft.com/office/drawing/2014/main" id="{8E920CBC-0F88-C4B8-30E6-0D49A160B965}"/>
+              </a:ext>
+            </a:extLst>
+          </p:cNvPr>
+          <p:cNvSpPr>
+            <a:spLocks noGrp="1"/>
+          </p:cNvSpPr>
+          <p:nvPr>
+            <p:ph idx="1"/>
+          </p:nvPr>
+        </p:nvSpPr>
+        <p:spPr>
+          <a:xfrm>
+            <a:off x="646111" y="2052918"/>
+            <a:ext cx="11120773" cy="4195481"/>
+          </a:xfrm>
+        </p:spPr>
+        <p:txBody>
+          <a:bodyPr>
+            <a:normAutofit/>
+          </a:bodyPr>
+          <a:lstStyle/>
+          <a:p>
+            <a:r>
+              <a:rPr lang="en-US" sz="2800" dirty="0"/>
+              <a:t>#TODO</a:t>
+            </a:r>
+          </a:p>
+        </p:txBody>
+      </p:sp>
+    </p:spTree>
+    <p:extLst>
+      <p:ext uri="{BB962C8B-B14F-4D97-AF65-F5344CB8AC3E}">
+        <p14:creationId xmlns:p14="http://schemas.microsoft.com/office/powerpoint/2010/main" val="3699027236"/>
+      </p:ext>
+    </p:extLst>
+  </p:cSld>
+  <p:clrMapOvr>
+    <a:masterClrMapping/>
+  </p:clrMapOvr>
+</p:sld>
+</file>
+
+<file path=ppt/slides/slide41.xml><?xml version="1.0" encoding="utf-8"?>
+<p:sld xmlns:a="http://schemas.openxmlformats.org/drawingml/2006/main" xmlns:r="http://schemas.openxmlformats.org/officeDocument/2006/relationships" xmlns:p="http://schemas.openxmlformats.org/presentationml/2006/main">
+  <p:cSld>
+    <p:spTree>
+      <p:nvGrpSpPr>
+        <p:cNvPr id="1" name="">
+          <a:extLst>
+            <a:ext uri="{FF2B5EF4-FFF2-40B4-BE49-F238E27FC236}">
+              <a16:creationId xmlns:a16="http://schemas.microsoft.com/office/drawing/2014/main" id="{22B96E9B-6C86-0DEA-2BCC-7BC2BD3EB493}"/>
+            </a:ext>
+          </a:extLst>
+        </p:cNvPr>
+        <p:cNvGrpSpPr/>
+        <p:nvPr/>
+      </p:nvGrpSpPr>
+      <p:grpSpPr>
+        <a:xfrm>
+          <a:off x="0" y="0"/>
+          <a:ext cx="0" cy="0"/>
+          <a:chOff x="0" y="0"/>
+          <a:chExt cx="0" cy="0"/>
+        </a:xfrm>
+      </p:grpSpPr>
+      <p:sp>
+        <p:nvSpPr>
+          <p:cNvPr id="2" name="Title 1">
+            <a:extLst>
+              <a:ext uri="{FF2B5EF4-FFF2-40B4-BE49-F238E27FC236}">
+                <a16:creationId xmlns:a16="http://schemas.microsoft.com/office/drawing/2014/main" id="{757BD810-DB78-2899-6611-F9EFB03761A1}"/>
+              </a:ext>
+            </a:extLst>
+          </p:cNvPr>
+          <p:cNvSpPr>
+            <a:spLocks noGrp="1"/>
+          </p:cNvSpPr>
+          <p:nvPr>
+            <p:ph type="title"/>
+          </p:nvPr>
+        </p:nvSpPr>
+        <p:spPr>
+          <a:xfrm>
+            <a:off x="646111" y="452718"/>
+            <a:ext cx="11120773" cy="1400530"/>
+          </a:xfrm>
+        </p:spPr>
+        <p:txBody>
+          <a:bodyPr/>
+          <a:lstStyle/>
+          <a:p>
+            <a:r>
+              <a:rPr lang="en-US" dirty="0"/>
+              <a:t>References – </a:t>
+            </a:r>
+            <a:r>
+              <a:rPr lang="en-US" sz="4400" dirty="0"/>
+              <a:t>Spring 7</a:t>
+            </a:r>
+            <a:endParaRPr lang="en-US" dirty="0"/>
+          </a:p>
+        </p:txBody>
+      </p:sp>
+      <p:sp>
+        <p:nvSpPr>
+          <p:cNvPr id="3" name="Content Placeholder 2">
+            <a:extLst>
+              <a:ext uri="{FF2B5EF4-FFF2-40B4-BE49-F238E27FC236}">
+                <a16:creationId xmlns:a16="http://schemas.microsoft.com/office/drawing/2014/main" id="{111A802F-97DE-CB37-5DF0-438E04C88B2E}"/>
+              </a:ext>
+            </a:extLst>
+          </p:cNvPr>
+          <p:cNvSpPr>
+            <a:spLocks noGrp="1"/>
+          </p:cNvSpPr>
+          <p:nvPr>
+            <p:ph idx="1"/>
+          </p:nvPr>
+        </p:nvSpPr>
+        <p:spPr>
+          <a:xfrm>
+            <a:off x="646111" y="2052918"/>
+            <a:ext cx="11120773" cy="4195481"/>
+          </a:xfrm>
+        </p:spPr>
+        <p:txBody>
+          <a:bodyPr>
+            <a:normAutofit/>
+          </a:bodyPr>
+          <a:lstStyle/>
+          <a:p>
+            <a:r>
+              <a:rPr lang="en-US" sz="2800" dirty="0"/>
+              <a:t>#TODO</a:t>
+            </a:r>
+          </a:p>
+          <a:p>
+            <a:endParaRPr lang="en-US" sz="2800" dirty="0"/>
+          </a:p>
+        </p:txBody>
+      </p:sp>
+    </p:spTree>
+    <p:extLst>
+      <p:ext uri="{BB962C8B-B14F-4D97-AF65-F5344CB8AC3E}">
+        <p14:creationId xmlns:p14="http://schemas.microsoft.com/office/powerpoint/2010/main" val="2061547233"/>
       </p:ext>
     </p:extLst>
   </p:cSld>

--- a/maven4-java25-presentation.pptx
+++ b/maven4-java25-presentation.pptx
@@ -5,7 +5,7 @@
     <p:sldMasterId id="2147483648" r:id="rId1"/>
   </p:sldMasterIdLst>
   <p:notesMasterIdLst>
-    <p:notesMasterId r:id="rId43"/>
+    <p:notesMasterId r:id="rId44"/>
   </p:notesMasterIdLst>
   <p:sldIdLst>
     <p:sldId id="256" r:id="rId2"/>
@@ -30,25 +30,26 @@
     <p:sldId id="284" r:id="rId21"/>
     <p:sldId id="285" r:id="rId22"/>
     <p:sldId id="286" r:id="rId23"/>
-    <p:sldId id="287" r:id="rId24"/>
-    <p:sldId id="288" r:id="rId25"/>
-    <p:sldId id="261" r:id="rId26"/>
-    <p:sldId id="275" r:id="rId27"/>
-    <p:sldId id="289" r:id="rId28"/>
-    <p:sldId id="294" r:id="rId29"/>
-    <p:sldId id="290" r:id="rId30"/>
-    <p:sldId id="291" r:id="rId31"/>
-    <p:sldId id="292" r:id="rId32"/>
-    <p:sldId id="293" r:id="rId33"/>
-    <p:sldId id="295" r:id="rId34"/>
-    <p:sldId id="296" r:id="rId35"/>
-    <p:sldId id="297" r:id="rId36"/>
-    <p:sldId id="298" r:id="rId37"/>
-    <p:sldId id="270" r:id="rId38"/>
-    <p:sldId id="276" r:id="rId39"/>
-    <p:sldId id="271" r:id="rId40"/>
-    <p:sldId id="273" r:id="rId41"/>
-    <p:sldId id="274" r:id="rId42"/>
+    <p:sldId id="299" r:id="rId24"/>
+    <p:sldId id="287" r:id="rId25"/>
+    <p:sldId id="288" r:id="rId26"/>
+    <p:sldId id="261" r:id="rId27"/>
+    <p:sldId id="275" r:id="rId28"/>
+    <p:sldId id="289" r:id="rId29"/>
+    <p:sldId id="294" r:id="rId30"/>
+    <p:sldId id="290" r:id="rId31"/>
+    <p:sldId id="291" r:id="rId32"/>
+    <p:sldId id="292" r:id="rId33"/>
+    <p:sldId id="293" r:id="rId34"/>
+    <p:sldId id="295" r:id="rId35"/>
+    <p:sldId id="296" r:id="rId36"/>
+    <p:sldId id="297" r:id="rId37"/>
+    <p:sldId id="298" r:id="rId38"/>
+    <p:sldId id="270" r:id="rId39"/>
+    <p:sldId id="276" r:id="rId40"/>
+    <p:sldId id="271" r:id="rId41"/>
+    <p:sldId id="273" r:id="rId42"/>
+    <p:sldId id="274" r:id="rId43"/>
   </p:sldIdLst>
   <p:sldSz cx="12192000" cy="6858000"/>
   <p:notesSz cx="6858000" cy="9144000"/>
@@ -3928,7 +3929,7 @@
           <a:p>
             <a:fld id="{0311717A-8604-9C49-9115-9B2537028286}" type="datetimeFigureOut">
               <a:rPr lang="en-US" smtClean="0"/>
-              <a:t>11/25/25</a:t>
+              <a:t>11/26/25</a:t>
             </a:fld>
             <a:endParaRPr lang="en-US"/>
           </a:p>
@@ -5127,6 +5128,193 @@
   <p:cSld>
     <p:spTree>
       <p:nvGrpSpPr>
+        <p:cNvPr id="1" name="">
+          <a:extLst>
+            <a:ext uri="{FF2B5EF4-FFF2-40B4-BE49-F238E27FC236}">
+              <a16:creationId xmlns:a16="http://schemas.microsoft.com/office/drawing/2014/main" id="{4EF8D2CA-4BCF-35B1-E117-8086F87DF333}"/>
+            </a:ext>
+          </a:extLst>
+        </p:cNvPr>
+        <p:cNvGrpSpPr/>
+        <p:nvPr/>
+      </p:nvGrpSpPr>
+      <p:grpSpPr>
+        <a:xfrm>
+          <a:off x="0" y="0"/>
+          <a:ext cx="0" cy="0"/>
+          <a:chOff x="0" y="0"/>
+          <a:chExt cx="0" cy="0"/>
+        </a:xfrm>
+      </p:grpSpPr>
+      <p:sp>
+        <p:nvSpPr>
+          <p:cNvPr id="2" name="Slide Image Placeholder 1">
+            <a:extLst>
+              <a:ext uri="{FF2B5EF4-FFF2-40B4-BE49-F238E27FC236}">
+                <a16:creationId xmlns:a16="http://schemas.microsoft.com/office/drawing/2014/main" id="{F528AF9F-7C34-3843-7F3F-BDD9722F4171}"/>
+              </a:ext>
+            </a:extLst>
+          </p:cNvPr>
+          <p:cNvSpPr>
+            <a:spLocks noGrp="1" noRot="1" noChangeAspect="1"/>
+          </p:cNvSpPr>
+          <p:nvPr>
+            <p:ph type="sldImg"/>
+          </p:nvPr>
+        </p:nvSpPr>
+        <p:spPr/>
+      </p:sp>
+      <p:sp>
+        <p:nvSpPr>
+          <p:cNvPr id="3" name="Notes Placeholder 2">
+            <a:extLst>
+              <a:ext uri="{FF2B5EF4-FFF2-40B4-BE49-F238E27FC236}">
+                <a16:creationId xmlns:a16="http://schemas.microsoft.com/office/drawing/2014/main" id="{3C96B79B-B5E7-0F58-3245-CC39DAEE8C77}"/>
+              </a:ext>
+            </a:extLst>
+          </p:cNvPr>
+          <p:cNvSpPr>
+            <a:spLocks noGrp="1"/>
+          </p:cNvSpPr>
+          <p:nvPr>
+            <p:ph type="body" idx="1"/>
+          </p:nvPr>
+        </p:nvSpPr>
+        <p:spPr/>
+        <p:txBody>
+          <a:bodyPr/>
+          <a:lstStyle/>
+          <a:p>
+            <a:pPr marL="171450" marR="0" lvl="0" indent="-171450" algn="l" defTabSz="914400" rtl="0" eaLnBrk="1" fontAlgn="auto" latinLnBrk="0" hangingPunct="1">
+              <a:lnSpc>
+                <a:spcPct val="100000"/>
+              </a:lnSpc>
+              <a:spcBef>
+                <a:spcPts val="0"/>
+              </a:spcBef>
+              <a:spcAft>
+                <a:spcPts val="0"/>
+              </a:spcAft>
+              <a:buClrTx/>
+              <a:buSzTx/>
+              <a:buFontTx/>
+              <a:buChar char="-"/>
+              <a:tabLst/>
+              <a:defRPr/>
+            </a:pPr>
+            <a:r>
+              <a:rPr lang="en-GB" b="1" dirty="0">
+                <a:cs typeface="Consolas" panose="020B0609020204030204" pitchFamily="49" charset="0"/>
+              </a:rPr>
+              <a:t>Improved dependency resolution – resolution algorithm has been tuned, leading to faster resolution and reduced overhead</a:t>
+            </a:r>
+          </a:p>
+          <a:p>
+            <a:pPr marL="171450" marR="0" lvl="0" indent="-171450" algn="l" defTabSz="914400" rtl="0" eaLnBrk="1" fontAlgn="auto" latinLnBrk="0" hangingPunct="1">
+              <a:lnSpc>
+                <a:spcPct val="100000"/>
+              </a:lnSpc>
+              <a:spcBef>
+                <a:spcPts val="0"/>
+              </a:spcBef>
+              <a:spcAft>
+                <a:spcPts val="0"/>
+              </a:spcAft>
+              <a:buClrTx/>
+              <a:buSzTx/>
+              <a:buFontTx/>
+              <a:buChar char="-"/>
+              <a:tabLst/>
+              <a:defRPr/>
+            </a:pPr>
+            <a:r>
+              <a:rPr lang="en-GB" b="1" dirty="0">
+                <a:cs typeface="Consolas" panose="020B0609020204030204" pitchFamily="49" charset="0"/>
+              </a:rPr>
+              <a:t>Reduced memory consumption – makes it more efficient especially in resource-constrained environments</a:t>
+            </a:r>
+          </a:p>
+          <a:p>
+            <a:pPr marL="171450" marR="0" lvl="0" indent="-171450" algn="l" defTabSz="914400" rtl="0" eaLnBrk="1" fontAlgn="auto" latinLnBrk="0" hangingPunct="1">
+              <a:lnSpc>
+                <a:spcPct val="100000"/>
+              </a:lnSpc>
+              <a:spcBef>
+                <a:spcPts val="0"/>
+              </a:spcBef>
+              <a:spcAft>
+                <a:spcPts val="0"/>
+              </a:spcAft>
+              <a:buClrTx/>
+              <a:buSzTx/>
+              <a:buFontTx/>
+              <a:buChar char="-"/>
+              <a:tabLst/>
+              <a:defRPr/>
+            </a:pPr>
+            <a:r>
+              <a:rPr lang="en-GB" b="1" dirty="0">
+                <a:cs typeface="Consolas" panose="020B0609020204030204" pitchFamily="49" charset="0"/>
+              </a:rPr>
+              <a:t>Incremental build improvements – smarter about detecting changes and rebuilding necessary modules, reducing build times</a:t>
+            </a:r>
+          </a:p>
+          <a:p>
+            <a:pPr marL="171450" indent="-171450">
+              <a:buFontTx/>
+              <a:buChar char="-"/>
+            </a:pPr>
+            <a:endParaRPr lang="en-US" dirty="0"/>
+          </a:p>
+        </p:txBody>
+      </p:sp>
+      <p:sp>
+        <p:nvSpPr>
+          <p:cNvPr id="4" name="Slide Number Placeholder 3">
+            <a:extLst>
+              <a:ext uri="{FF2B5EF4-FFF2-40B4-BE49-F238E27FC236}">
+                <a16:creationId xmlns:a16="http://schemas.microsoft.com/office/drawing/2014/main" id="{62BBF9A9-B378-5A51-51D9-A29B6C24E183}"/>
+              </a:ext>
+            </a:extLst>
+          </p:cNvPr>
+          <p:cNvSpPr>
+            <a:spLocks noGrp="1"/>
+          </p:cNvSpPr>
+          <p:nvPr>
+            <p:ph type="sldNum" sz="quarter" idx="5"/>
+          </p:nvPr>
+        </p:nvSpPr>
+        <p:spPr/>
+        <p:txBody>
+          <a:bodyPr/>
+          <a:lstStyle/>
+          <a:p>
+            <a:fld id="{0B1A8FFB-CB5A-5744-992F-509A4FA86679}" type="slidenum">
+              <a:rPr lang="en-US" smtClean="0"/>
+              <a:t>23</a:t>
+            </a:fld>
+            <a:endParaRPr lang="en-US"/>
+          </a:p>
+        </p:txBody>
+      </p:sp>
+    </p:spTree>
+    <p:extLst>
+      <p:ext uri="{BB962C8B-B14F-4D97-AF65-F5344CB8AC3E}">
+        <p14:creationId xmlns:p14="http://schemas.microsoft.com/office/powerpoint/2010/main" val="2415998503"/>
+      </p:ext>
+    </p:extLst>
+  </p:cSld>
+  <p:clrMapOvr>
+    <a:masterClrMapping/>
+  </p:clrMapOvr>
+</p:notes>
+</file>
+
+<file path=ppt/notesSlides/notesSlide18.xml><?xml version="1.0" encoding="utf-8"?>
+<p:notes xmlns:a="http://schemas.openxmlformats.org/drawingml/2006/main" xmlns:r="http://schemas.openxmlformats.org/officeDocument/2006/relationships" xmlns:p="http://schemas.openxmlformats.org/presentationml/2006/main">
+  <p:cSld>
+    <p:spTree>
+      <p:nvGrpSpPr>
         <p:cNvPr id="1" name=""/>
         <p:cNvGrpSpPr/>
         <p:nvPr/>
@@ -5352,7 +5540,7 @@
           <a:p>
             <a:fld id="{0B1A8FFB-CB5A-5744-992F-509A4FA86679}" type="slidenum">
               <a:rPr lang="en-US" smtClean="0"/>
-              <a:t>23</a:t>
+              <a:t>24</a:t>
             </a:fld>
             <a:endParaRPr lang="en-US"/>
           </a:p>
@@ -5371,7 +5559,7 @@
 </p:notes>
 </file>
 
-<file path=ppt/notesSlides/notesSlide18.xml><?xml version="1.0" encoding="utf-8"?>
+<file path=ppt/notesSlides/notesSlide19.xml><?xml version="1.0" encoding="utf-8"?>
 <p:notes xmlns:a="http://schemas.openxmlformats.org/drawingml/2006/main" xmlns:r="http://schemas.openxmlformats.org/officeDocument/2006/relationships" xmlns:p="http://schemas.openxmlformats.org/presentationml/2006/main">
   <p:cSld>
     <p:spTree>
@@ -5464,7 +5652,7 @@
           <a:p>
             <a:fld id="{0B1A8FFB-CB5A-5744-992F-509A4FA86679}" type="slidenum">
               <a:rPr lang="en-US" smtClean="0"/>
-              <a:t>24</a:t>
+              <a:t>25</a:t>
             </a:fld>
             <a:endParaRPr lang="en-US"/>
           </a:p>
@@ -5474,90 +5662,6 @@
     <p:extLst>
       <p:ext uri="{BB962C8B-B14F-4D97-AF65-F5344CB8AC3E}">
         <p14:creationId xmlns:p14="http://schemas.microsoft.com/office/powerpoint/2010/main" val="3184583322"/>
-      </p:ext>
-    </p:extLst>
-  </p:cSld>
-  <p:clrMapOvr>
-    <a:masterClrMapping/>
-  </p:clrMapOvr>
-</p:notes>
-</file>
-
-<file path=ppt/notesSlides/notesSlide19.xml><?xml version="1.0" encoding="utf-8"?>
-<p:notes xmlns:a="http://schemas.openxmlformats.org/drawingml/2006/main" xmlns:r="http://schemas.openxmlformats.org/officeDocument/2006/relationships" xmlns:p="http://schemas.openxmlformats.org/presentationml/2006/main">
-  <p:cSld>
-    <p:spTree>
-      <p:nvGrpSpPr>
-        <p:cNvPr id="1" name=""/>
-        <p:cNvGrpSpPr/>
-        <p:nvPr/>
-      </p:nvGrpSpPr>
-      <p:grpSpPr>
-        <a:xfrm>
-          <a:off x="0" y="0"/>
-          <a:ext cx="0" cy="0"/>
-          <a:chOff x="0" y="0"/>
-          <a:chExt cx="0" cy="0"/>
-        </a:xfrm>
-      </p:grpSpPr>
-      <p:sp>
-        <p:nvSpPr>
-          <p:cNvPr id="2" name="Slide Image Placeholder 1"/>
-          <p:cNvSpPr>
-            <a:spLocks noGrp="1" noRot="1" noChangeAspect="1"/>
-          </p:cNvSpPr>
-          <p:nvPr>
-            <p:ph type="sldImg"/>
-          </p:nvPr>
-        </p:nvSpPr>
-        <p:spPr/>
-      </p:sp>
-      <p:sp>
-        <p:nvSpPr>
-          <p:cNvPr id="3" name="Notes Placeholder 2"/>
-          <p:cNvSpPr>
-            <a:spLocks noGrp="1"/>
-          </p:cNvSpPr>
-          <p:nvPr>
-            <p:ph type="body" idx="1"/>
-          </p:nvPr>
-        </p:nvSpPr>
-        <p:spPr/>
-        <p:txBody>
-          <a:bodyPr/>
-          <a:lstStyle/>
-          <a:p>
-            <a:endParaRPr lang="en-US" dirty="0"/>
-          </a:p>
-        </p:txBody>
-      </p:sp>
-      <p:sp>
-        <p:nvSpPr>
-          <p:cNvPr id="4" name="Slide Number Placeholder 3"/>
-          <p:cNvSpPr>
-            <a:spLocks noGrp="1"/>
-          </p:cNvSpPr>
-          <p:nvPr>
-            <p:ph type="sldNum" sz="quarter" idx="5"/>
-          </p:nvPr>
-        </p:nvSpPr>
-        <p:spPr/>
-        <p:txBody>
-          <a:bodyPr/>
-          <a:lstStyle/>
-          <a:p>
-            <a:fld id="{0B1A8FFB-CB5A-5744-992F-509A4FA86679}" type="slidenum">
-              <a:rPr lang="en-US" smtClean="0"/>
-              <a:t>25</a:t>
-            </a:fld>
-            <a:endParaRPr lang="en-US"/>
-          </a:p>
-        </p:txBody>
-      </p:sp>
-    </p:spTree>
-    <p:extLst>
-      <p:ext uri="{BB962C8B-B14F-4D97-AF65-F5344CB8AC3E}">
-        <p14:creationId xmlns:p14="http://schemas.microsoft.com/office/powerpoint/2010/main" val="437442549"/>
       </p:ext>
     </p:extLst>
   </p:cSld>
@@ -5645,6 +5749,90 @@
     <p:extLst>
       <p:ext uri="{BB962C8B-B14F-4D97-AF65-F5344CB8AC3E}">
         <p14:creationId xmlns:p14="http://schemas.microsoft.com/office/powerpoint/2010/main" val="669307061"/>
+      </p:ext>
+    </p:extLst>
+  </p:cSld>
+  <p:clrMapOvr>
+    <a:masterClrMapping/>
+  </p:clrMapOvr>
+</p:notes>
+</file>
+
+<file path=ppt/notesSlides/notesSlide20.xml><?xml version="1.0" encoding="utf-8"?>
+<p:notes xmlns:a="http://schemas.openxmlformats.org/drawingml/2006/main" xmlns:r="http://schemas.openxmlformats.org/officeDocument/2006/relationships" xmlns:p="http://schemas.openxmlformats.org/presentationml/2006/main">
+  <p:cSld>
+    <p:spTree>
+      <p:nvGrpSpPr>
+        <p:cNvPr id="1" name=""/>
+        <p:cNvGrpSpPr/>
+        <p:nvPr/>
+      </p:nvGrpSpPr>
+      <p:grpSpPr>
+        <a:xfrm>
+          <a:off x="0" y="0"/>
+          <a:ext cx="0" cy="0"/>
+          <a:chOff x="0" y="0"/>
+          <a:chExt cx="0" cy="0"/>
+        </a:xfrm>
+      </p:grpSpPr>
+      <p:sp>
+        <p:nvSpPr>
+          <p:cNvPr id="2" name="Slide Image Placeholder 1"/>
+          <p:cNvSpPr>
+            <a:spLocks noGrp="1" noRot="1" noChangeAspect="1"/>
+          </p:cNvSpPr>
+          <p:nvPr>
+            <p:ph type="sldImg"/>
+          </p:nvPr>
+        </p:nvSpPr>
+        <p:spPr/>
+      </p:sp>
+      <p:sp>
+        <p:nvSpPr>
+          <p:cNvPr id="3" name="Notes Placeholder 2"/>
+          <p:cNvSpPr>
+            <a:spLocks noGrp="1"/>
+          </p:cNvSpPr>
+          <p:nvPr>
+            <p:ph type="body" idx="1"/>
+          </p:nvPr>
+        </p:nvSpPr>
+        <p:spPr/>
+        <p:txBody>
+          <a:bodyPr/>
+          <a:lstStyle/>
+          <a:p>
+            <a:endParaRPr lang="en-US" dirty="0"/>
+          </a:p>
+        </p:txBody>
+      </p:sp>
+      <p:sp>
+        <p:nvSpPr>
+          <p:cNvPr id="4" name="Slide Number Placeholder 3"/>
+          <p:cNvSpPr>
+            <a:spLocks noGrp="1"/>
+          </p:cNvSpPr>
+          <p:nvPr>
+            <p:ph type="sldNum" sz="quarter" idx="5"/>
+          </p:nvPr>
+        </p:nvSpPr>
+        <p:spPr/>
+        <p:txBody>
+          <a:bodyPr/>
+          <a:lstStyle/>
+          <a:p>
+            <a:fld id="{0B1A8FFB-CB5A-5744-992F-509A4FA86679}" type="slidenum">
+              <a:rPr lang="en-US" smtClean="0"/>
+              <a:t>26</a:t>
+            </a:fld>
+            <a:endParaRPr lang="en-US"/>
+          </a:p>
+        </p:txBody>
+      </p:sp>
+    </p:spTree>
+    <p:extLst>
+      <p:ext uri="{BB962C8B-B14F-4D97-AF65-F5344CB8AC3E}">
+        <p14:creationId xmlns:p14="http://schemas.microsoft.com/office/powerpoint/2010/main" val="437442549"/>
       </p:ext>
     </p:extLst>
   </p:cSld>
@@ -6610,7 +6798,7 @@
           <a:p>
             <a:fld id="{4AAD347D-5ACD-4C99-B74B-A9C85AD731AF}" type="datetimeFigureOut">
               <a:rPr lang="en-US" dirty="0"/>
-              <a:t>11/25/25</a:t>
+              <a:t>11/26/25</a:t>
             </a:fld>
             <a:endParaRPr lang="en-US" dirty="0"/>
           </a:p>
@@ -6880,7 +7068,7 @@
           <a:p>
             <a:fld id="{4509A250-FF31-4206-8172-F9D3106AACB1}" type="datetimeFigureOut">
               <a:rPr lang="en-US" dirty="0"/>
-              <a:t>11/25/25</a:t>
+              <a:t>11/26/25</a:t>
             </a:fld>
             <a:endParaRPr lang="en-US" dirty="0"/>
           </a:p>
@@ -7069,7 +7257,7 @@
           <a:p>
             <a:fld id="{4509A250-FF31-4206-8172-F9D3106AACB1}" type="datetimeFigureOut">
               <a:rPr lang="en-US" dirty="0"/>
-              <a:t>11/25/25</a:t>
+              <a:t>11/26/25</a:t>
             </a:fld>
             <a:endParaRPr lang="en-US" dirty="0"/>
           </a:p>
@@ -7337,7 +7525,7 @@
           <a:p>
             <a:fld id="{4509A250-FF31-4206-8172-F9D3106AACB1}" type="datetimeFigureOut">
               <a:rPr lang="en-US" dirty="0"/>
-              <a:t>11/25/25</a:t>
+              <a:t>11/26/25</a:t>
             </a:fld>
             <a:endParaRPr lang="en-US" dirty="0"/>
           </a:p>
@@ -7673,7 +7861,7 @@
           <a:p>
             <a:fld id="{4509A250-FF31-4206-8172-F9D3106AACB1}" type="datetimeFigureOut">
               <a:rPr lang="en-US" dirty="0"/>
-              <a:t>11/25/25</a:t>
+              <a:t>11/26/25</a:t>
             </a:fld>
             <a:endParaRPr lang="en-US" dirty="0"/>
           </a:p>
@@ -8291,7 +8479,7 @@
           <a:p>
             <a:fld id="{4509A250-FF31-4206-8172-F9D3106AACB1}" type="datetimeFigureOut">
               <a:rPr lang="en-US" dirty="0"/>
-              <a:t>11/25/25</a:t>
+              <a:t>11/26/25</a:t>
             </a:fld>
             <a:endParaRPr lang="en-US" dirty="0"/>
           </a:p>
@@ -9146,7 +9334,7 @@
           <a:p>
             <a:fld id="{4509A250-FF31-4206-8172-F9D3106AACB1}" type="datetimeFigureOut">
               <a:rPr lang="en-US" dirty="0"/>
-              <a:t>11/25/25</a:t>
+              <a:t>11/26/25</a:t>
             </a:fld>
             <a:endParaRPr lang="en-US" dirty="0"/>
           </a:p>
@@ -9311,7 +9499,7 @@
           <a:p>
             <a:fld id="{4509A250-FF31-4206-8172-F9D3106AACB1}" type="datetimeFigureOut">
               <a:rPr lang="en-US" dirty="0"/>
-              <a:t>11/25/25</a:t>
+              <a:t>11/26/25</a:t>
             </a:fld>
             <a:endParaRPr lang="en-US" dirty="0"/>
           </a:p>
@@ -9486,7 +9674,7 @@
           <a:p>
             <a:fld id="{4509A250-FF31-4206-8172-F9D3106AACB1}" type="datetimeFigureOut">
               <a:rPr lang="en-US" dirty="0"/>
-              <a:t>11/25/25</a:t>
+              <a:t>11/26/25</a:t>
             </a:fld>
             <a:endParaRPr lang="en-US" dirty="0"/>
           </a:p>
@@ -9651,7 +9839,7 @@
           <a:p>
             <a:fld id="{4509A250-FF31-4206-8172-F9D3106AACB1}" type="datetimeFigureOut">
               <a:rPr lang="en-US" dirty="0"/>
-              <a:t>11/25/25</a:t>
+              <a:t>11/26/25</a:t>
             </a:fld>
             <a:endParaRPr lang="en-US" dirty="0"/>
           </a:p>
@@ -9893,7 +10081,7 @@
           <a:p>
             <a:fld id="{9796027F-7875-4030-9381-8BD8C4F21935}" type="datetimeFigureOut">
               <a:rPr lang="en-US" dirty="0"/>
-              <a:t>11/25/25</a:t>
+              <a:t>11/26/25</a:t>
             </a:fld>
             <a:endParaRPr lang="en-US" dirty="0"/>
           </a:p>
@@ -10180,7 +10368,7 @@
           <a:p>
             <a:fld id="{9796027F-7875-4030-9381-8BD8C4F21935}" type="datetimeFigureOut">
               <a:rPr lang="en-US" dirty="0"/>
-              <a:t>11/25/25</a:t>
+              <a:t>11/26/25</a:t>
             </a:fld>
             <a:endParaRPr lang="en-US" dirty="0"/>
           </a:p>
@@ -10619,7 +10807,7 @@
           <a:p>
             <a:fld id="{9796027F-7875-4030-9381-8BD8C4F21935}" type="datetimeFigureOut">
               <a:rPr lang="en-US" dirty="0"/>
-              <a:t>11/25/25</a:t>
+              <a:t>11/26/25</a:t>
             </a:fld>
             <a:endParaRPr lang="en-US" dirty="0"/>
           </a:p>
@@ -10732,7 +10920,7 @@
           <a:p>
             <a:fld id="{4509A250-FF31-4206-8172-F9D3106AACB1}" type="datetimeFigureOut">
               <a:rPr lang="en-US" dirty="0"/>
-              <a:t>11/25/25</a:t>
+              <a:t>11/26/25</a:t>
             </a:fld>
             <a:endParaRPr lang="en-US" dirty="0"/>
           </a:p>
@@ -10822,7 +11010,7 @@
           <a:p>
             <a:fld id="{4509A250-FF31-4206-8172-F9D3106AACB1}" type="datetimeFigureOut">
               <a:rPr lang="en-US" dirty="0"/>
-              <a:t>11/25/25</a:t>
+              <a:t>11/26/25</a:t>
             </a:fld>
             <a:endParaRPr lang="en-US" dirty="0"/>
           </a:p>
@@ -11096,7 +11284,7 @@
           <a:p>
             <a:fld id="{4509A250-FF31-4206-8172-F9D3106AACB1}" type="datetimeFigureOut">
               <a:rPr lang="en-US" dirty="0"/>
-              <a:t>11/25/25</a:t>
+              <a:t>11/26/25</a:t>
             </a:fld>
             <a:endParaRPr lang="en-US" dirty="0"/>
           </a:p>
@@ -11366,7 +11554,7 @@
           <a:p>
             <a:fld id="{4509A250-FF31-4206-8172-F9D3106AACB1}" type="datetimeFigureOut">
               <a:rPr lang="en-US" dirty="0"/>
-              <a:t>11/25/25</a:t>
+              <a:t>11/26/25</a:t>
             </a:fld>
             <a:endParaRPr lang="en-US" dirty="0"/>
           </a:p>
@@ -11804,7 +11992,7 @@
           <a:p>
             <a:fld id="{4AAD347D-5ACD-4C99-B74B-A9C85AD731AF}" type="datetimeFigureOut">
               <a:rPr lang="en-US" dirty="0"/>
-              <a:t>11/25/25</a:t>
+              <a:t>11/26/25</a:t>
             </a:fld>
             <a:endParaRPr lang="en-US" dirty="0"/>
           </a:p>
@@ -16332,6 +16520,143 @@
   <p:cSld>
     <p:spTree>
       <p:nvGrpSpPr>
+        <p:cNvPr id="1" name="">
+          <a:extLst>
+            <a:ext uri="{FF2B5EF4-FFF2-40B4-BE49-F238E27FC236}">
+              <a16:creationId xmlns:a16="http://schemas.microsoft.com/office/drawing/2014/main" id="{3B8FDCE3-3328-EB67-A98A-69BFB5ECC14F}"/>
+            </a:ext>
+          </a:extLst>
+        </p:cNvPr>
+        <p:cNvGrpSpPr/>
+        <p:nvPr/>
+      </p:nvGrpSpPr>
+      <p:grpSpPr>
+        <a:xfrm>
+          <a:off x="0" y="0"/>
+          <a:ext cx="0" cy="0"/>
+          <a:chOff x="0" y="0"/>
+          <a:chExt cx="0" cy="0"/>
+        </a:xfrm>
+      </p:grpSpPr>
+      <p:sp>
+        <p:nvSpPr>
+          <p:cNvPr id="2" name="Title 1">
+            <a:extLst>
+              <a:ext uri="{FF2B5EF4-FFF2-40B4-BE49-F238E27FC236}">
+                <a16:creationId xmlns:a16="http://schemas.microsoft.com/office/drawing/2014/main" id="{76762B30-CF3C-B4B7-24C7-F239FBF8515E}"/>
+              </a:ext>
+            </a:extLst>
+          </p:cNvPr>
+          <p:cNvSpPr>
+            <a:spLocks noGrp="1"/>
+          </p:cNvSpPr>
+          <p:nvPr>
+            <p:ph type="title"/>
+          </p:nvPr>
+        </p:nvSpPr>
+        <p:spPr/>
+        <p:txBody>
+          <a:bodyPr/>
+          <a:lstStyle/>
+          <a:p>
+            <a:r>
+              <a:rPr lang="en-US" dirty="0"/>
+              <a:t>Maven 4 – Performance Boosts</a:t>
+            </a:r>
+          </a:p>
+        </p:txBody>
+      </p:sp>
+      <p:sp>
+        <p:nvSpPr>
+          <p:cNvPr id="3" name="Content Placeholder 2">
+            <a:extLst>
+              <a:ext uri="{FF2B5EF4-FFF2-40B4-BE49-F238E27FC236}">
+                <a16:creationId xmlns:a16="http://schemas.microsoft.com/office/drawing/2014/main" id="{C6B4CD5A-CB71-D91F-8546-391435CDE23C}"/>
+              </a:ext>
+            </a:extLst>
+          </p:cNvPr>
+          <p:cNvSpPr>
+            <a:spLocks noGrp="1"/>
+          </p:cNvSpPr>
+          <p:nvPr>
+            <p:ph idx="1"/>
+          </p:nvPr>
+        </p:nvSpPr>
+        <p:spPr>
+          <a:xfrm>
+            <a:off x="645130" y="1622738"/>
+            <a:ext cx="10507974" cy="4625661"/>
+          </a:xfrm>
+        </p:spPr>
+        <p:txBody>
+          <a:bodyPr>
+            <a:normAutofit/>
+          </a:bodyPr>
+          <a:lstStyle/>
+          <a:p>
+            <a:r>
+              <a:rPr lang="en-GB" sz="2800" dirty="0">
+                <a:cs typeface="Consolas" panose="020B0609020204030204" pitchFamily="49" charset="0"/>
+              </a:rPr>
+              <a:t>Faster build times especially for large multi-module projects</a:t>
+            </a:r>
+          </a:p>
+          <a:p>
+            <a:pPr lvl="1"/>
+            <a:r>
+              <a:rPr lang="en-GB" sz="2400" dirty="0">
+                <a:cs typeface="Consolas" panose="020B0609020204030204" pitchFamily="49" charset="0"/>
+              </a:rPr>
+              <a:t>Improved dependency resolution</a:t>
+            </a:r>
+          </a:p>
+          <a:p>
+            <a:pPr lvl="1"/>
+            <a:r>
+              <a:rPr lang="en-GB" sz="2400" dirty="0">
+                <a:cs typeface="Consolas" panose="020B0609020204030204" pitchFamily="49" charset="0"/>
+              </a:rPr>
+              <a:t>Parallel build enhancements (better use of multi-core processors)</a:t>
+            </a:r>
+          </a:p>
+          <a:p>
+            <a:pPr lvl="1"/>
+            <a:r>
+              <a:rPr lang="en-GB" sz="2400" dirty="0">
+                <a:cs typeface="Consolas" panose="020B0609020204030204" pitchFamily="49" charset="0"/>
+              </a:rPr>
+              <a:t>Reduced memory consumption</a:t>
+            </a:r>
+          </a:p>
+          <a:p>
+            <a:pPr lvl="1"/>
+            <a:r>
+              <a:rPr lang="en-GB" sz="2400" dirty="0">
+                <a:cs typeface="Consolas" panose="020B0609020204030204" pitchFamily="49" charset="0"/>
+              </a:rPr>
+              <a:t>Incremental build improvements</a:t>
+            </a:r>
+          </a:p>
+        </p:txBody>
+      </p:sp>
+    </p:spTree>
+    <p:extLst>
+      <p:ext uri="{BB962C8B-B14F-4D97-AF65-F5344CB8AC3E}">
+        <p14:creationId xmlns:p14="http://schemas.microsoft.com/office/powerpoint/2010/main" val="3652527991"/>
+      </p:ext>
+    </p:extLst>
+  </p:cSld>
+  <p:clrMapOvr>
+    <a:masterClrMapping/>
+  </p:clrMapOvr>
+</p:sld>
+</file>
+
+<file path=ppt/slides/slide24.xml><?xml version="1.0" encoding="utf-8"?>
+<p:sld xmlns:a="http://schemas.openxmlformats.org/drawingml/2006/main" xmlns:r="http://schemas.openxmlformats.org/officeDocument/2006/relationships" xmlns:p="http://schemas.openxmlformats.org/presentationml/2006/main">
+  <p:cSld>
+    <p:spTree>
+      <p:nvGrpSpPr>
         <p:cNvPr id="1" name=""/>
         <p:cNvGrpSpPr/>
         <p:nvPr/>
@@ -16512,7 +16837,7 @@
 </p:sld>
 </file>
 
-<file path=ppt/slides/slide24.xml><?xml version="1.0" encoding="utf-8"?>
+<file path=ppt/slides/slide25.xml><?xml version="1.0" encoding="utf-8"?>
 <p:sld xmlns:a="http://schemas.openxmlformats.org/drawingml/2006/main" xmlns:r="http://schemas.openxmlformats.org/officeDocument/2006/relationships" xmlns:p="http://schemas.openxmlformats.org/presentationml/2006/main">
   <p:cSld>
     <p:spTree>
@@ -16725,7 +17050,7 @@
 </p:sld>
 </file>
 
-<file path=ppt/slides/slide25.xml><?xml version="1.0" encoding="utf-8"?>
+<file path=ppt/slides/slide26.xml><?xml version="1.0" encoding="utf-8"?>
 <p:sld xmlns:a="http://schemas.openxmlformats.org/drawingml/2006/main" xmlns:r="http://schemas.openxmlformats.org/officeDocument/2006/relationships" xmlns:p="http://schemas.openxmlformats.org/presentationml/2006/main">
   <p:cSld>
     <p:bg>
@@ -18128,7 +18453,7 @@
 </p:sld>
 </file>
 
-<file path=ppt/slides/slide26.xml><?xml version="1.0" encoding="utf-8"?>
+<file path=ppt/slides/slide27.xml><?xml version="1.0" encoding="utf-8"?>
 <p:sld xmlns:a="http://schemas.openxmlformats.org/drawingml/2006/main" xmlns:r="http://schemas.openxmlformats.org/officeDocument/2006/relationships" xmlns:p="http://schemas.openxmlformats.org/presentationml/2006/main">
   <p:cSld>
     <p:spTree>
@@ -18257,7 +18582,7 @@
 </p:sld>
 </file>
 
-<file path=ppt/slides/slide27.xml><?xml version="1.0" encoding="utf-8"?>
+<file path=ppt/slides/slide28.xml><?xml version="1.0" encoding="utf-8"?>
 <p:sld xmlns:a="http://schemas.openxmlformats.org/drawingml/2006/main" xmlns:r="http://schemas.openxmlformats.org/officeDocument/2006/relationships" xmlns:p="http://schemas.openxmlformats.org/presentationml/2006/main">
   <p:cSld>
     <p:bg>
@@ -19427,7 +19752,7 @@
 </p:sld>
 </file>
 
-<file path=ppt/slides/slide28.xml><?xml version="1.0" encoding="utf-8"?>
+<file path=ppt/slides/slide29.xml><?xml version="1.0" encoding="utf-8"?>
 <p:sld xmlns:a="http://schemas.openxmlformats.org/drawingml/2006/main" xmlns:r="http://schemas.openxmlformats.org/officeDocument/2006/relationships" xmlns:p="http://schemas.openxmlformats.org/presentationml/2006/main">
   <p:cSld>
     <p:spTree>
@@ -19513,101 +19838,6 @@
     <p:extLst>
       <p:ext uri="{BB962C8B-B14F-4D97-AF65-F5344CB8AC3E}">
         <p14:creationId xmlns:p14="http://schemas.microsoft.com/office/powerpoint/2010/main" val="2247574082"/>
-      </p:ext>
-    </p:extLst>
-  </p:cSld>
-  <p:clrMapOvr>
-    <a:masterClrMapping/>
-  </p:clrMapOvr>
-</p:sld>
-</file>
-
-<file path=ppt/slides/slide29.xml><?xml version="1.0" encoding="utf-8"?>
-<p:sld xmlns:a="http://schemas.openxmlformats.org/drawingml/2006/main" xmlns:r="http://schemas.openxmlformats.org/officeDocument/2006/relationships" xmlns:p="http://schemas.openxmlformats.org/presentationml/2006/main">
-  <p:cSld>
-    <p:spTree>
-      <p:nvGrpSpPr>
-        <p:cNvPr id="1" name="">
-          <a:extLst>
-            <a:ext uri="{FF2B5EF4-FFF2-40B4-BE49-F238E27FC236}">
-              <a16:creationId xmlns:a16="http://schemas.microsoft.com/office/drawing/2014/main" id="{2A16D755-B15E-6154-73BE-EDCE7C874876}"/>
-            </a:ext>
-          </a:extLst>
-        </p:cNvPr>
-        <p:cNvGrpSpPr/>
-        <p:nvPr/>
-      </p:nvGrpSpPr>
-      <p:grpSpPr>
-        <a:xfrm>
-          <a:off x="0" y="0"/>
-          <a:ext cx="0" cy="0"/>
-          <a:chOff x="0" y="0"/>
-          <a:chExt cx="0" cy="0"/>
-        </a:xfrm>
-      </p:grpSpPr>
-      <p:sp>
-        <p:nvSpPr>
-          <p:cNvPr id="2" name="Title 1">
-            <a:extLst>
-              <a:ext uri="{FF2B5EF4-FFF2-40B4-BE49-F238E27FC236}">
-                <a16:creationId xmlns:a16="http://schemas.microsoft.com/office/drawing/2014/main" id="{BE88B9FC-9502-9AE4-8A81-5B03937ABD23}"/>
-              </a:ext>
-            </a:extLst>
-          </p:cNvPr>
-          <p:cNvSpPr>
-            <a:spLocks noGrp="1"/>
-          </p:cNvSpPr>
-          <p:nvPr>
-            <p:ph type="title"/>
-          </p:nvPr>
-        </p:nvSpPr>
-        <p:spPr/>
-        <p:txBody>
-          <a:bodyPr/>
-          <a:lstStyle/>
-          <a:p>
-            <a:r>
-              <a:rPr lang="en-US" dirty="0"/>
-              <a:t>Module Import Declarations</a:t>
-            </a:r>
-          </a:p>
-        </p:txBody>
-      </p:sp>
-      <p:sp>
-        <p:nvSpPr>
-          <p:cNvPr id="3" name="Content Placeholder 2">
-            <a:extLst>
-              <a:ext uri="{FF2B5EF4-FFF2-40B4-BE49-F238E27FC236}">
-                <a16:creationId xmlns:a16="http://schemas.microsoft.com/office/drawing/2014/main" id="{309608D4-D424-A97C-82D4-663203346326}"/>
-              </a:ext>
-            </a:extLst>
-          </p:cNvPr>
-          <p:cNvSpPr>
-            <a:spLocks noGrp="1"/>
-          </p:cNvSpPr>
-          <p:nvPr>
-            <p:ph idx="1"/>
-          </p:nvPr>
-        </p:nvSpPr>
-        <p:spPr/>
-        <p:txBody>
-          <a:bodyPr>
-            <a:normAutofit/>
-          </a:bodyPr>
-          <a:lstStyle/>
-          <a:p>
-            <a:pPr lvl="1"/>
-            <a:r>
-              <a:rPr lang="en-US" sz="2600" dirty="0"/>
-              <a:t># TODO</a:t>
-            </a:r>
-          </a:p>
-        </p:txBody>
-      </p:sp>
-    </p:spTree>
-    <p:extLst>
-      <p:ext uri="{BB962C8B-B14F-4D97-AF65-F5344CB8AC3E}">
-        <p14:creationId xmlns:p14="http://schemas.microsoft.com/office/powerpoint/2010/main" val="829147350"/>
       </p:ext>
     </p:extLst>
   </p:cSld>
@@ -21035,6 +21265,101 @@
         <p:cNvPr id="1" name="">
           <a:extLst>
             <a:ext uri="{FF2B5EF4-FFF2-40B4-BE49-F238E27FC236}">
+              <a16:creationId xmlns:a16="http://schemas.microsoft.com/office/drawing/2014/main" id="{2A16D755-B15E-6154-73BE-EDCE7C874876}"/>
+            </a:ext>
+          </a:extLst>
+        </p:cNvPr>
+        <p:cNvGrpSpPr/>
+        <p:nvPr/>
+      </p:nvGrpSpPr>
+      <p:grpSpPr>
+        <a:xfrm>
+          <a:off x="0" y="0"/>
+          <a:ext cx="0" cy="0"/>
+          <a:chOff x="0" y="0"/>
+          <a:chExt cx="0" cy="0"/>
+        </a:xfrm>
+      </p:grpSpPr>
+      <p:sp>
+        <p:nvSpPr>
+          <p:cNvPr id="2" name="Title 1">
+            <a:extLst>
+              <a:ext uri="{FF2B5EF4-FFF2-40B4-BE49-F238E27FC236}">
+                <a16:creationId xmlns:a16="http://schemas.microsoft.com/office/drawing/2014/main" id="{BE88B9FC-9502-9AE4-8A81-5B03937ABD23}"/>
+              </a:ext>
+            </a:extLst>
+          </p:cNvPr>
+          <p:cNvSpPr>
+            <a:spLocks noGrp="1"/>
+          </p:cNvSpPr>
+          <p:nvPr>
+            <p:ph type="title"/>
+          </p:nvPr>
+        </p:nvSpPr>
+        <p:spPr/>
+        <p:txBody>
+          <a:bodyPr/>
+          <a:lstStyle/>
+          <a:p>
+            <a:r>
+              <a:rPr lang="en-US" dirty="0"/>
+              <a:t>Module Import Declarations</a:t>
+            </a:r>
+          </a:p>
+        </p:txBody>
+      </p:sp>
+      <p:sp>
+        <p:nvSpPr>
+          <p:cNvPr id="3" name="Content Placeholder 2">
+            <a:extLst>
+              <a:ext uri="{FF2B5EF4-FFF2-40B4-BE49-F238E27FC236}">
+                <a16:creationId xmlns:a16="http://schemas.microsoft.com/office/drawing/2014/main" id="{309608D4-D424-A97C-82D4-663203346326}"/>
+              </a:ext>
+            </a:extLst>
+          </p:cNvPr>
+          <p:cNvSpPr>
+            <a:spLocks noGrp="1"/>
+          </p:cNvSpPr>
+          <p:nvPr>
+            <p:ph idx="1"/>
+          </p:nvPr>
+        </p:nvSpPr>
+        <p:spPr/>
+        <p:txBody>
+          <a:bodyPr>
+            <a:normAutofit/>
+          </a:bodyPr>
+          <a:lstStyle/>
+          <a:p>
+            <a:pPr lvl="1"/>
+            <a:r>
+              <a:rPr lang="en-US" sz="2600" dirty="0"/>
+              <a:t># TODO</a:t>
+            </a:r>
+          </a:p>
+        </p:txBody>
+      </p:sp>
+    </p:spTree>
+    <p:extLst>
+      <p:ext uri="{BB962C8B-B14F-4D97-AF65-F5344CB8AC3E}">
+        <p14:creationId xmlns:p14="http://schemas.microsoft.com/office/powerpoint/2010/main" val="829147350"/>
+      </p:ext>
+    </p:extLst>
+  </p:cSld>
+  <p:clrMapOvr>
+    <a:masterClrMapping/>
+  </p:clrMapOvr>
+</p:sld>
+</file>
+
+<file path=ppt/slides/slide31.xml><?xml version="1.0" encoding="utf-8"?>
+<p:sld xmlns:a="http://schemas.openxmlformats.org/drawingml/2006/main" xmlns:r="http://schemas.openxmlformats.org/officeDocument/2006/relationships" xmlns:p="http://schemas.openxmlformats.org/presentationml/2006/main">
+  <p:cSld>
+    <p:spTree>
+      <p:nvGrpSpPr>
+        <p:cNvPr id="1" name="">
+          <a:extLst>
+            <a:ext uri="{FF2B5EF4-FFF2-40B4-BE49-F238E27FC236}">
               <a16:creationId xmlns:a16="http://schemas.microsoft.com/office/drawing/2014/main" id="{05530C14-A451-B252-A163-2BDD6DC00B5E}"/>
             </a:ext>
           </a:extLst>
@@ -21132,7 +21457,7 @@
 </p:sld>
 </file>
 
-<file path=ppt/slides/slide31.xml><?xml version="1.0" encoding="utf-8"?>
+<file path=ppt/slides/slide32.xml><?xml version="1.0" encoding="utf-8"?>
 <p:sld xmlns:a="http://schemas.openxmlformats.org/drawingml/2006/main" xmlns:r="http://schemas.openxmlformats.org/officeDocument/2006/relationships" xmlns:p="http://schemas.openxmlformats.org/presentationml/2006/main">
   <p:cSld>
     <p:spTree>
@@ -21227,7 +21552,7 @@
 </p:sld>
 </file>
 
-<file path=ppt/slides/slide32.xml><?xml version="1.0" encoding="utf-8"?>
+<file path=ppt/slides/slide33.xml><?xml version="1.0" encoding="utf-8"?>
 <p:sld xmlns:a="http://schemas.openxmlformats.org/drawingml/2006/main" xmlns:r="http://schemas.openxmlformats.org/officeDocument/2006/relationships" xmlns:p="http://schemas.openxmlformats.org/presentationml/2006/main">
   <p:cSld>
     <p:spTree>
@@ -21327,7 +21652,7 @@
 </p:sld>
 </file>
 
-<file path=ppt/slides/slide33.xml><?xml version="1.0" encoding="utf-8"?>
+<file path=ppt/slides/slide34.xml><?xml version="1.0" encoding="utf-8"?>
 <p:sld xmlns:a="http://schemas.openxmlformats.org/drawingml/2006/main" xmlns:r="http://schemas.openxmlformats.org/officeDocument/2006/relationships" xmlns:p="http://schemas.openxmlformats.org/presentationml/2006/main">
   <p:cSld>
     <p:spTree>
@@ -21435,7 +21760,7 @@
 </p:sld>
 </file>
 
-<file path=ppt/slides/slide34.xml><?xml version="1.0" encoding="utf-8"?>
+<file path=ppt/slides/slide35.xml><?xml version="1.0" encoding="utf-8"?>
 <p:sld xmlns:a="http://schemas.openxmlformats.org/drawingml/2006/main" xmlns:r="http://schemas.openxmlformats.org/officeDocument/2006/relationships" xmlns:p="http://schemas.openxmlformats.org/presentationml/2006/main">
   <p:cSld>
     <p:spTree>
@@ -21543,7 +21868,7 @@
 </p:sld>
 </file>
 
-<file path=ppt/slides/slide35.xml><?xml version="1.0" encoding="utf-8"?>
+<file path=ppt/slides/slide36.xml><?xml version="1.0" encoding="utf-8"?>
 <p:sld xmlns:a="http://schemas.openxmlformats.org/drawingml/2006/main" xmlns:r="http://schemas.openxmlformats.org/officeDocument/2006/relationships" xmlns:p="http://schemas.openxmlformats.org/presentationml/2006/main">
   <p:cSld>
     <p:bg>
@@ -22703,7 +23028,7 @@
 </p:sld>
 </file>
 
-<file path=ppt/slides/slide36.xml><?xml version="1.0" encoding="utf-8"?>
+<file path=ppt/slides/slide37.xml><?xml version="1.0" encoding="utf-8"?>
 <p:sld xmlns:a="http://schemas.openxmlformats.org/drawingml/2006/main" xmlns:r="http://schemas.openxmlformats.org/officeDocument/2006/relationships" xmlns:p="http://schemas.openxmlformats.org/presentationml/2006/main">
   <p:cSld>
     <p:bg>
@@ -23843,7 +24168,7 @@
 </p:sld>
 </file>
 
-<file path=ppt/slides/slide37.xml><?xml version="1.0" encoding="utf-8"?>
+<file path=ppt/slides/slide38.xml><?xml version="1.0" encoding="utf-8"?>
 <p:sld xmlns:a="http://schemas.openxmlformats.org/drawingml/2006/main" xmlns:r="http://schemas.openxmlformats.org/officeDocument/2006/relationships" xmlns:p="http://schemas.openxmlformats.org/presentationml/2006/main">
   <p:cSld>
     <p:bg>
@@ -25240,94 +25565,6 @@
 </p:sld>
 </file>
 
-<file path=ppt/slides/slide38.xml><?xml version="1.0" encoding="utf-8"?>
-<p:sld xmlns:a="http://schemas.openxmlformats.org/drawingml/2006/main" xmlns:r="http://schemas.openxmlformats.org/officeDocument/2006/relationships" xmlns:p="http://schemas.openxmlformats.org/presentationml/2006/main">
-  <p:cSld>
-    <p:spTree>
-      <p:nvGrpSpPr>
-        <p:cNvPr id="1" name=""/>
-        <p:cNvGrpSpPr/>
-        <p:nvPr/>
-      </p:nvGrpSpPr>
-      <p:grpSpPr>
-        <a:xfrm>
-          <a:off x="0" y="0"/>
-          <a:ext cx="0" cy="0"/>
-          <a:chOff x="0" y="0"/>
-          <a:chExt cx="0" cy="0"/>
-        </a:xfrm>
-      </p:grpSpPr>
-      <p:sp>
-        <p:nvSpPr>
-          <p:cNvPr id="2" name="Title 1">
-            <a:extLst>
-              <a:ext uri="{FF2B5EF4-FFF2-40B4-BE49-F238E27FC236}">
-                <a16:creationId xmlns:a16="http://schemas.microsoft.com/office/drawing/2014/main" id="{AB6C0888-59A4-3A97-EF04-F5F640FEDB67}"/>
-              </a:ext>
-            </a:extLst>
-          </p:cNvPr>
-          <p:cNvSpPr>
-            <a:spLocks noGrp="1"/>
-          </p:cNvSpPr>
-          <p:nvPr>
-            <p:ph type="title"/>
-          </p:nvPr>
-        </p:nvSpPr>
-        <p:spPr/>
-        <p:txBody>
-          <a:bodyPr/>
-          <a:lstStyle/>
-          <a:p>
-            <a:r>
-              <a:rPr lang="en-US" dirty="0"/>
-              <a:t>Spring 7</a:t>
-            </a:r>
-          </a:p>
-        </p:txBody>
-      </p:sp>
-      <p:sp>
-        <p:nvSpPr>
-          <p:cNvPr id="3" name="Content Placeholder 2">
-            <a:extLst>
-              <a:ext uri="{FF2B5EF4-FFF2-40B4-BE49-F238E27FC236}">
-                <a16:creationId xmlns:a16="http://schemas.microsoft.com/office/drawing/2014/main" id="{A7822E91-0948-284A-5D51-F5FDC0330031}"/>
-              </a:ext>
-            </a:extLst>
-          </p:cNvPr>
-          <p:cNvSpPr>
-            <a:spLocks noGrp="1"/>
-          </p:cNvSpPr>
-          <p:nvPr>
-            <p:ph idx="1"/>
-          </p:nvPr>
-        </p:nvSpPr>
-        <p:spPr/>
-        <p:txBody>
-          <a:bodyPr>
-            <a:normAutofit/>
-          </a:bodyPr>
-          <a:lstStyle/>
-          <a:p>
-            <a:r>
-              <a:rPr lang="en-US" sz="2800" dirty="0"/>
-              <a:t>#TODO</a:t>
-            </a:r>
-          </a:p>
-        </p:txBody>
-      </p:sp>
-    </p:spTree>
-    <p:extLst>
-      <p:ext uri="{BB962C8B-B14F-4D97-AF65-F5344CB8AC3E}">
-        <p14:creationId xmlns:p14="http://schemas.microsoft.com/office/powerpoint/2010/main" val="2899600124"/>
-      </p:ext>
-    </p:extLst>
-  </p:cSld>
-  <p:clrMapOvr>
-    <a:masterClrMapping/>
-  </p:clrMapOvr>
-</p:sld>
-</file>
-
 <file path=ppt/slides/slide39.xml><?xml version="1.0" encoding="utf-8"?>
 <p:sld xmlns:a="http://schemas.openxmlformats.org/drawingml/2006/main" xmlns:r="http://schemas.openxmlformats.org/officeDocument/2006/relationships" xmlns:p="http://schemas.openxmlformats.org/presentationml/2006/main">
   <p:cSld>
@@ -25350,7 +25587,7 @@
           <p:cNvPr id="2" name="Title 1">
             <a:extLst>
               <a:ext uri="{FF2B5EF4-FFF2-40B4-BE49-F238E27FC236}">
-                <a16:creationId xmlns:a16="http://schemas.microsoft.com/office/drawing/2014/main" id="{7E1A6C48-3D5B-B8F0-C46C-33E81B4D6BDC}"/>
+                <a16:creationId xmlns:a16="http://schemas.microsoft.com/office/drawing/2014/main" id="{AB6C0888-59A4-3A97-EF04-F5F640FEDB67}"/>
               </a:ext>
             </a:extLst>
           </p:cNvPr>
@@ -25361,25 +25598,15 @@
             <p:ph type="title"/>
           </p:nvPr>
         </p:nvSpPr>
-        <p:spPr>
-          <a:xfrm>
-            <a:off x="646111" y="452718"/>
-            <a:ext cx="11120773" cy="1400530"/>
-          </a:xfrm>
-        </p:spPr>
+        <p:spPr/>
         <p:txBody>
           <a:bodyPr/>
           <a:lstStyle/>
           <a:p>
             <a:r>
               <a:rPr lang="en-US" dirty="0"/>
-              <a:t>References - </a:t>
-            </a:r>
-            <a:r>
-              <a:rPr lang="en-US" sz="4400" dirty="0"/>
-              <a:t>Maven 4</a:t>
-            </a:r>
-            <a:endParaRPr lang="en-US" dirty="0"/>
+              <a:t>Spring 7</a:t>
+            </a:r>
           </a:p>
         </p:txBody>
       </p:sp>
@@ -25388,7 +25615,7 @@
           <p:cNvPr id="3" name="Content Placeholder 2">
             <a:extLst>
               <a:ext uri="{FF2B5EF4-FFF2-40B4-BE49-F238E27FC236}">
-                <a16:creationId xmlns:a16="http://schemas.microsoft.com/office/drawing/2014/main" id="{5DD7A1DA-6E97-7686-69B6-CCCF1EBAB961}"/>
+                <a16:creationId xmlns:a16="http://schemas.microsoft.com/office/drawing/2014/main" id="{A7822E91-0948-284A-5D51-F5FDC0330031}"/>
               </a:ext>
             </a:extLst>
           </p:cNvPr>
@@ -25399,120 +25626,24 @@
             <p:ph idx="1"/>
           </p:nvPr>
         </p:nvSpPr>
-        <p:spPr>
-          <a:xfrm>
-            <a:off x="646111" y="1468192"/>
-            <a:ext cx="11120773" cy="4780207"/>
-          </a:xfrm>
-        </p:spPr>
+        <p:spPr/>
         <p:txBody>
           <a:bodyPr>
-            <a:normAutofit fontScale="92500" lnSpcReduction="10000"/>
+            <a:normAutofit/>
           </a:bodyPr>
           <a:lstStyle/>
           <a:p>
             <a:r>
-              <a:rPr lang="en-US" sz="2800" dirty="0">
-                <a:hlinkClick r:id="rId2"/>
-              </a:rPr>
-              <a:t>https://maven.apache.org/whatsnewinmaven4.html</a:t>
-            </a:r>
-            <a:endParaRPr lang="en-US" sz="2800" dirty="0"/>
-          </a:p>
-          <a:p>
-            <a:r>
-              <a:rPr lang="en-US" sz="2800" dirty="0">
-                <a:hlinkClick r:id="rId3"/>
-              </a:rPr>
-              <a:t>https://maarten.mulders.it/2021/03/introduction-to-maven-toolchains</a:t>
-            </a:r>
-            <a:endParaRPr lang="en-US" sz="2800" dirty="0"/>
-          </a:p>
-          <a:p>
-            <a:r>
-              <a:rPr lang="en-GB" sz="2800" dirty="0">
-                <a:hlinkClick r:id="rId4"/>
-              </a:rPr>
-              <a:t>https://ant.apache.org</a:t>
-            </a:r>
-            <a:r>
-              <a:rPr lang="en-GB" sz="2800" dirty="0"/>
-              <a:t> </a:t>
-            </a:r>
-          </a:p>
-          <a:p>
-            <a:r>
-              <a:rPr lang="en-GB" sz="2800" dirty="0">
-                <a:hlinkClick r:id="rId5"/>
-              </a:rPr>
-              <a:t>https://gradle.org</a:t>
-            </a:r>
-            <a:r>
-              <a:rPr lang="en-GB" sz="2800" dirty="0"/>
-              <a:t> </a:t>
-            </a:r>
-          </a:p>
-          <a:p>
-            <a:r>
-              <a:rPr lang="en-GB" sz="2800" dirty="0"/>
-              <a:t> </a:t>
-            </a:r>
-            <a:r>
-              <a:rPr lang="en-GB" sz="2800" dirty="0">
-                <a:hlinkClick r:id="rId6"/>
-              </a:rPr>
-              <a:t>https://github.com/bazelbuild</a:t>
-            </a:r>
-            <a:r>
-              <a:rPr lang="en-GB" sz="2800" dirty="0"/>
-              <a:t> </a:t>
-            </a:r>
-          </a:p>
-          <a:p>
-            <a:r>
-              <a:rPr lang="en-GB" sz="2800" dirty="0">
-                <a:hlinkClick r:id="rId7"/>
-              </a:rPr>
-              <a:t>https://cstamas.org/blog/2024/09/handling-sensitive-data-in-maven</a:t>
-            </a:r>
-            <a:r>
-              <a:rPr lang="en-GB" sz="2800" dirty="0"/>
-              <a:t> </a:t>
-            </a:r>
-          </a:p>
-          <a:p>
-            <a:r>
-              <a:rPr lang="en-GB" sz="2800" dirty="0">
-                <a:hlinkClick r:id="rId8"/>
-              </a:rPr>
-              <a:t>https://github.com/apache/maven-mvnd</a:t>
-            </a:r>
-            <a:r>
-              <a:rPr lang="en-GB" sz="2800" dirty="0"/>
-              <a:t> </a:t>
-            </a:r>
-          </a:p>
-          <a:p>
-            <a:r>
-              <a:rPr lang="en-GB" sz="2800" dirty="0">
-                <a:hlinkClick r:id="rId9"/>
-              </a:rPr>
-              <a:t>https://maven.apache.org/tools/mvnsh.html</a:t>
-            </a:r>
-            <a:r>
-              <a:rPr lang="en-GB" sz="2800" dirty="0"/>
-              <a:t> </a:t>
-            </a:r>
-          </a:p>
-          <a:p>
-            <a:endParaRPr lang="en-US" sz="2800" dirty="0"/>
+              <a:rPr lang="en-US" sz="2800" dirty="0"/>
+              <a:t>#TODO</a:t>
+            </a:r>
           </a:p>
         </p:txBody>
       </p:sp>
     </p:spTree>
     <p:extLst>
       <p:ext uri="{BB962C8B-B14F-4D97-AF65-F5344CB8AC3E}">
-        <p14:creationId xmlns:p14="http://schemas.microsoft.com/office/powerpoint/2010/main" val="2302544402"/>
+        <p14:creationId xmlns:p14="http://schemas.microsoft.com/office/powerpoint/2010/main" val="2899600124"/>
       </p:ext>
     </p:extLst>
   </p:cSld>
@@ -25707,6 +25838,200 @@
   <p:cSld>
     <p:spTree>
       <p:nvGrpSpPr>
+        <p:cNvPr id="1" name=""/>
+        <p:cNvGrpSpPr/>
+        <p:nvPr/>
+      </p:nvGrpSpPr>
+      <p:grpSpPr>
+        <a:xfrm>
+          <a:off x="0" y="0"/>
+          <a:ext cx="0" cy="0"/>
+          <a:chOff x="0" y="0"/>
+          <a:chExt cx="0" cy="0"/>
+        </a:xfrm>
+      </p:grpSpPr>
+      <p:sp>
+        <p:nvSpPr>
+          <p:cNvPr id="2" name="Title 1">
+            <a:extLst>
+              <a:ext uri="{FF2B5EF4-FFF2-40B4-BE49-F238E27FC236}">
+                <a16:creationId xmlns:a16="http://schemas.microsoft.com/office/drawing/2014/main" id="{7E1A6C48-3D5B-B8F0-C46C-33E81B4D6BDC}"/>
+              </a:ext>
+            </a:extLst>
+          </p:cNvPr>
+          <p:cNvSpPr>
+            <a:spLocks noGrp="1"/>
+          </p:cNvSpPr>
+          <p:nvPr>
+            <p:ph type="title"/>
+          </p:nvPr>
+        </p:nvSpPr>
+        <p:spPr>
+          <a:xfrm>
+            <a:off x="646111" y="452718"/>
+            <a:ext cx="11120773" cy="1400530"/>
+          </a:xfrm>
+        </p:spPr>
+        <p:txBody>
+          <a:bodyPr/>
+          <a:lstStyle/>
+          <a:p>
+            <a:r>
+              <a:rPr lang="en-US" dirty="0"/>
+              <a:t>References - </a:t>
+            </a:r>
+            <a:r>
+              <a:rPr lang="en-US" sz="4400" dirty="0"/>
+              <a:t>Maven 4</a:t>
+            </a:r>
+            <a:endParaRPr lang="en-US" dirty="0"/>
+          </a:p>
+        </p:txBody>
+      </p:sp>
+      <p:sp>
+        <p:nvSpPr>
+          <p:cNvPr id="3" name="Content Placeholder 2">
+            <a:extLst>
+              <a:ext uri="{FF2B5EF4-FFF2-40B4-BE49-F238E27FC236}">
+                <a16:creationId xmlns:a16="http://schemas.microsoft.com/office/drawing/2014/main" id="{5DD7A1DA-6E97-7686-69B6-CCCF1EBAB961}"/>
+              </a:ext>
+            </a:extLst>
+          </p:cNvPr>
+          <p:cNvSpPr>
+            <a:spLocks noGrp="1"/>
+          </p:cNvSpPr>
+          <p:nvPr>
+            <p:ph idx="1"/>
+          </p:nvPr>
+        </p:nvSpPr>
+        <p:spPr>
+          <a:xfrm>
+            <a:off x="646111" y="1468192"/>
+            <a:ext cx="11120773" cy="4780207"/>
+          </a:xfrm>
+        </p:spPr>
+        <p:txBody>
+          <a:bodyPr>
+            <a:normAutofit fontScale="92500" lnSpcReduction="10000"/>
+          </a:bodyPr>
+          <a:lstStyle/>
+          <a:p>
+            <a:r>
+              <a:rPr lang="en-US" sz="2800" dirty="0">
+                <a:hlinkClick r:id="rId2"/>
+              </a:rPr>
+              <a:t>https://maven.apache.org/whatsnewinmaven4.html</a:t>
+            </a:r>
+            <a:endParaRPr lang="en-US" sz="2800" dirty="0"/>
+          </a:p>
+          <a:p>
+            <a:r>
+              <a:rPr lang="en-US" sz="2800" dirty="0">
+                <a:hlinkClick r:id="rId3"/>
+              </a:rPr>
+              <a:t>https://maarten.mulders.it/2021/03/introduction-to-maven-toolchains</a:t>
+            </a:r>
+            <a:endParaRPr lang="en-US" sz="2800" dirty="0"/>
+          </a:p>
+          <a:p>
+            <a:r>
+              <a:rPr lang="en-GB" sz="2800" dirty="0">
+                <a:hlinkClick r:id="rId4"/>
+              </a:rPr>
+              <a:t>https://ant.apache.org</a:t>
+            </a:r>
+            <a:r>
+              <a:rPr lang="en-GB" sz="2800" dirty="0"/>
+              <a:t> </a:t>
+            </a:r>
+          </a:p>
+          <a:p>
+            <a:r>
+              <a:rPr lang="en-GB" sz="2800" dirty="0">
+                <a:hlinkClick r:id="rId5"/>
+              </a:rPr>
+              <a:t>https://gradle.org</a:t>
+            </a:r>
+            <a:r>
+              <a:rPr lang="en-GB" sz="2800" dirty="0"/>
+              <a:t> </a:t>
+            </a:r>
+          </a:p>
+          <a:p>
+            <a:r>
+              <a:rPr lang="en-GB" sz="2800" dirty="0"/>
+              <a:t> </a:t>
+            </a:r>
+            <a:r>
+              <a:rPr lang="en-GB" sz="2800" dirty="0">
+                <a:hlinkClick r:id="rId6"/>
+              </a:rPr>
+              <a:t>https://github.com/bazelbuild</a:t>
+            </a:r>
+            <a:r>
+              <a:rPr lang="en-GB" sz="2800" dirty="0"/>
+              <a:t> </a:t>
+            </a:r>
+          </a:p>
+          <a:p>
+            <a:r>
+              <a:rPr lang="en-GB" sz="2800" dirty="0">
+                <a:hlinkClick r:id="rId7"/>
+              </a:rPr>
+              <a:t>https://cstamas.org/blog/2024/09/handling-sensitive-data-in-maven</a:t>
+            </a:r>
+            <a:r>
+              <a:rPr lang="en-GB" sz="2800" dirty="0"/>
+              <a:t> </a:t>
+            </a:r>
+          </a:p>
+          <a:p>
+            <a:r>
+              <a:rPr lang="en-GB" sz="2800" dirty="0">
+                <a:hlinkClick r:id="rId8"/>
+              </a:rPr>
+              <a:t>https://github.com/apache/maven-mvnd</a:t>
+            </a:r>
+            <a:r>
+              <a:rPr lang="en-GB" sz="2800" dirty="0"/>
+              <a:t> </a:t>
+            </a:r>
+          </a:p>
+          <a:p>
+            <a:r>
+              <a:rPr lang="en-GB" sz="2800" dirty="0">
+                <a:hlinkClick r:id="rId9"/>
+              </a:rPr>
+              <a:t>https://maven.apache.org/tools/mvnsh.html</a:t>
+            </a:r>
+            <a:r>
+              <a:rPr lang="en-GB" sz="2800" dirty="0"/>
+              <a:t> </a:t>
+            </a:r>
+          </a:p>
+          <a:p>
+            <a:endParaRPr lang="en-US" sz="2800" dirty="0"/>
+          </a:p>
+        </p:txBody>
+      </p:sp>
+    </p:spTree>
+    <p:extLst>
+      <p:ext uri="{BB962C8B-B14F-4D97-AF65-F5344CB8AC3E}">
+        <p14:creationId xmlns:p14="http://schemas.microsoft.com/office/powerpoint/2010/main" val="2302544402"/>
+      </p:ext>
+    </p:extLst>
+  </p:cSld>
+  <p:clrMapOvr>
+    <a:masterClrMapping/>
+  </p:clrMapOvr>
+</p:sld>
+</file>
+
+<file path=ppt/slides/slide41.xml><?xml version="1.0" encoding="utf-8"?>
+<p:sld xmlns:a="http://schemas.openxmlformats.org/drawingml/2006/main" xmlns:r="http://schemas.openxmlformats.org/officeDocument/2006/relationships" xmlns:p="http://schemas.openxmlformats.org/presentationml/2006/main">
+  <p:cSld>
+    <p:spTree>
+      <p:nvGrpSpPr>
         <p:cNvPr id="1" name="">
           <a:extLst>
             <a:ext uri="{FF2B5EF4-FFF2-40B4-BE49-F238E27FC236}">
@@ -25811,7 +26136,7 @@
 </p:sld>
 </file>
 
-<file path=ppt/slides/slide41.xml><?xml version="1.0" encoding="utf-8"?>
+<file path=ppt/slides/slide42.xml><?xml version="1.0" encoding="utf-8"?>
 <p:sld xmlns:a="http://schemas.openxmlformats.org/drawingml/2006/main" xmlns:r="http://schemas.openxmlformats.org/officeDocument/2006/relationships" xmlns:p="http://schemas.openxmlformats.org/presentationml/2006/main">
   <p:cSld>
     <p:spTree>

--- a/maven4-java25-presentation.pptx
+++ b/maven4-java25-presentation.pptx
@@ -5,7 +5,7 @@
     <p:sldMasterId id="2147483648" r:id="rId1"/>
   </p:sldMasterIdLst>
   <p:notesMasterIdLst>
-    <p:notesMasterId r:id="rId44"/>
+    <p:notesMasterId r:id="rId45"/>
   </p:notesMasterIdLst>
   <p:sldIdLst>
     <p:sldId id="256" r:id="rId2"/>
@@ -37,19 +37,20 @@
     <p:sldId id="275" r:id="rId28"/>
     <p:sldId id="289" r:id="rId29"/>
     <p:sldId id="294" r:id="rId30"/>
-    <p:sldId id="290" r:id="rId31"/>
-    <p:sldId id="291" r:id="rId32"/>
-    <p:sldId id="292" r:id="rId33"/>
-    <p:sldId id="293" r:id="rId34"/>
-    <p:sldId id="295" r:id="rId35"/>
-    <p:sldId id="296" r:id="rId36"/>
-    <p:sldId id="297" r:id="rId37"/>
-    <p:sldId id="298" r:id="rId38"/>
-    <p:sldId id="270" r:id="rId39"/>
-    <p:sldId id="276" r:id="rId40"/>
-    <p:sldId id="271" r:id="rId41"/>
-    <p:sldId id="273" r:id="rId42"/>
-    <p:sldId id="274" r:id="rId43"/>
+    <p:sldId id="300" r:id="rId31"/>
+    <p:sldId id="296" r:id="rId32"/>
+    <p:sldId id="290" r:id="rId33"/>
+    <p:sldId id="291" r:id="rId34"/>
+    <p:sldId id="292" r:id="rId35"/>
+    <p:sldId id="293" r:id="rId36"/>
+    <p:sldId id="295" r:id="rId37"/>
+    <p:sldId id="297" r:id="rId38"/>
+    <p:sldId id="298" r:id="rId39"/>
+    <p:sldId id="270" r:id="rId40"/>
+    <p:sldId id="276" r:id="rId41"/>
+    <p:sldId id="271" r:id="rId42"/>
+    <p:sldId id="273" r:id="rId43"/>
+    <p:sldId id="274" r:id="rId44"/>
   </p:sldIdLst>
   <p:sldSz cx="12192000" cy="6858000"/>
   <p:notesSz cx="6858000" cy="9144000"/>
@@ -3929,7 +3930,7 @@
           <a:p>
             <a:fld id="{0311717A-8604-9C49-9115-9B2537028286}" type="datetimeFigureOut">
               <a:rPr lang="en-US" smtClean="0"/>
-              <a:t>11/26/25</a:t>
+              <a:t>1/6/26</a:t>
             </a:fld>
             <a:endParaRPr lang="en-US"/>
           </a:p>
@@ -5842,6 +5843,102 @@
 </p:notes>
 </file>
 
+<file path=ppt/notesSlides/notesSlide21.xml><?xml version="1.0" encoding="utf-8"?>
+<p:notes xmlns:a="http://schemas.openxmlformats.org/drawingml/2006/main" xmlns:r="http://schemas.openxmlformats.org/officeDocument/2006/relationships" xmlns:p="http://schemas.openxmlformats.org/presentationml/2006/main">
+  <p:cSld>
+    <p:spTree>
+      <p:nvGrpSpPr>
+        <p:cNvPr id="1" name=""/>
+        <p:cNvGrpSpPr/>
+        <p:nvPr/>
+      </p:nvGrpSpPr>
+      <p:grpSpPr>
+        <a:xfrm>
+          <a:off x="0" y="0"/>
+          <a:ext cx="0" cy="0"/>
+          <a:chOff x="0" y="0"/>
+          <a:chExt cx="0" cy="0"/>
+        </a:xfrm>
+      </p:grpSpPr>
+      <p:sp>
+        <p:nvSpPr>
+          <p:cNvPr id="2" name="Slide Image Placeholder 1"/>
+          <p:cNvSpPr>
+            <a:spLocks noGrp="1" noRot="1" noChangeAspect="1"/>
+          </p:cNvSpPr>
+          <p:nvPr>
+            <p:ph type="sldImg"/>
+          </p:nvPr>
+        </p:nvSpPr>
+        <p:spPr/>
+      </p:sp>
+      <p:sp>
+        <p:nvSpPr>
+          <p:cNvPr id="3" name="Notes Placeholder 2"/>
+          <p:cNvSpPr>
+            <a:spLocks noGrp="1"/>
+          </p:cNvSpPr>
+          <p:nvPr>
+            <p:ph type="body" idx="1"/>
+          </p:nvPr>
+        </p:nvSpPr>
+        <p:spPr/>
+        <p:txBody>
+          <a:bodyPr/>
+          <a:lstStyle/>
+          <a:p>
+            <a:r>
+              <a:rPr lang="en-US" dirty="0"/>
+              <a:t>… </a:t>
+            </a:r>
+            <a:r>
+              <a:rPr lang="en-US" sz="1200" dirty="0"/>
+              <a:t>modules, </a:t>
+            </a:r>
+            <a:r>
+              <a:rPr lang="en-US" sz="1200"/>
+              <a:t>of course</a:t>
+            </a:r>
+            <a:endParaRPr lang="en-US"/>
+          </a:p>
+        </p:txBody>
+      </p:sp>
+      <p:sp>
+        <p:nvSpPr>
+          <p:cNvPr id="4" name="Slide Number Placeholder 3"/>
+          <p:cNvSpPr>
+            <a:spLocks noGrp="1"/>
+          </p:cNvSpPr>
+          <p:nvPr>
+            <p:ph type="sldNum" sz="quarter" idx="5"/>
+          </p:nvPr>
+        </p:nvSpPr>
+        <p:spPr/>
+        <p:txBody>
+          <a:bodyPr/>
+          <a:lstStyle/>
+          <a:p>
+            <a:fld id="{0B1A8FFB-CB5A-5744-992F-509A4FA86679}" type="slidenum">
+              <a:rPr lang="en-US" smtClean="0"/>
+              <a:t>32</a:t>
+            </a:fld>
+            <a:endParaRPr lang="en-US"/>
+          </a:p>
+        </p:txBody>
+      </p:sp>
+    </p:spTree>
+    <p:extLst>
+      <p:ext uri="{BB962C8B-B14F-4D97-AF65-F5344CB8AC3E}">
+        <p14:creationId xmlns:p14="http://schemas.microsoft.com/office/powerpoint/2010/main" val="2791568656"/>
+      </p:ext>
+    </p:extLst>
+  </p:cSld>
+  <p:clrMapOvr>
+    <a:masterClrMapping/>
+  </p:clrMapOvr>
+</p:notes>
+</file>
+
 <file path=ppt/notesSlides/notesSlide3.xml><?xml version="1.0" encoding="utf-8"?>
 <p:notes xmlns:a="http://schemas.openxmlformats.org/drawingml/2006/main" xmlns:r="http://schemas.openxmlformats.org/officeDocument/2006/relationships" xmlns:p="http://schemas.openxmlformats.org/presentationml/2006/main">
   <p:cSld>
@@ -6798,7 +6895,7 @@
           <a:p>
             <a:fld id="{4AAD347D-5ACD-4C99-B74B-A9C85AD731AF}" type="datetimeFigureOut">
               <a:rPr lang="en-US" dirty="0"/>
-              <a:t>11/26/25</a:t>
+              <a:t>1/6/26</a:t>
             </a:fld>
             <a:endParaRPr lang="en-US" dirty="0"/>
           </a:p>
@@ -7068,7 +7165,7 @@
           <a:p>
             <a:fld id="{4509A250-FF31-4206-8172-F9D3106AACB1}" type="datetimeFigureOut">
               <a:rPr lang="en-US" dirty="0"/>
-              <a:t>11/26/25</a:t>
+              <a:t>1/6/26</a:t>
             </a:fld>
             <a:endParaRPr lang="en-US" dirty="0"/>
           </a:p>
@@ -7257,7 +7354,7 @@
           <a:p>
             <a:fld id="{4509A250-FF31-4206-8172-F9D3106AACB1}" type="datetimeFigureOut">
               <a:rPr lang="en-US" dirty="0"/>
-              <a:t>11/26/25</a:t>
+              <a:t>1/6/26</a:t>
             </a:fld>
             <a:endParaRPr lang="en-US" dirty="0"/>
           </a:p>
@@ -7525,7 +7622,7 @@
           <a:p>
             <a:fld id="{4509A250-FF31-4206-8172-F9D3106AACB1}" type="datetimeFigureOut">
               <a:rPr lang="en-US" dirty="0"/>
-              <a:t>11/26/25</a:t>
+              <a:t>1/6/26</a:t>
             </a:fld>
             <a:endParaRPr lang="en-US" dirty="0"/>
           </a:p>
@@ -7861,7 +7958,7 @@
           <a:p>
             <a:fld id="{4509A250-FF31-4206-8172-F9D3106AACB1}" type="datetimeFigureOut">
               <a:rPr lang="en-US" dirty="0"/>
-              <a:t>11/26/25</a:t>
+              <a:t>1/6/26</a:t>
             </a:fld>
             <a:endParaRPr lang="en-US" dirty="0"/>
           </a:p>
@@ -8479,7 +8576,7 @@
           <a:p>
             <a:fld id="{4509A250-FF31-4206-8172-F9D3106AACB1}" type="datetimeFigureOut">
               <a:rPr lang="en-US" dirty="0"/>
-              <a:t>11/26/25</a:t>
+              <a:t>1/6/26</a:t>
             </a:fld>
             <a:endParaRPr lang="en-US" dirty="0"/>
           </a:p>
@@ -9334,7 +9431,7 @@
           <a:p>
             <a:fld id="{4509A250-FF31-4206-8172-F9D3106AACB1}" type="datetimeFigureOut">
               <a:rPr lang="en-US" dirty="0"/>
-              <a:t>11/26/25</a:t>
+              <a:t>1/6/26</a:t>
             </a:fld>
             <a:endParaRPr lang="en-US" dirty="0"/>
           </a:p>
@@ -9499,7 +9596,7 @@
           <a:p>
             <a:fld id="{4509A250-FF31-4206-8172-F9D3106AACB1}" type="datetimeFigureOut">
               <a:rPr lang="en-US" dirty="0"/>
-              <a:t>11/26/25</a:t>
+              <a:t>1/6/26</a:t>
             </a:fld>
             <a:endParaRPr lang="en-US" dirty="0"/>
           </a:p>
@@ -9674,7 +9771,7 @@
           <a:p>
             <a:fld id="{4509A250-FF31-4206-8172-F9D3106AACB1}" type="datetimeFigureOut">
               <a:rPr lang="en-US" dirty="0"/>
-              <a:t>11/26/25</a:t>
+              <a:t>1/6/26</a:t>
             </a:fld>
             <a:endParaRPr lang="en-US" dirty="0"/>
           </a:p>
@@ -9839,7 +9936,7 @@
           <a:p>
             <a:fld id="{4509A250-FF31-4206-8172-F9D3106AACB1}" type="datetimeFigureOut">
               <a:rPr lang="en-US" dirty="0"/>
-              <a:t>11/26/25</a:t>
+              <a:t>1/6/26</a:t>
             </a:fld>
             <a:endParaRPr lang="en-US" dirty="0"/>
           </a:p>
@@ -10081,7 +10178,7 @@
           <a:p>
             <a:fld id="{9796027F-7875-4030-9381-8BD8C4F21935}" type="datetimeFigureOut">
               <a:rPr lang="en-US" dirty="0"/>
-              <a:t>11/26/25</a:t>
+              <a:t>1/6/26</a:t>
             </a:fld>
             <a:endParaRPr lang="en-US" dirty="0"/>
           </a:p>
@@ -10368,7 +10465,7 @@
           <a:p>
             <a:fld id="{9796027F-7875-4030-9381-8BD8C4F21935}" type="datetimeFigureOut">
               <a:rPr lang="en-US" dirty="0"/>
-              <a:t>11/26/25</a:t>
+              <a:t>1/6/26</a:t>
             </a:fld>
             <a:endParaRPr lang="en-US" dirty="0"/>
           </a:p>
@@ -10807,7 +10904,7 @@
           <a:p>
             <a:fld id="{9796027F-7875-4030-9381-8BD8C4F21935}" type="datetimeFigureOut">
               <a:rPr lang="en-US" dirty="0"/>
-              <a:t>11/26/25</a:t>
+              <a:t>1/6/26</a:t>
             </a:fld>
             <a:endParaRPr lang="en-US" dirty="0"/>
           </a:p>
@@ -10920,7 +11017,7 @@
           <a:p>
             <a:fld id="{4509A250-FF31-4206-8172-F9D3106AACB1}" type="datetimeFigureOut">
               <a:rPr lang="en-US" dirty="0"/>
-              <a:t>11/26/25</a:t>
+              <a:t>1/6/26</a:t>
             </a:fld>
             <a:endParaRPr lang="en-US" dirty="0"/>
           </a:p>
@@ -11010,7 +11107,7 @@
           <a:p>
             <a:fld id="{4509A250-FF31-4206-8172-F9D3106AACB1}" type="datetimeFigureOut">
               <a:rPr lang="en-US" dirty="0"/>
-              <a:t>11/26/25</a:t>
+              <a:t>1/6/26</a:t>
             </a:fld>
             <a:endParaRPr lang="en-US" dirty="0"/>
           </a:p>
@@ -11284,7 +11381,7 @@
           <a:p>
             <a:fld id="{4509A250-FF31-4206-8172-F9D3106AACB1}" type="datetimeFigureOut">
               <a:rPr lang="en-US" dirty="0"/>
-              <a:t>11/26/25</a:t>
+              <a:t>1/6/26</a:t>
             </a:fld>
             <a:endParaRPr lang="en-US" dirty="0"/>
           </a:p>
@@ -11554,7 +11651,7 @@
           <a:p>
             <a:fld id="{4509A250-FF31-4206-8172-F9D3106AACB1}" type="datetimeFigureOut">
               <a:rPr lang="en-US" dirty="0"/>
-              <a:t>11/26/25</a:t>
+              <a:t>1/6/26</a:t>
             </a:fld>
             <a:endParaRPr lang="en-US" dirty="0"/>
           </a:p>
@@ -11992,7 +12089,7 @@
           <a:p>
             <a:fld id="{4AAD347D-5ACD-4C99-B74B-A9C85AD731AF}" type="datetimeFigureOut">
               <a:rPr lang="en-US" dirty="0"/>
-              <a:t>11/26/25</a:t>
+              <a:t>1/6/26</a:t>
             </a:fld>
             <a:endParaRPr lang="en-US" dirty="0"/>
           </a:p>
@@ -19644,6 +19741,21 @@
             <a:pPr lvl="1"/>
             <a:r>
               <a:rPr lang="en-US" sz="2000" dirty="0"/>
+              <a:t>JEP505: Structured Concurrency (5</a:t>
+            </a:r>
+            <a:r>
+              <a:rPr lang="en-US" sz="2000" baseline="30000" dirty="0"/>
+              <a:t>th</a:t>
+            </a:r>
+            <a:r>
+              <a:rPr lang="en-US" sz="2000" dirty="0"/>
+              <a:t> Preview)</a:t>
+            </a:r>
+          </a:p>
+          <a:p>
+            <a:pPr lvl="1"/>
+            <a:r>
+              <a:rPr lang="en-US" sz="2000" dirty="0"/>
               <a:t>JEP511: Module Import Declarations</a:t>
             </a:r>
           </a:p>
@@ -19685,21 +19797,6 @@
             <a:r>
               <a:rPr lang="en-US" sz="2000" baseline="30000" dirty="0"/>
               <a:t>rd</a:t>
-            </a:r>
-            <a:r>
-              <a:rPr lang="en-US" sz="2000" dirty="0"/>
-              <a:t> Preview)</a:t>
-            </a:r>
-          </a:p>
-          <a:p>
-            <a:pPr lvl="1"/>
-            <a:r>
-              <a:rPr lang="en-US" sz="2000" dirty="0"/>
-              <a:t>JEP505: Structured Concurrency (5</a:t>
-            </a:r>
-            <a:r>
-              <a:rPr lang="en-US" sz="2000" baseline="30000" dirty="0"/>
-              <a:t>th</a:t>
             </a:r>
             <a:r>
               <a:rPr lang="en-US" sz="2000" dirty="0"/>
@@ -19798,7 +19895,7 @@
           <a:p>
             <a:r>
               <a:rPr lang="en-US" dirty="0"/>
-              <a:t>Scoped Values</a:t>
+              <a:t>JEP-506: Scoped Values</a:t>
             </a:r>
           </a:p>
         </p:txBody>
@@ -19819,7 +19916,12 @@
             <p:ph idx="1"/>
           </p:nvPr>
         </p:nvSpPr>
-        <p:spPr/>
+        <p:spPr>
+          <a:xfrm>
+            <a:off x="1103312" y="1554480"/>
+            <a:ext cx="8946541" cy="4693919"/>
+          </a:xfrm>
+        </p:spPr>
         <p:txBody>
           <a:bodyPr>
             <a:normAutofit/>
@@ -19829,8 +19931,36 @@
             <a:pPr lvl="1"/>
             <a:r>
               <a:rPr lang="en-US" sz="2600" dirty="0"/>
-              <a:t># TODO</a:t>
-            </a:r>
+              <a:t>To explain the introduction of Scoped values I need to explain 3 things:</a:t>
+            </a:r>
+          </a:p>
+          <a:p>
+            <a:pPr lvl="2"/>
+            <a:r>
+              <a:rPr lang="en-US" sz="2400" dirty="0"/>
+              <a:t>Platform Threads</a:t>
+            </a:r>
+          </a:p>
+          <a:p>
+            <a:pPr lvl="2"/>
+            <a:r>
+              <a:rPr lang="en-US" sz="2400" dirty="0"/>
+              <a:t>Virtual Threads (and Structured Concurrency)</a:t>
+            </a:r>
+          </a:p>
+          <a:p>
+            <a:pPr lvl="2"/>
+            <a:r>
+              <a:rPr lang="en-US" sz="2400" dirty="0" err="1">
+                <a:latin typeface="Consolas" panose="020B0609020204030204" pitchFamily="49" charset="0"/>
+                <a:cs typeface="Consolas" panose="020B0609020204030204" pitchFamily="49" charset="0"/>
+              </a:rPr>
+              <a:t>ThreadLocal</a:t>
+            </a:r>
+            <a:endParaRPr lang="en-US" sz="2200" dirty="0">
+              <a:latin typeface="Consolas" panose="020B0609020204030204" pitchFamily="49" charset="0"/>
+              <a:cs typeface="Consolas" panose="020B0609020204030204" pitchFamily="49" charset="0"/>
+            </a:endParaRPr>
           </a:p>
         </p:txBody>
       </p:sp>
@@ -21265,6 +21395,243 @@
         <p:cNvPr id="1" name="">
           <a:extLst>
             <a:ext uri="{FF2B5EF4-FFF2-40B4-BE49-F238E27FC236}">
+              <a16:creationId xmlns:a16="http://schemas.microsoft.com/office/drawing/2014/main" id="{97C106C2-2485-40BD-F117-1E433DA47EAF}"/>
+            </a:ext>
+          </a:extLst>
+        </p:cNvPr>
+        <p:cNvGrpSpPr/>
+        <p:nvPr/>
+      </p:nvGrpSpPr>
+      <p:grpSpPr>
+        <a:xfrm>
+          <a:off x="0" y="0"/>
+          <a:ext cx="0" cy="0"/>
+          <a:chOff x="0" y="0"/>
+          <a:chExt cx="0" cy="0"/>
+        </a:xfrm>
+      </p:grpSpPr>
+      <p:pic>
+        <p:nvPicPr>
+          <p:cNvPr id="5" name="Content Placeholder 4" descr="A screenshot of a diagram&#10;&#10;AI-generated content may be incorrect.">
+            <a:extLst>
+              <a:ext uri="{FF2B5EF4-FFF2-40B4-BE49-F238E27FC236}">
+                <a16:creationId xmlns:a16="http://schemas.microsoft.com/office/drawing/2014/main" id="{BBAF1362-7F34-FD8E-ED14-39C058F34195}"/>
+              </a:ext>
+            </a:extLst>
+          </p:cNvPr>
+          <p:cNvPicPr>
+            <a:picLocks noGrp="1" noChangeAspect="1"/>
+          </p:cNvPicPr>
+          <p:nvPr>
+            <p:ph idx="1"/>
+          </p:nvPr>
+        </p:nvPicPr>
+        <p:blipFill>
+          <a:blip r:embed="rId2"/>
+          <a:stretch>
+            <a:fillRect/>
+          </a:stretch>
+        </p:blipFill>
+        <p:spPr>
+          <a:xfrm>
+            <a:off x="366024" y="242371"/>
+            <a:ext cx="8623739" cy="6467805"/>
+          </a:xfrm>
+        </p:spPr>
+      </p:pic>
+    </p:spTree>
+    <p:extLst>
+      <p:ext uri="{BB962C8B-B14F-4D97-AF65-F5344CB8AC3E}">
+        <p14:creationId xmlns:p14="http://schemas.microsoft.com/office/powerpoint/2010/main" val="4259450738"/>
+      </p:ext>
+    </p:extLst>
+  </p:cSld>
+  <p:clrMapOvr>
+    <a:masterClrMapping/>
+  </p:clrMapOvr>
+</p:sld>
+</file>
+
+<file path=ppt/slides/slide31.xml><?xml version="1.0" encoding="utf-8"?>
+<p:sld xmlns:a="http://schemas.openxmlformats.org/drawingml/2006/main" xmlns:r="http://schemas.openxmlformats.org/officeDocument/2006/relationships" xmlns:p="http://schemas.openxmlformats.org/presentationml/2006/main">
+  <p:cSld>
+    <p:spTree>
+      <p:nvGrpSpPr>
+        <p:cNvPr id="1" name="">
+          <a:extLst>
+            <a:ext uri="{FF2B5EF4-FFF2-40B4-BE49-F238E27FC236}">
+              <a16:creationId xmlns:a16="http://schemas.microsoft.com/office/drawing/2014/main" id="{740E3B0D-47CD-1B36-D29F-6A90009A5C89}"/>
+            </a:ext>
+          </a:extLst>
+        </p:cNvPr>
+        <p:cNvGrpSpPr/>
+        <p:nvPr/>
+      </p:nvGrpSpPr>
+      <p:grpSpPr>
+        <a:xfrm>
+          <a:off x="0" y="0"/>
+          <a:ext cx="0" cy="0"/>
+          <a:chOff x="0" y="0"/>
+          <a:chExt cx="0" cy="0"/>
+        </a:xfrm>
+      </p:grpSpPr>
+      <p:sp>
+        <p:nvSpPr>
+          <p:cNvPr id="2" name="Title 1">
+            <a:extLst>
+              <a:ext uri="{FF2B5EF4-FFF2-40B4-BE49-F238E27FC236}">
+                <a16:creationId xmlns:a16="http://schemas.microsoft.com/office/drawing/2014/main" id="{2D4978AF-F2B3-6927-447A-C0AEF85FD881}"/>
+              </a:ext>
+            </a:extLst>
+          </p:cNvPr>
+          <p:cNvSpPr>
+            <a:spLocks noGrp="1"/>
+          </p:cNvSpPr>
+          <p:nvPr>
+            <p:ph type="title"/>
+          </p:nvPr>
+        </p:nvSpPr>
+        <p:spPr>
+          <a:xfrm>
+            <a:off x="646111" y="452718"/>
+            <a:ext cx="9863050" cy="1066989"/>
+          </a:xfrm>
+        </p:spPr>
+        <p:txBody>
+          <a:bodyPr/>
+          <a:lstStyle/>
+          <a:p>
+            <a:r>
+              <a:rPr lang="en-US" dirty="0"/>
+              <a:t>JEP-505: Structured Concurrency(5</a:t>
+            </a:r>
+            <a:r>
+              <a:rPr lang="en-US" baseline="30000" dirty="0"/>
+              <a:t>th</a:t>
+            </a:r>
+            <a:r>
+              <a:rPr lang="en-US" dirty="0"/>
+              <a:t> Preview)</a:t>
+            </a:r>
+          </a:p>
+        </p:txBody>
+      </p:sp>
+      <p:sp>
+        <p:nvSpPr>
+          <p:cNvPr id="3" name="Content Placeholder 2">
+            <a:extLst>
+              <a:ext uri="{FF2B5EF4-FFF2-40B4-BE49-F238E27FC236}">
+                <a16:creationId xmlns:a16="http://schemas.microsoft.com/office/drawing/2014/main" id="{C302F815-B73C-7AB1-BF76-25C4767377C5}"/>
+              </a:ext>
+            </a:extLst>
+          </p:cNvPr>
+          <p:cNvSpPr>
+            <a:spLocks noGrp="1"/>
+          </p:cNvSpPr>
+          <p:nvPr>
+            <p:ph idx="1"/>
+          </p:nvPr>
+        </p:nvSpPr>
+        <p:spPr>
+          <a:xfrm>
+            <a:off x="400050" y="2052918"/>
+            <a:ext cx="5314951" cy="4195481"/>
+          </a:xfrm>
+        </p:spPr>
+        <p:txBody>
+          <a:bodyPr>
+            <a:normAutofit/>
+          </a:bodyPr>
+          <a:lstStyle/>
+          <a:p>
+            <a:pPr lvl="1"/>
+            <a:r>
+              <a:rPr lang="en-US" sz="2600" dirty="0"/>
+              <a:t>Work started in Java 19</a:t>
+            </a:r>
+          </a:p>
+          <a:p>
+            <a:pPr lvl="1"/>
+            <a:r>
+              <a:rPr lang="en-US" sz="2600" dirty="0"/>
+              <a:t>Treats different threads as a single unit of work</a:t>
+            </a:r>
+          </a:p>
+          <a:p>
+            <a:pPr lvl="1"/>
+            <a:r>
+              <a:rPr lang="en-US" sz="2600" dirty="0"/>
+              <a:t>In Java 25 </a:t>
+            </a:r>
+          </a:p>
+          <a:p>
+            <a:pPr lvl="2"/>
+            <a:r>
+              <a:rPr lang="en-US" sz="2400" dirty="0"/>
+              <a:t> static factory methods</a:t>
+            </a:r>
+          </a:p>
+          <a:p>
+            <a:pPr lvl="2"/>
+            <a:r>
+              <a:rPr lang="en-US" sz="2400"/>
+              <a:t>Joiner policies</a:t>
+            </a:r>
+            <a:endParaRPr lang="en-US" sz="2400" dirty="0"/>
+          </a:p>
+        </p:txBody>
+      </p:sp>
+      <p:pic>
+        <p:nvPicPr>
+          <p:cNvPr id="5" name="Picture 4" descr="A diagram of a task&#10;&#10;AI-generated content may be incorrect.">
+            <a:extLst>
+              <a:ext uri="{FF2B5EF4-FFF2-40B4-BE49-F238E27FC236}">
+                <a16:creationId xmlns:a16="http://schemas.microsoft.com/office/drawing/2014/main" id="{F75013B6-1B36-77D9-6FDF-92714015BB69}"/>
+              </a:ext>
+            </a:extLst>
+          </p:cNvPr>
+          <p:cNvPicPr>
+            <a:picLocks noChangeAspect="1"/>
+          </p:cNvPicPr>
+          <p:nvPr/>
+        </p:nvPicPr>
+        <p:blipFill>
+          <a:blip r:embed="rId2"/>
+          <a:stretch>
+            <a:fillRect/>
+          </a:stretch>
+        </p:blipFill>
+        <p:spPr>
+          <a:xfrm>
+            <a:off x="5995989" y="1519707"/>
+            <a:ext cx="5549900" cy="5016500"/>
+          </a:xfrm>
+          <a:prstGeom prst="rect">
+            <a:avLst/>
+          </a:prstGeom>
+        </p:spPr>
+      </p:pic>
+    </p:spTree>
+    <p:extLst>
+      <p:ext uri="{BB962C8B-B14F-4D97-AF65-F5344CB8AC3E}">
+        <p14:creationId xmlns:p14="http://schemas.microsoft.com/office/powerpoint/2010/main" val="2052983472"/>
+      </p:ext>
+    </p:extLst>
+  </p:cSld>
+  <p:clrMapOvr>
+    <a:masterClrMapping/>
+  </p:clrMapOvr>
+</p:sld>
+</file>
+
+<file path=ppt/slides/slide32.xml><?xml version="1.0" encoding="utf-8"?>
+<p:sld xmlns:a="http://schemas.openxmlformats.org/drawingml/2006/main" xmlns:r="http://schemas.openxmlformats.org/officeDocument/2006/relationships" xmlns:p="http://schemas.openxmlformats.org/presentationml/2006/main">
+  <p:cSld>
+    <p:spTree>
+      <p:nvGrpSpPr>
+        <p:cNvPr id="1" name="">
+          <a:extLst>
+            <a:ext uri="{FF2B5EF4-FFF2-40B4-BE49-F238E27FC236}">
               <a16:creationId xmlns:a16="http://schemas.microsoft.com/office/drawing/2014/main" id="{2A16D755-B15E-6154-73BE-EDCE7C874876}"/>
             </a:ext>
           </a:extLst>
@@ -21303,7 +21670,7 @@
           <a:p>
             <a:r>
               <a:rPr lang="en-US" dirty="0"/>
-              <a:t>Module Import Declarations</a:t>
+              <a:t>JEP 511 - Module Import Declarations</a:t>
             </a:r>
           </a:p>
         </p:txBody>
@@ -21334,7 +21701,7 @@
             <a:pPr lvl="1"/>
             <a:r>
               <a:rPr lang="en-US" sz="2600" dirty="0"/>
-              <a:t># TODO</a:t>
+              <a:t>To explain this, I need first to explain…</a:t>
             </a:r>
           </a:p>
         </p:txBody>
@@ -21352,7 +21719,7 @@
 </p:sld>
 </file>
 
-<file path=ppt/slides/slide31.xml><?xml version="1.0" encoding="utf-8"?>
+<file path=ppt/slides/slide33.xml><?xml version="1.0" encoding="utf-8"?>
 <p:sld xmlns:a="http://schemas.openxmlformats.org/drawingml/2006/main" xmlns:r="http://schemas.openxmlformats.org/officeDocument/2006/relationships" xmlns:p="http://schemas.openxmlformats.org/presentationml/2006/main">
   <p:cSld>
     <p:spTree>
@@ -21457,7 +21824,7 @@
 </p:sld>
 </file>
 
-<file path=ppt/slides/slide32.xml><?xml version="1.0" encoding="utf-8"?>
+<file path=ppt/slides/slide34.xml><?xml version="1.0" encoding="utf-8"?>
 <p:sld xmlns:a="http://schemas.openxmlformats.org/drawingml/2006/main" xmlns:r="http://schemas.openxmlformats.org/officeDocument/2006/relationships" xmlns:p="http://schemas.openxmlformats.org/presentationml/2006/main">
   <p:cSld>
     <p:spTree>
@@ -21552,7 +21919,7 @@
 </p:sld>
 </file>
 
-<file path=ppt/slides/slide33.xml><?xml version="1.0" encoding="utf-8"?>
+<file path=ppt/slides/slide35.xml><?xml version="1.0" encoding="utf-8"?>
 <p:sld xmlns:a="http://schemas.openxmlformats.org/drawingml/2006/main" xmlns:r="http://schemas.openxmlformats.org/officeDocument/2006/relationships" xmlns:p="http://schemas.openxmlformats.org/presentationml/2006/main">
   <p:cSld>
     <p:spTree>
@@ -21652,7 +22019,7 @@
 </p:sld>
 </file>
 
-<file path=ppt/slides/slide34.xml><?xml version="1.0" encoding="utf-8"?>
+<file path=ppt/slides/slide36.xml><?xml version="1.0" encoding="utf-8"?>
 <p:sld xmlns:a="http://schemas.openxmlformats.org/drawingml/2006/main" xmlns:r="http://schemas.openxmlformats.org/officeDocument/2006/relationships" xmlns:p="http://schemas.openxmlformats.org/presentationml/2006/main">
   <p:cSld>
     <p:spTree>
@@ -21760,115 +22127,7 @@
 </p:sld>
 </file>
 
-<file path=ppt/slides/slide35.xml><?xml version="1.0" encoding="utf-8"?>
-<p:sld xmlns:a="http://schemas.openxmlformats.org/drawingml/2006/main" xmlns:r="http://schemas.openxmlformats.org/officeDocument/2006/relationships" xmlns:p="http://schemas.openxmlformats.org/presentationml/2006/main">
-  <p:cSld>
-    <p:spTree>
-      <p:nvGrpSpPr>
-        <p:cNvPr id="1" name="">
-          <a:extLst>
-            <a:ext uri="{FF2B5EF4-FFF2-40B4-BE49-F238E27FC236}">
-              <a16:creationId xmlns:a16="http://schemas.microsoft.com/office/drawing/2014/main" id="{740E3B0D-47CD-1B36-D29F-6A90009A5C89}"/>
-            </a:ext>
-          </a:extLst>
-        </p:cNvPr>
-        <p:cNvGrpSpPr/>
-        <p:nvPr/>
-      </p:nvGrpSpPr>
-      <p:grpSpPr>
-        <a:xfrm>
-          <a:off x="0" y="0"/>
-          <a:ext cx="0" cy="0"/>
-          <a:chOff x="0" y="0"/>
-          <a:chExt cx="0" cy="0"/>
-        </a:xfrm>
-      </p:grpSpPr>
-      <p:sp>
-        <p:nvSpPr>
-          <p:cNvPr id="2" name="Title 1">
-            <a:extLst>
-              <a:ext uri="{FF2B5EF4-FFF2-40B4-BE49-F238E27FC236}">
-                <a16:creationId xmlns:a16="http://schemas.microsoft.com/office/drawing/2014/main" id="{2D4978AF-F2B3-6927-447A-C0AEF85FD881}"/>
-              </a:ext>
-            </a:extLst>
-          </p:cNvPr>
-          <p:cNvSpPr>
-            <a:spLocks noGrp="1"/>
-          </p:cNvSpPr>
-          <p:nvPr>
-            <p:ph type="title"/>
-          </p:nvPr>
-        </p:nvSpPr>
-        <p:spPr>
-          <a:xfrm>
-            <a:off x="646111" y="452718"/>
-            <a:ext cx="9863050" cy="1066989"/>
-          </a:xfrm>
-        </p:spPr>
-        <p:txBody>
-          <a:bodyPr/>
-          <a:lstStyle/>
-          <a:p>
-            <a:r>
-              <a:rPr lang="en-US" dirty="0"/>
-              <a:t>Structured Concurrency(5</a:t>
-            </a:r>
-            <a:r>
-              <a:rPr lang="en-US" baseline="30000" dirty="0"/>
-              <a:t>th</a:t>
-            </a:r>
-            <a:r>
-              <a:rPr lang="en-US" dirty="0"/>
-              <a:t> Preview)</a:t>
-            </a:r>
-          </a:p>
-        </p:txBody>
-      </p:sp>
-      <p:sp>
-        <p:nvSpPr>
-          <p:cNvPr id="3" name="Content Placeholder 2">
-            <a:extLst>
-              <a:ext uri="{FF2B5EF4-FFF2-40B4-BE49-F238E27FC236}">
-                <a16:creationId xmlns:a16="http://schemas.microsoft.com/office/drawing/2014/main" id="{C302F815-B73C-7AB1-BF76-25C4767377C5}"/>
-              </a:ext>
-            </a:extLst>
-          </p:cNvPr>
-          <p:cNvSpPr>
-            <a:spLocks noGrp="1"/>
-          </p:cNvSpPr>
-          <p:nvPr>
-            <p:ph idx="1"/>
-          </p:nvPr>
-        </p:nvSpPr>
-        <p:spPr/>
-        <p:txBody>
-          <a:bodyPr>
-            <a:normAutofit/>
-          </a:bodyPr>
-          <a:lstStyle/>
-          <a:p>
-            <a:pPr lvl="1"/>
-            <a:r>
-              <a:rPr lang="en-US" sz="2600" dirty="0"/>
-              <a:t># TODO</a:t>
-            </a:r>
-          </a:p>
-        </p:txBody>
-      </p:sp>
-    </p:spTree>
-    <p:extLst>
-      <p:ext uri="{BB962C8B-B14F-4D97-AF65-F5344CB8AC3E}">
-        <p14:creationId xmlns:p14="http://schemas.microsoft.com/office/powerpoint/2010/main" val="2052983472"/>
-      </p:ext>
-    </p:extLst>
-  </p:cSld>
-  <p:clrMapOvr>
-    <a:masterClrMapping/>
-  </p:clrMapOvr>
-</p:sld>
-</file>
-
-<file path=ppt/slides/slide36.xml><?xml version="1.0" encoding="utf-8"?>
+<file path=ppt/slides/slide37.xml><?xml version="1.0" encoding="utf-8"?>
 <p:sld xmlns:a="http://schemas.openxmlformats.org/drawingml/2006/main" xmlns:r="http://schemas.openxmlformats.org/officeDocument/2006/relationships" xmlns:p="http://schemas.openxmlformats.org/presentationml/2006/main">
   <p:cSld>
     <p:bg>
@@ -23028,7 +23287,7 @@
 </p:sld>
 </file>
 
-<file path=ppt/slides/slide37.xml><?xml version="1.0" encoding="utf-8"?>
+<file path=ppt/slides/slide38.xml><?xml version="1.0" encoding="utf-8"?>
 <p:sld xmlns:a="http://schemas.openxmlformats.org/drawingml/2006/main" xmlns:r="http://schemas.openxmlformats.org/officeDocument/2006/relationships" xmlns:p="http://schemas.openxmlformats.org/presentationml/2006/main">
   <p:cSld>
     <p:bg>
@@ -24168,7 +24427,7 @@
 </p:sld>
 </file>
 
-<file path=ppt/slides/slide38.xml><?xml version="1.0" encoding="utf-8"?>
+<file path=ppt/slides/slide39.xml><?xml version="1.0" encoding="utf-8"?>
 <p:sld xmlns:a="http://schemas.openxmlformats.org/drawingml/2006/main" xmlns:r="http://schemas.openxmlformats.org/officeDocument/2006/relationships" xmlns:p="http://schemas.openxmlformats.org/presentationml/2006/main">
   <p:cSld>
     <p:bg>
@@ -25565,94 +25824,6 @@
 </p:sld>
 </file>
 
-<file path=ppt/slides/slide39.xml><?xml version="1.0" encoding="utf-8"?>
-<p:sld xmlns:a="http://schemas.openxmlformats.org/drawingml/2006/main" xmlns:r="http://schemas.openxmlformats.org/officeDocument/2006/relationships" xmlns:p="http://schemas.openxmlformats.org/presentationml/2006/main">
-  <p:cSld>
-    <p:spTree>
-      <p:nvGrpSpPr>
-        <p:cNvPr id="1" name=""/>
-        <p:cNvGrpSpPr/>
-        <p:nvPr/>
-      </p:nvGrpSpPr>
-      <p:grpSpPr>
-        <a:xfrm>
-          <a:off x="0" y="0"/>
-          <a:ext cx="0" cy="0"/>
-          <a:chOff x="0" y="0"/>
-          <a:chExt cx="0" cy="0"/>
-        </a:xfrm>
-      </p:grpSpPr>
-      <p:sp>
-        <p:nvSpPr>
-          <p:cNvPr id="2" name="Title 1">
-            <a:extLst>
-              <a:ext uri="{FF2B5EF4-FFF2-40B4-BE49-F238E27FC236}">
-                <a16:creationId xmlns:a16="http://schemas.microsoft.com/office/drawing/2014/main" id="{AB6C0888-59A4-3A97-EF04-F5F640FEDB67}"/>
-              </a:ext>
-            </a:extLst>
-          </p:cNvPr>
-          <p:cNvSpPr>
-            <a:spLocks noGrp="1"/>
-          </p:cNvSpPr>
-          <p:nvPr>
-            <p:ph type="title"/>
-          </p:nvPr>
-        </p:nvSpPr>
-        <p:spPr/>
-        <p:txBody>
-          <a:bodyPr/>
-          <a:lstStyle/>
-          <a:p>
-            <a:r>
-              <a:rPr lang="en-US" dirty="0"/>
-              <a:t>Spring 7</a:t>
-            </a:r>
-          </a:p>
-        </p:txBody>
-      </p:sp>
-      <p:sp>
-        <p:nvSpPr>
-          <p:cNvPr id="3" name="Content Placeholder 2">
-            <a:extLst>
-              <a:ext uri="{FF2B5EF4-FFF2-40B4-BE49-F238E27FC236}">
-                <a16:creationId xmlns:a16="http://schemas.microsoft.com/office/drawing/2014/main" id="{A7822E91-0948-284A-5D51-F5FDC0330031}"/>
-              </a:ext>
-            </a:extLst>
-          </p:cNvPr>
-          <p:cNvSpPr>
-            <a:spLocks noGrp="1"/>
-          </p:cNvSpPr>
-          <p:nvPr>
-            <p:ph idx="1"/>
-          </p:nvPr>
-        </p:nvSpPr>
-        <p:spPr/>
-        <p:txBody>
-          <a:bodyPr>
-            <a:normAutofit/>
-          </a:bodyPr>
-          <a:lstStyle/>
-          <a:p>
-            <a:r>
-              <a:rPr lang="en-US" sz="2800" dirty="0"/>
-              <a:t>#TODO</a:t>
-            </a:r>
-          </a:p>
-        </p:txBody>
-      </p:sp>
-    </p:spTree>
-    <p:extLst>
-      <p:ext uri="{BB962C8B-B14F-4D97-AF65-F5344CB8AC3E}">
-        <p14:creationId xmlns:p14="http://schemas.microsoft.com/office/powerpoint/2010/main" val="2899600124"/>
-      </p:ext>
-    </p:extLst>
-  </p:cSld>
-  <p:clrMapOvr>
-    <a:masterClrMapping/>
-  </p:clrMapOvr>
-</p:sld>
-</file>
-
 <file path=ppt/slides/slide4.xml><?xml version="1.0" encoding="utf-8"?>
 <p:sld xmlns:a="http://schemas.openxmlformats.org/drawingml/2006/main" xmlns:r="http://schemas.openxmlformats.org/officeDocument/2006/relationships" xmlns:p="http://schemas.openxmlformats.org/presentationml/2006/main">
   <p:cSld>
@@ -25855,6 +26026,94 @@
           <p:cNvPr id="2" name="Title 1">
             <a:extLst>
               <a:ext uri="{FF2B5EF4-FFF2-40B4-BE49-F238E27FC236}">
+                <a16:creationId xmlns:a16="http://schemas.microsoft.com/office/drawing/2014/main" id="{AB6C0888-59A4-3A97-EF04-F5F640FEDB67}"/>
+              </a:ext>
+            </a:extLst>
+          </p:cNvPr>
+          <p:cNvSpPr>
+            <a:spLocks noGrp="1"/>
+          </p:cNvSpPr>
+          <p:nvPr>
+            <p:ph type="title"/>
+          </p:nvPr>
+        </p:nvSpPr>
+        <p:spPr/>
+        <p:txBody>
+          <a:bodyPr/>
+          <a:lstStyle/>
+          <a:p>
+            <a:r>
+              <a:rPr lang="en-US" dirty="0"/>
+              <a:t>Spring 7</a:t>
+            </a:r>
+          </a:p>
+        </p:txBody>
+      </p:sp>
+      <p:sp>
+        <p:nvSpPr>
+          <p:cNvPr id="3" name="Content Placeholder 2">
+            <a:extLst>
+              <a:ext uri="{FF2B5EF4-FFF2-40B4-BE49-F238E27FC236}">
+                <a16:creationId xmlns:a16="http://schemas.microsoft.com/office/drawing/2014/main" id="{A7822E91-0948-284A-5D51-F5FDC0330031}"/>
+              </a:ext>
+            </a:extLst>
+          </p:cNvPr>
+          <p:cNvSpPr>
+            <a:spLocks noGrp="1"/>
+          </p:cNvSpPr>
+          <p:nvPr>
+            <p:ph idx="1"/>
+          </p:nvPr>
+        </p:nvSpPr>
+        <p:spPr/>
+        <p:txBody>
+          <a:bodyPr>
+            <a:normAutofit/>
+          </a:bodyPr>
+          <a:lstStyle/>
+          <a:p>
+            <a:r>
+              <a:rPr lang="en-US" sz="2800" dirty="0"/>
+              <a:t>#TODO</a:t>
+            </a:r>
+          </a:p>
+        </p:txBody>
+      </p:sp>
+    </p:spTree>
+    <p:extLst>
+      <p:ext uri="{BB962C8B-B14F-4D97-AF65-F5344CB8AC3E}">
+        <p14:creationId xmlns:p14="http://schemas.microsoft.com/office/powerpoint/2010/main" val="2899600124"/>
+      </p:ext>
+    </p:extLst>
+  </p:cSld>
+  <p:clrMapOvr>
+    <a:masterClrMapping/>
+  </p:clrMapOvr>
+</p:sld>
+</file>
+
+<file path=ppt/slides/slide41.xml><?xml version="1.0" encoding="utf-8"?>
+<p:sld xmlns:a="http://schemas.openxmlformats.org/drawingml/2006/main" xmlns:r="http://schemas.openxmlformats.org/officeDocument/2006/relationships" xmlns:p="http://schemas.openxmlformats.org/presentationml/2006/main">
+  <p:cSld>
+    <p:spTree>
+      <p:nvGrpSpPr>
+        <p:cNvPr id="1" name=""/>
+        <p:cNvGrpSpPr/>
+        <p:nvPr/>
+      </p:nvGrpSpPr>
+      <p:grpSpPr>
+        <a:xfrm>
+          <a:off x="0" y="0"/>
+          <a:ext cx="0" cy="0"/>
+          <a:chOff x="0" y="0"/>
+          <a:chExt cx="0" cy="0"/>
+        </a:xfrm>
+      </p:grpSpPr>
+      <p:sp>
+        <p:nvSpPr>
+          <p:cNvPr id="2" name="Title 1">
+            <a:extLst>
+              <a:ext uri="{FF2B5EF4-FFF2-40B4-BE49-F238E27FC236}">
                 <a16:creationId xmlns:a16="http://schemas.microsoft.com/office/drawing/2014/main" id="{7E1A6C48-3D5B-B8F0-C46C-33E81B4D6BDC}"/>
               </a:ext>
             </a:extLst>
@@ -26027,7 +26286,7 @@
 </p:sld>
 </file>
 
-<file path=ppt/slides/slide41.xml><?xml version="1.0" encoding="utf-8"?>
+<file path=ppt/slides/slide42.xml><?xml version="1.0" encoding="utf-8"?>
 <p:sld xmlns:a="http://schemas.openxmlformats.org/drawingml/2006/main" xmlns:r="http://schemas.openxmlformats.org/officeDocument/2006/relationships" xmlns:p="http://schemas.openxmlformats.org/presentationml/2006/main">
   <p:cSld>
     <p:spTree>
@@ -26117,9 +26376,15 @@
           <a:lstStyle/>
           <a:p>
             <a:r>
-              <a:rPr lang="en-US" sz="2800" dirty="0"/>
-              <a:t>#TODO</a:t>
-            </a:r>
+              <a:rPr lang="en-US" sz="2800" dirty="0">
+                <a:hlinkClick r:id="rId2"/>
+              </a:rPr>
+              <a:t>https://rockthejvm.com/articles/the-ultimate-guide-to-java-virtual-threads</a:t>
+            </a:r>
+            <a:endParaRPr lang="en-US" sz="2800" dirty="0"/>
+          </a:p>
+          <a:p>
+            <a:endParaRPr lang="en-US" sz="2800" dirty="0"/>
           </a:p>
         </p:txBody>
       </p:sp>
@@ -26136,7 +26401,7 @@
 </p:sld>
 </file>
 
-<file path=ppt/slides/slide42.xml><?xml version="1.0" encoding="utf-8"?>
+<file path=ppt/slides/slide43.xml><?xml version="1.0" encoding="utf-8"?>
 <p:sld xmlns:a="http://schemas.openxmlformats.org/drawingml/2006/main" xmlns:r="http://schemas.openxmlformats.org/officeDocument/2006/relationships" xmlns:p="http://schemas.openxmlformats.org/presentationml/2006/main">
   <p:cSld>
     <p:spTree>
